--- a/Presentation1.pptx
+++ b/Presentation1.pptx
@@ -6,6 +6,8 @@
   </p:sldMasterIdLst>
   <p:sldIdLst>
     <p:sldId id="257" r:id="rId2"/>
+    <p:sldId id="259" r:id="rId3"/>
+    <p:sldId id="258" r:id="rId4"/>
   </p:sldIdLst>
   <p:sldSz cx="9144000" cy="6858000" type="screen4x3"/>
   <p:notesSz cx="6858000" cy="9144000"/>
@@ -288,7 +290,7 @@
           <a:p>
             <a:fld id="{4306B778-A3B8-4E49-AF82-27F4C6B0ED5E}" type="datetimeFigureOut">
               <a:rPr lang="en-US" smtClean="0"/>
-              <a:t>3/30/2014</a:t>
+              <a:t>4/1/2014</a:t>
             </a:fld>
             <a:endParaRPr lang="en-US"/>
           </a:p>
@@ -458,7 +460,7 @@
           <a:p>
             <a:fld id="{4306B778-A3B8-4E49-AF82-27F4C6B0ED5E}" type="datetimeFigureOut">
               <a:rPr lang="en-US" smtClean="0"/>
-              <a:t>3/30/2014</a:t>
+              <a:t>4/1/2014</a:t>
             </a:fld>
             <a:endParaRPr lang="en-US"/>
           </a:p>
@@ -638,7 +640,7 @@
           <a:p>
             <a:fld id="{4306B778-A3B8-4E49-AF82-27F4C6B0ED5E}" type="datetimeFigureOut">
               <a:rPr lang="en-US" smtClean="0"/>
-              <a:t>3/30/2014</a:t>
+              <a:t>4/1/2014</a:t>
             </a:fld>
             <a:endParaRPr lang="en-US"/>
           </a:p>
@@ -808,7 +810,7 @@
           <a:p>
             <a:fld id="{4306B778-A3B8-4E49-AF82-27F4C6B0ED5E}" type="datetimeFigureOut">
               <a:rPr lang="en-US" smtClean="0"/>
-              <a:t>3/30/2014</a:t>
+              <a:t>4/1/2014</a:t>
             </a:fld>
             <a:endParaRPr lang="en-US"/>
           </a:p>
@@ -1054,7 +1056,7 @@
           <a:p>
             <a:fld id="{4306B778-A3B8-4E49-AF82-27F4C6B0ED5E}" type="datetimeFigureOut">
               <a:rPr lang="en-US" smtClean="0"/>
-              <a:t>3/30/2014</a:t>
+              <a:t>4/1/2014</a:t>
             </a:fld>
             <a:endParaRPr lang="en-US"/>
           </a:p>
@@ -1342,7 +1344,7 @@
           <a:p>
             <a:fld id="{4306B778-A3B8-4E49-AF82-27F4C6B0ED5E}" type="datetimeFigureOut">
               <a:rPr lang="en-US" smtClean="0"/>
-              <a:t>3/30/2014</a:t>
+              <a:t>4/1/2014</a:t>
             </a:fld>
             <a:endParaRPr lang="en-US"/>
           </a:p>
@@ -1764,7 +1766,7 @@
           <a:p>
             <a:fld id="{4306B778-A3B8-4E49-AF82-27F4C6B0ED5E}" type="datetimeFigureOut">
               <a:rPr lang="en-US" smtClean="0"/>
-              <a:t>3/30/2014</a:t>
+              <a:t>4/1/2014</a:t>
             </a:fld>
             <a:endParaRPr lang="en-US"/>
           </a:p>
@@ -1882,7 +1884,7 @@
           <a:p>
             <a:fld id="{4306B778-A3B8-4E49-AF82-27F4C6B0ED5E}" type="datetimeFigureOut">
               <a:rPr lang="en-US" smtClean="0"/>
-              <a:t>3/30/2014</a:t>
+              <a:t>4/1/2014</a:t>
             </a:fld>
             <a:endParaRPr lang="en-US"/>
           </a:p>
@@ -1977,7 +1979,7 @@
           <a:p>
             <a:fld id="{4306B778-A3B8-4E49-AF82-27F4C6B0ED5E}" type="datetimeFigureOut">
               <a:rPr lang="en-US" smtClean="0"/>
-              <a:t>3/30/2014</a:t>
+              <a:t>4/1/2014</a:t>
             </a:fld>
             <a:endParaRPr lang="en-US"/>
           </a:p>
@@ -2254,7 +2256,7 @@
           <a:p>
             <a:fld id="{4306B778-A3B8-4E49-AF82-27F4C6B0ED5E}" type="datetimeFigureOut">
               <a:rPr lang="en-US" smtClean="0"/>
-              <a:t>3/30/2014</a:t>
+              <a:t>4/1/2014</a:t>
             </a:fld>
             <a:endParaRPr lang="en-US"/>
           </a:p>
@@ -2507,7 +2509,7 @@
           <a:p>
             <a:fld id="{4306B778-A3B8-4E49-AF82-27F4C6B0ED5E}" type="datetimeFigureOut">
               <a:rPr lang="en-US" smtClean="0"/>
-              <a:t>3/30/2014</a:t>
+              <a:t>4/1/2014</a:t>
             </a:fld>
             <a:endParaRPr lang="en-US"/>
           </a:p>
@@ -2720,7 +2722,7 @@
           <a:p>
             <a:fld id="{4306B778-A3B8-4E49-AF82-27F4C6B0ED5E}" type="datetimeFigureOut">
               <a:rPr lang="en-US" smtClean="0"/>
-              <a:t>3/30/2014</a:t>
+              <a:t>4/1/2014</a:t>
             </a:fld>
             <a:endParaRPr lang="en-US"/>
           </a:p>
@@ -3344,8 +3346,8 @@
           </a:fontRef>
         </p:style>
       </p:cxnSp>
-      <mc:AlternateContent xmlns:mc="http://schemas.openxmlformats.org/markup-compatibility/2006">
-        <mc:Choice xmlns:a14="http://schemas.microsoft.com/office/drawing/2010/main" Requires="a14">
+      <mc:AlternateContent xmlns:mc="http://schemas.openxmlformats.org/markup-compatibility/2006" xmlns:a14="http://schemas.microsoft.com/office/drawing/2010/main">
+        <mc:Choice Requires="a14">
           <p:sp>
             <p:nvSpPr>
               <p:cNvPr id="19" name="TextBox 18"/>
@@ -3368,6 +3370,7 @@
               </a:bodyPr>
               <a:lstStyle/>
               <a:p>
+                <a:pPr/>
                 <a14:m>
                   <m:oMathPara xmlns:m="http://schemas.openxmlformats.org/officeDocument/2006/math">
                     <m:oMathParaPr>
@@ -3407,7 +3410,7 @@
             </p:txBody>
           </p:sp>
         </mc:Choice>
-        <mc:Fallback>
+        <mc:Fallback xmlns="">
           <p:sp>
             <p:nvSpPr>
               <p:cNvPr id="19" name="TextBox 18"/>
@@ -3446,8 +3449,8 @@
           </p:sp>
         </mc:Fallback>
       </mc:AlternateContent>
-      <mc:AlternateContent xmlns:mc="http://schemas.openxmlformats.org/markup-compatibility/2006">
-        <mc:Choice xmlns:a14="http://schemas.microsoft.com/office/drawing/2010/main" Requires="a14">
+      <mc:AlternateContent xmlns:mc="http://schemas.openxmlformats.org/markup-compatibility/2006" xmlns:a14="http://schemas.microsoft.com/office/drawing/2010/main">
+        <mc:Choice Requires="a14">
           <p:sp>
             <p:nvSpPr>
               <p:cNvPr id="20" name="TextBox 19"/>
@@ -3470,6 +3473,7 @@
               </a:bodyPr>
               <a:lstStyle/>
               <a:p>
+                <a:pPr/>
                 <a14:m>
                   <m:oMathPara xmlns:m="http://schemas.openxmlformats.org/officeDocument/2006/math">
                     <m:oMathParaPr>
@@ -3509,7 +3513,7 @@
             </p:txBody>
           </p:sp>
         </mc:Choice>
-        <mc:Fallback>
+        <mc:Fallback xmlns="">
           <p:sp>
             <p:nvSpPr>
               <p:cNvPr id="20" name="TextBox 19"/>
@@ -3548,8 +3552,8 @@
           </p:sp>
         </mc:Fallback>
       </mc:AlternateContent>
-      <mc:AlternateContent xmlns:mc="http://schemas.openxmlformats.org/markup-compatibility/2006">
-        <mc:Choice xmlns:a14="http://schemas.microsoft.com/office/drawing/2010/main" Requires="a14">
+      <mc:AlternateContent xmlns:mc="http://schemas.openxmlformats.org/markup-compatibility/2006" xmlns:a14="http://schemas.microsoft.com/office/drawing/2010/main">
+        <mc:Choice Requires="a14">
           <p:sp>
             <p:nvSpPr>
               <p:cNvPr id="21" name="TextBox 20"/>
@@ -3572,6 +3576,7 @@
               </a:bodyPr>
               <a:lstStyle/>
               <a:p>
+                <a:pPr/>
                 <a14:m>
                   <m:oMathPara xmlns:m="http://schemas.openxmlformats.org/officeDocument/2006/math">
                     <m:oMathParaPr>
@@ -3611,7 +3616,7 @@
             </p:txBody>
           </p:sp>
         </mc:Choice>
-        <mc:Fallback>
+        <mc:Fallback xmlns="">
           <p:sp>
             <p:nvSpPr>
               <p:cNvPr id="21" name="TextBox 20"/>
@@ -3650,8 +3655,8 @@
           </p:sp>
         </mc:Fallback>
       </mc:AlternateContent>
-      <mc:AlternateContent xmlns:mc="http://schemas.openxmlformats.org/markup-compatibility/2006">
-        <mc:Choice xmlns:a14="http://schemas.microsoft.com/office/drawing/2010/main" Requires="a14">
+      <mc:AlternateContent xmlns:mc="http://schemas.openxmlformats.org/markup-compatibility/2006" xmlns:a14="http://schemas.microsoft.com/office/drawing/2010/main">
+        <mc:Choice Requires="a14">
           <p:sp>
             <p:nvSpPr>
               <p:cNvPr id="22" name="TextBox 21"/>
@@ -3674,6 +3679,7 @@
               </a:bodyPr>
               <a:lstStyle/>
               <a:p>
+                <a:pPr/>
                 <a14:m>
                   <m:oMathPara xmlns:m="http://schemas.openxmlformats.org/officeDocument/2006/math">
                     <m:oMathParaPr>
@@ -3713,7 +3719,7 @@
             </p:txBody>
           </p:sp>
         </mc:Choice>
-        <mc:Fallback>
+        <mc:Fallback xmlns="">
           <p:sp>
             <p:nvSpPr>
               <p:cNvPr id="22" name="TextBox 21"/>
@@ -3752,8 +3758,8 @@
           </p:sp>
         </mc:Fallback>
       </mc:AlternateContent>
-      <mc:AlternateContent xmlns:mc="http://schemas.openxmlformats.org/markup-compatibility/2006">
-        <mc:Choice xmlns:a14="http://schemas.microsoft.com/office/drawing/2010/main" Requires="a14">
+      <mc:AlternateContent xmlns:mc="http://schemas.openxmlformats.org/markup-compatibility/2006" xmlns:a14="http://schemas.microsoft.com/office/drawing/2010/main">
+        <mc:Choice Requires="a14">
           <p:sp>
             <p:nvSpPr>
               <p:cNvPr id="23" name="TextBox 22"/>
@@ -3776,6 +3782,7 @@
               </a:bodyPr>
               <a:lstStyle/>
               <a:p>
+                <a:pPr/>
                 <a14:m>
                   <m:oMathPara xmlns:m="http://schemas.openxmlformats.org/officeDocument/2006/math">
                     <m:oMathParaPr>
@@ -3815,7 +3822,7 @@
             </p:txBody>
           </p:sp>
         </mc:Choice>
-        <mc:Fallback>
+        <mc:Fallback xmlns="">
           <p:sp>
             <p:nvSpPr>
               <p:cNvPr id="23" name="TextBox 22"/>
@@ -3890,8 +3897,8 @@
           </a:fontRef>
         </p:style>
       </p:cxnSp>
-      <mc:AlternateContent xmlns:mc="http://schemas.openxmlformats.org/markup-compatibility/2006">
-        <mc:Choice xmlns:a14="http://schemas.microsoft.com/office/drawing/2010/main" Requires="a14">
+      <mc:AlternateContent xmlns:mc="http://schemas.openxmlformats.org/markup-compatibility/2006" xmlns:a14="http://schemas.microsoft.com/office/drawing/2010/main">
+        <mc:Choice Requires="a14">
           <p:sp>
             <p:nvSpPr>
               <p:cNvPr id="26" name="TextBox 25"/>
@@ -3914,6 +3921,7 @@
               </a:bodyPr>
               <a:lstStyle/>
               <a:p>
+                <a:pPr/>
                 <a14:m>
                   <m:oMathPara xmlns:m="http://schemas.openxmlformats.org/officeDocument/2006/math">
                     <m:oMathParaPr>
@@ -3953,7 +3961,7 @@
             </p:txBody>
           </p:sp>
         </mc:Choice>
-        <mc:Fallback>
+        <mc:Fallback xmlns="">
           <p:sp>
             <p:nvSpPr>
               <p:cNvPr id="26" name="TextBox 25"/>
@@ -4028,8 +4036,8 @@
           </a:fontRef>
         </p:style>
       </p:cxnSp>
-      <mc:AlternateContent xmlns:mc="http://schemas.openxmlformats.org/markup-compatibility/2006">
-        <mc:Choice xmlns:a14="http://schemas.microsoft.com/office/drawing/2010/main" Requires="a14">
+      <mc:AlternateContent xmlns:mc="http://schemas.openxmlformats.org/markup-compatibility/2006" xmlns:a14="http://schemas.microsoft.com/office/drawing/2010/main">
+        <mc:Choice Requires="a14">
           <p:sp>
             <p:nvSpPr>
               <p:cNvPr id="30" name="TextBox 29"/>
@@ -4052,6 +4060,7 @@
               </a:bodyPr>
               <a:lstStyle/>
               <a:p>
+                <a:pPr/>
                 <a14:m>
                   <m:oMathPara xmlns:m="http://schemas.openxmlformats.org/officeDocument/2006/math">
                     <m:oMathParaPr>
@@ -4091,7 +4100,7 @@
             </p:txBody>
           </p:sp>
         </mc:Choice>
-        <mc:Fallback>
+        <mc:Fallback xmlns="">
           <p:sp>
             <p:nvSpPr>
               <p:cNvPr id="30" name="TextBox 29"/>
@@ -4202,8 +4211,8 @@
           </a:fontRef>
         </p:style>
       </p:cxnSp>
-      <mc:AlternateContent xmlns:mc="http://schemas.openxmlformats.org/markup-compatibility/2006">
-        <mc:Choice xmlns:a14="http://schemas.microsoft.com/office/drawing/2010/main" Requires="a14">
+      <mc:AlternateContent xmlns:mc="http://schemas.openxmlformats.org/markup-compatibility/2006" xmlns:a14="http://schemas.microsoft.com/office/drawing/2010/main">
+        <mc:Choice Requires="a14">
           <p:sp>
             <p:nvSpPr>
               <p:cNvPr id="36" name="TextBox 35"/>
@@ -4226,6 +4235,7 @@
               </a:bodyPr>
               <a:lstStyle/>
               <a:p>
+                <a:pPr/>
                 <a14:m>
                   <m:oMathPara xmlns:m="http://schemas.openxmlformats.org/officeDocument/2006/math">
                     <m:oMathParaPr>
@@ -4265,7 +4275,7 @@
             </p:txBody>
           </p:sp>
         </mc:Choice>
-        <mc:Fallback>
+        <mc:Fallback xmlns="">
           <p:sp>
             <p:nvSpPr>
               <p:cNvPr id="36" name="TextBox 35"/>
@@ -4341,8 +4351,8 @@
           </a:fontRef>
         </p:style>
       </p:cxnSp>
-      <mc:AlternateContent xmlns:mc="http://schemas.openxmlformats.org/markup-compatibility/2006">
-        <mc:Choice xmlns:a14="http://schemas.microsoft.com/office/drawing/2010/main" Requires="a14">
+      <mc:AlternateContent xmlns:mc="http://schemas.openxmlformats.org/markup-compatibility/2006" xmlns:a14="http://schemas.microsoft.com/office/drawing/2010/main">
+        <mc:Choice Requires="a14">
           <p:sp>
             <p:nvSpPr>
               <p:cNvPr id="38" name="TextBox 37"/>
@@ -4365,6 +4375,7 @@
               </a:bodyPr>
               <a:lstStyle/>
               <a:p>
+                <a:pPr/>
                 <a14:m>
                   <m:oMathPara xmlns:m="http://schemas.openxmlformats.org/officeDocument/2006/math">
                     <m:oMathParaPr>
@@ -4404,7 +4415,7 @@
             </p:txBody>
           </p:sp>
         </mc:Choice>
-        <mc:Fallback>
+        <mc:Fallback xmlns="">
           <p:sp>
             <p:nvSpPr>
               <p:cNvPr id="38" name="TextBox 37"/>
@@ -4480,8 +4491,8 @@
           </a:fontRef>
         </p:style>
       </p:cxnSp>
-      <mc:AlternateContent xmlns:mc="http://schemas.openxmlformats.org/markup-compatibility/2006">
-        <mc:Choice xmlns:a14="http://schemas.microsoft.com/office/drawing/2010/main" Requires="a14">
+      <mc:AlternateContent xmlns:mc="http://schemas.openxmlformats.org/markup-compatibility/2006" xmlns:a14="http://schemas.microsoft.com/office/drawing/2010/main">
+        <mc:Choice Requires="a14">
           <p:sp>
             <p:nvSpPr>
               <p:cNvPr id="40" name="TextBox 39"/>
@@ -4504,6 +4515,7 @@
               </a:bodyPr>
               <a:lstStyle/>
               <a:p>
+                <a:pPr/>
                 <a14:m>
                   <m:oMathPara xmlns:m="http://schemas.openxmlformats.org/officeDocument/2006/math">
                     <m:oMathParaPr>
@@ -4543,7 +4555,7 @@
             </p:txBody>
           </p:sp>
         </mc:Choice>
-        <mc:Fallback>
+        <mc:Fallback xmlns="">
           <p:sp>
             <p:nvSpPr>
               <p:cNvPr id="40" name="TextBox 39"/>
@@ -4618,8 +4630,8 @@
           </a:fontRef>
         </p:style>
       </p:cxnSp>
-      <mc:AlternateContent xmlns:mc="http://schemas.openxmlformats.org/markup-compatibility/2006">
-        <mc:Choice xmlns:a14="http://schemas.microsoft.com/office/drawing/2010/main" Requires="a14">
+      <mc:AlternateContent xmlns:mc="http://schemas.openxmlformats.org/markup-compatibility/2006" xmlns:a14="http://schemas.microsoft.com/office/drawing/2010/main">
+        <mc:Choice Requires="a14">
           <p:sp>
             <p:nvSpPr>
               <p:cNvPr id="43" name="TextBox 42"/>
@@ -4642,6 +4654,7 @@
               </a:bodyPr>
               <a:lstStyle/>
               <a:p>
+                <a:pPr/>
                 <a14:m>
                   <m:oMathPara xmlns:m="http://schemas.openxmlformats.org/officeDocument/2006/math">
                     <m:oMathParaPr>
@@ -4681,7 +4694,7 @@
             </p:txBody>
           </p:sp>
         </mc:Choice>
-        <mc:Fallback>
+        <mc:Fallback xmlns="">
           <p:sp>
             <p:nvSpPr>
               <p:cNvPr id="43" name="TextBox 42"/>
@@ -4757,8 +4770,8 @@
           </a:fontRef>
         </p:style>
       </p:cxnSp>
-      <mc:AlternateContent xmlns:mc="http://schemas.openxmlformats.org/markup-compatibility/2006">
-        <mc:Choice xmlns:a14="http://schemas.microsoft.com/office/drawing/2010/main" Requires="a14">
+      <mc:AlternateContent xmlns:mc="http://schemas.openxmlformats.org/markup-compatibility/2006" xmlns:a14="http://schemas.microsoft.com/office/drawing/2010/main">
+        <mc:Choice Requires="a14">
           <p:sp>
             <p:nvSpPr>
               <p:cNvPr id="45" name="TextBox 44"/>
@@ -4781,6 +4794,7 @@
               </a:bodyPr>
               <a:lstStyle/>
               <a:p>
+                <a:pPr/>
                 <a14:m>
                   <m:oMathPara xmlns:m="http://schemas.openxmlformats.org/officeDocument/2006/math">
                     <m:oMathParaPr>
@@ -4820,7 +4834,7 @@
             </p:txBody>
           </p:sp>
         </mc:Choice>
-        <mc:Fallback>
+        <mc:Fallback xmlns="">
           <p:sp>
             <p:nvSpPr>
               <p:cNvPr id="45" name="TextBox 44"/>
@@ -4895,8 +4909,8 @@
           </a:fontRef>
         </p:style>
       </p:cxnSp>
-      <mc:AlternateContent xmlns:mc="http://schemas.openxmlformats.org/markup-compatibility/2006">
-        <mc:Choice xmlns:a14="http://schemas.microsoft.com/office/drawing/2010/main" Requires="a14">
+      <mc:AlternateContent xmlns:mc="http://schemas.openxmlformats.org/markup-compatibility/2006" xmlns:a14="http://schemas.microsoft.com/office/drawing/2010/main">
+        <mc:Choice Requires="a14">
           <p:sp>
             <p:nvSpPr>
               <p:cNvPr id="49" name="TextBox 48"/>
@@ -4919,6 +4933,7 @@
               </a:bodyPr>
               <a:lstStyle/>
               <a:p>
+                <a:pPr/>
                 <a14:m>
                   <m:oMathPara xmlns:m="http://schemas.openxmlformats.org/officeDocument/2006/math">
                     <m:oMathParaPr>
@@ -4958,7 +4973,7 @@
             </p:txBody>
           </p:sp>
         </mc:Choice>
-        <mc:Fallback>
+        <mc:Fallback xmlns="">
           <p:sp>
             <p:nvSpPr>
               <p:cNvPr id="49" name="TextBox 48"/>
@@ -4997,8 +5012,8 @@
           </p:sp>
         </mc:Fallback>
       </mc:AlternateContent>
-      <mc:AlternateContent xmlns:mc="http://schemas.openxmlformats.org/markup-compatibility/2006">
-        <mc:Choice xmlns:a14="http://schemas.microsoft.com/office/drawing/2010/main" Requires="a14">
+      <mc:AlternateContent xmlns:mc="http://schemas.openxmlformats.org/markup-compatibility/2006" xmlns:a14="http://schemas.microsoft.com/office/drawing/2010/main">
+        <mc:Choice Requires="a14">
           <p:sp>
             <p:nvSpPr>
               <p:cNvPr id="50" name="TextBox 49"/>
@@ -5021,6 +5036,7 @@
               </a:bodyPr>
               <a:lstStyle/>
               <a:p>
+                <a:pPr/>
                 <a14:m>
                   <m:oMathPara xmlns:m="http://schemas.openxmlformats.org/officeDocument/2006/math">
                     <m:oMathParaPr>
@@ -5060,7 +5076,7 @@
             </p:txBody>
           </p:sp>
         </mc:Choice>
-        <mc:Fallback>
+        <mc:Fallback xmlns="">
           <p:sp>
             <p:nvSpPr>
               <p:cNvPr id="50" name="TextBox 49"/>
@@ -5136,8 +5152,8 @@
           </a:fontRef>
         </p:style>
       </p:cxnSp>
-      <mc:AlternateContent xmlns:mc="http://schemas.openxmlformats.org/markup-compatibility/2006">
-        <mc:Choice xmlns:a14="http://schemas.microsoft.com/office/drawing/2010/main" Requires="a14">
+      <mc:AlternateContent xmlns:mc="http://schemas.openxmlformats.org/markup-compatibility/2006" xmlns:a14="http://schemas.microsoft.com/office/drawing/2010/main">
+        <mc:Choice Requires="a14">
           <p:sp>
             <p:nvSpPr>
               <p:cNvPr id="55" name="TextBox 54"/>
@@ -5160,6 +5176,7 @@
               </a:bodyPr>
               <a:lstStyle/>
               <a:p>
+                <a:pPr/>
                 <a14:m>
                   <m:oMathPara xmlns:m="http://schemas.openxmlformats.org/officeDocument/2006/math">
                     <m:oMathParaPr>
@@ -5199,7 +5216,7 @@
             </p:txBody>
           </p:sp>
         </mc:Choice>
-        <mc:Fallback>
+        <mc:Fallback xmlns="">
           <p:sp>
             <p:nvSpPr>
               <p:cNvPr id="55" name="TextBox 54"/>
@@ -5238,8 +5255,8 @@
           </p:sp>
         </mc:Fallback>
       </mc:AlternateContent>
-      <mc:AlternateContent xmlns:mc="http://schemas.openxmlformats.org/markup-compatibility/2006">
-        <mc:Choice xmlns:a14="http://schemas.microsoft.com/office/drawing/2010/main" Requires="a14">
+      <mc:AlternateContent xmlns:mc="http://schemas.openxmlformats.org/markup-compatibility/2006" xmlns:a14="http://schemas.microsoft.com/office/drawing/2010/main">
+        <mc:Choice Requires="a14">
           <p:sp>
             <p:nvSpPr>
               <p:cNvPr id="56" name="TextBox 55"/>
@@ -5262,6 +5279,7 @@
               </a:bodyPr>
               <a:lstStyle/>
               <a:p>
+                <a:pPr/>
                 <a14:m>
                   <m:oMathPara xmlns:m="http://schemas.openxmlformats.org/officeDocument/2006/math">
                     <m:oMathParaPr>
@@ -5301,7 +5319,7 @@
             </p:txBody>
           </p:sp>
         </mc:Choice>
-        <mc:Fallback>
+        <mc:Fallback xmlns="">
           <p:sp>
             <p:nvSpPr>
               <p:cNvPr id="56" name="TextBox 55"/>
@@ -5382,6 +5400,3228 @@
     <p:extLst>
       <p:ext uri="{BB962C8B-B14F-4D97-AF65-F5344CB8AC3E}">
         <p14:creationId xmlns:p14="http://schemas.microsoft.com/office/powerpoint/2010/main" val="4059288084"/>
+      </p:ext>
+    </p:extLst>
+  </p:cSld>
+  <p:clrMapOvr>
+    <a:masterClrMapping/>
+  </p:clrMapOvr>
+  <p:timing>
+    <p:tnLst>
+      <p:par>
+        <p:cTn id="1" dur="indefinite" restart="never" nodeType="tmRoot"/>
+      </p:par>
+    </p:tnLst>
+  </p:timing>
+</p:sld>
+</file>
+
+<file path=ppt/slides/slide2.xml><?xml version="1.0" encoding="utf-8"?>
+<p:sld xmlns:a="http://schemas.openxmlformats.org/drawingml/2006/main" xmlns:r="http://schemas.openxmlformats.org/officeDocument/2006/relationships" xmlns:p="http://schemas.openxmlformats.org/presentationml/2006/main">
+  <p:cSld>
+    <p:spTree>
+      <p:nvGrpSpPr>
+        <p:cNvPr id="1" name=""/>
+        <p:cNvGrpSpPr/>
+        <p:nvPr/>
+      </p:nvGrpSpPr>
+      <p:grpSpPr>
+        <a:xfrm>
+          <a:off x="0" y="0"/>
+          <a:ext cx="0" cy="0"/>
+          <a:chOff x="0" y="0"/>
+          <a:chExt cx="0" cy="0"/>
+        </a:xfrm>
+      </p:grpSpPr>
+      <p:sp>
+        <p:nvSpPr>
+          <p:cNvPr id="2" name="Freeform 1"/>
+          <p:cNvSpPr/>
+          <p:nvPr/>
+        </p:nvSpPr>
+        <p:spPr>
+          <a:xfrm>
+            <a:off x="2499360" y="754380"/>
+            <a:ext cx="3520440" cy="3025140"/>
+          </a:xfrm>
+          <a:custGeom>
+            <a:avLst/>
+            <a:gdLst>
+              <a:gd name="connsiteX0" fmla="*/ 297180 w 3520440"/>
+              <a:gd name="connsiteY0" fmla="*/ 1463040 h 3025140"/>
+              <a:gd name="connsiteX1" fmla="*/ 0 w 3520440"/>
+              <a:gd name="connsiteY1" fmla="*/ 2110740 h 3025140"/>
+              <a:gd name="connsiteX2" fmla="*/ 1127760 w 3520440"/>
+              <a:gd name="connsiteY2" fmla="*/ 3025140 h 3025140"/>
+              <a:gd name="connsiteX3" fmla="*/ 2766060 w 3520440"/>
+              <a:gd name="connsiteY3" fmla="*/ 2842260 h 3025140"/>
+              <a:gd name="connsiteX4" fmla="*/ 3520440 w 3520440"/>
+              <a:gd name="connsiteY4" fmla="*/ 0 h 3025140"/>
+              <a:gd name="connsiteX5" fmla="*/ 297180 w 3520440"/>
+              <a:gd name="connsiteY5" fmla="*/ 1463040 h 3025140"/>
+            </a:gdLst>
+            <a:ahLst/>
+            <a:cxnLst>
+              <a:cxn ang="0">
+                <a:pos x="connsiteX0" y="connsiteY0"/>
+              </a:cxn>
+              <a:cxn ang="0">
+                <a:pos x="connsiteX1" y="connsiteY1"/>
+              </a:cxn>
+              <a:cxn ang="0">
+                <a:pos x="connsiteX2" y="connsiteY2"/>
+              </a:cxn>
+              <a:cxn ang="0">
+                <a:pos x="connsiteX3" y="connsiteY3"/>
+              </a:cxn>
+              <a:cxn ang="0">
+                <a:pos x="connsiteX4" y="connsiteY4"/>
+              </a:cxn>
+              <a:cxn ang="0">
+                <a:pos x="connsiteX5" y="connsiteY5"/>
+              </a:cxn>
+            </a:cxnLst>
+            <a:rect l="l" t="t" r="r" b="b"/>
+            <a:pathLst>
+              <a:path w="3520440" h="3025140">
+                <a:moveTo>
+                  <a:pt x="297180" y="1463040"/>
+                </a:moveTo>
+                <a:lnTo>
+                  <a:pt x="0" y="2110740"/>
+                </a:lnTo>
+                <a:lnTo>
+                  <a:pt x="1127760" y="3025140"/>
+                </a:lnTo>
+                <a:lnTo>
+                  <a:pt x="2766060" y="2842260"/>
+                </a:lnTo>
+                <a:lnTo>
+                  <a:pt x="3520440" y="0"/>
+                </a:lnTo>
+                <a:lnTo>
+                  <a:pt x="297180" y="1463040"/>
+                </a:lnTo>
+                <a:close/>
+              </a:path>
+            </a:pathLst>
+          </a:custGeom>
+          <a:noFill/>
+          <a:ln w="9525">
+            <a:solidFill>
+              <a:schemeClr val="tx1"/>
+            </a:solidFill>
+          </a:ln>
+        </p:spPr>
+        <p:style>
+          <a:lnRef idx="2">
+            <a:schemeClr val="accent1">
+              <a:shade val="50000"/>
+            </a:schemeClr>
+          </a:lnRef>
+          <a:fillRef idx="1">
+            <a:schemeClr val="accent1"/>
+          </a:fillRef>
+          <a:effectRef idx="0">
+            <a:schemeClr val="accent1"/>
+          </a:effectRef>
+          <a:fontRef idx="minor">
+            <a:schemeClr val="lt1"/>
+          </a:fontRef>
+        </p:style>
+        <p:txBody>
+          <a:bodyPr rtlCol="0" anchor="ctr"/>
+          <a:lstStyle/>
+          <a:p>
+            <a:pPr algn="ctr"/>
+            <a:endParaRPr lang="en-US"/>
+          </a:p>
+        </p:txBody>
+      </p:sp>
+      <p:sp>
+        <p:nvSpPr>
+          <p:cNvPr id="3" name="Freeform 2"/>
+          <p:cNvSpPr/>
+          <p:nvPr/>
+        </p:nvSpPr>
+        <p:spPr>
+          <a:xfrm>
+            <a:off x="2804160" y="2217420"/>
+            <a:ext cx="2453640" cy="1394460"/>
+          </a:xfrm>
+          <a:custGeom>
+            <a:avLst/>
+            <a:gdLst>
+              <a:gd name="connsiteX0" fmla="*/ 0 w 2453640"/>
+              <a:gd name="connsiteY0" fmla="*/ 0 h 1394460"/>
+              <a:gd name="connsiteX1" fmla="*/ 1805940 w 2453640"/>
+              <a:gd name="connsiteY1" fmla="*/ 205740 h 1394460"/>
+              <a:gd name="connsiteX2" fmla="*/ 2453640 w 2453640"/>
+              <a:gd name="connsiteY2" fmla="*/ 1394460 h 1394460"/>
+            </a:gdLst>
+            <a:ahLst/>
+            <a:cxnLst>
+              <a:cxn ang="0">
+                <a:pos x="connsiteX0" y="connsiteY0"/>
+              </a:cxn>
+              <a:cxn ang="0">
+                <a:pos x="connsiteX1" y="connsiteY1"/>
+              </a:cxn>
+              <a:cxn ang="0">
+                <a:pos x="connsiteX2" y="connsiteY2"/>
+              </a:cxn>
+            </a:cxnLst>
+            <a:rect l="l" t="t" r="r" b="b"/>
+            <a:pathLst>
+              <a:path w="2453640" h="1394460">
+                <a:moveTo>
+                  <a:pt x="0" y="0"/>
+                </a:moveTo>
+                <a:lnTo>
+                  <a:pt x="1805940" y="205740"/>
+                </a:lnTo>
+                <a:lnTo>
+                  <a:pt x="2453640" y="1394460"/>
+                </a:lnTo>
+              </a:path>
+            </a:pathLst>
+          </a:custGeom>
+          <a:noFill/>
+          <a:ln w="9525">
+            <a:solidFill>
+              <a:schemeClr val="tx1"/>
+            </a:solidFill>
+            <a:prstDash val="dash"/>
+          </a:ln>
+        </p:spPr>
+        <p:style>
+          <a:lnRef idx="2">
+            <a:schemeClr val="accent1">
+              <a:shade val="50000"/>
+            </a:schemeClr>
+          </a:lnRef>
+          <a:fillRef idx="1">
+            <a:schemeClr val="accent1"/>
+          </a:fillRef>
+          <a:effectRef idx="0">
+            <a:schemeClr val="accent1"/>
+          </a:effectRef>
+          <a:fontRef idx="minor">
+            <a:schemeClr val="lt1"/>
+          </a:fontRef>
+        </p:style>
+        <p:txBody>
+          <a:bodyPr rtlCol="0" anchor="ctr"/>
+          <a:lstStyle/>
+          <a:p>
+            <a:pPr algn="ctr"/>
+            <a:endParaRPr lang="en-US"/>
+          </a:p>
+        </p:txBody>
+      </p:sp>
+      <p:cxnSp>
+        <p:nvCxnSpPr>
+          <p:cNvPr id="5" name="Straight Connector 4"/>
+          <p:cNvCxnSpPr>
+            <a:stCxn id="2" idx="1"/>
+            <a:endCxn id="2" idx="4"/>
+          </p:cNvCxnSpPr>
+          <p:nvPr/>
+        </p:nvCxnSpPr>
+        <p:spPr>
+          <a:xfrm flipV="1">
+            <a:off x="2499360" y="754380"/>
+            <a:ext cx="3520440" cy="2110740"/>
+          </a:xfrm>
+          <a:prstGeom prst="line">
+            <a:avLst/>
+          </a:prstGeom>
+          <a:ln w="25400">
+            <a:solidFill>
+              <a:schemeClr val="tx1"/>
+            </a:solidFill>
+          </a:ln>
+        </p:spPr>
+        <p:style>
+          <a:lnRef idx="1">
+            <a:schemeClr val="accent1"/>
+          </a:lnRef>
+          <a:fillRef idx="0">
+            <a:schemeClr val="accent1"/>
+          </a:fillRef>
+          <a:effectRef idx="0">
+            <a:schemeClr val="accent1"/>
+          </a:effectRef>
+          <a:fontRef idx="minor">
+            <a:schemeClr val="tx1"/>
+          </a:fontRef>
+        </p:style>
+      </p:cxnSp>
+      <p:cxnSp>
+        <p:nvCxnSpPr>
+          <p:cNvPr id="7" name="Straight Connector 6"/>
+          <p:cNvCxnSpPr>
+            <a:stCxn id="2" idx="2"/>
+            <a:endCxn id="2" idx="4"/>
+          </p:cNvCxnSpPr>
+          <p:nvPr/>
+        </p:nvCxnSpPr>
+        <p:spPr>
+          <a:xfrm flipV="1">
+            <a:off x="3627120" y="754380"/>
+            <a:ext cx="2392680" cy="3025140"/>
+          </a:xfrm>
+          <a:prstGeom prst="line">
+            <a:avLst/>
+          </a:prstGeom>
+          <a:ln w="25400">
+            <a:solidFill>
+              <a:schemeClr val="tx1"/>
+            </a:solidFill>
+          </a:ln>
+        </p:spPr>
+        <p:style>
+          <a:lnRef idx="1">
+            <a:schemeClr val="accent1"/>
+          </a:lnRef>
+          <a:fillRef idx="0">
+            <a:schemeClr val="accent1"/>
+          </a:fillRef>
+          <a:effectRef idx="0">
+            <a:schemeClr val="accent1"/>
+          </a:effectRef>
+          <a:fontRef idx="minor">
+            <a:schemeClr val="tx1"/>
+          </a:fontRef>
+        </p:style>
+      </p:cxnSp>
+      <p:cxnSp>
+        <p:nvCxnSpPr>
+          <p:cNvPr id="10" name="Straight Connector 9"/>
+          <p:cNvCxnSpPr>
+            <a:stCxn id="3" idx="1"/>
+            <a:endCxn id="2" idx="4"/>
+          </p:cNvCxnSpPr>
+          <p:nvPr/>
+        </p:nvCxnSpPr>
+        <p:spPr>
+          <a:xfrm flipV="1">
+            <a:off x="4610100" y="754380"/>
+            <a:ext cx="1409700" cy="1668780"/>
+          </a:xfrm>
+          <a:prstGeom prst="line">
+            <a:avLst/>
+          </a:prstGeom>
+          <a:ln w="9525">
+            <a:solidFill>
+              <a:schemeClr val="tx1"/>
+            </a:solidFill>
+            <a:prstDash val="dash"/>
+          </a:ln>
+        </p:spPr>
+        <p:style>
+          <a:lnRef idx="1">
+            <a:schemeClr val="accent1"/>
+          </a:lnRef>
+          <a:fillRef idx="0">
+            <a:schemeClr val="accent1"/>
+          </a:fillRef>
+          <a:effectRef idx="0">
+            <a:schemeClr val="accent1"/>
+          </a:effectRef>
+          <a:fontRef idx="minor">
+            <a:schemeClr val="tx1"/>
+          </a:fontRef>
+        </p:style>
+      </p:cxnSp>
+      <p:sp>
+        <p:nvSpPr>
+          <p:cNvPr id="13" name="TextBox 12"/>
+          <p:cNvSpPr txBox="1"/>
+          <p:nvPr/>
+        </p:nvSpPr>
+        <p:spPr>
+          <a:xfrm>
+            <a:off x="1752600" y="2082284"/>
+            <a:ext cx="891334" cy="369332"/>
+          </a:xfrm>
+          <a:prstGeom prst="rect">
+            <a:avLst/>
+          </a:prstGeom>
+          <a:noFill/>
+        </p:spPr>
+        <p:txBody>
+          <a:bodyPr wrap="none" rtlCol="0">
+            <a:spAutoFit/>
+          </a:bodyPr>
+          <a:lstStyle/>
+          <a:p>
+            <a:r>
+              <a:rPr lang="en-US" i="1" dirty="0" smtClean="0"/>
+              <a:t>horizon</a:t>
+            </a:r>
+            <a:endParaRPr lang="en-US" i="1" dirty="0"/>
+          </a:p>
+        </p:txBody>
+      </p:sp>
+      <mc:AlternateContent xmlns:mc="http://schemas.openxmlformats.org/markup-compatibility/2006">
+        <mc:Choice xmlns:a14="http://schemas.microsoft.com/office/drawing/2010/main" Requires="a14">
+          <p:sp>
+            <p:nvSpPr>
+              <p:cNvPr id="14" name="TextBox 13"/>
+              <p:cNvSpPr txBox="1"/>
+              <p:nvPr/>
+            </p:nvSpPr>
+            <p:spPr>
+              <a:xfrm>
+                <a:off x="6019800" y="457200"/>
+                <a:ext cx="461408" cy="369332"/>
+              </a:xfrm>
+              <a:prstGeom prst="rect">
+                <a:avLst/>
+              </a:prstGeom>
+              <a:noFill/>
+            </p:spPr>
+            <p:txBody>
+              <a:bodyPr wrap="none" rtlCol="0">
+                <a:spAutoFit/>
+              </a:bodyPr>
+              <a:lstStyle/>
+              <a:p>
+                <a14:m>
+                  <m:oMathPara xmlns:m="http://schemas.openxmlformats.org/officeDocument/2006/math">
+                    <m:oMathParaPr>
+                      <m:jc m:val="centerGroup"/>
+                    </m:oMathParaPr>
+                    <m:oMath xmlns:m="http://schemas.openxmlformats.org/officeDocument/2006/math">
+                      <m:sSub>
+                        <m:sSubPr>
+                          <m:ctrlPr>
+                            <a:rPr lang="en-US" i="1" smtClean="0">
+                              <a:latin typeface="Cambria Math"/>
+                            </a:rPr>
+                          </m:ctrlPr>
+                        </m:sSubPr>
+                        <m:e>
+                          <m:r>
+                            <a:rPr lang="en-US" b="0" i="1" smtClean="0">
+                              <a:latin typeface="Cambria Math"/>
+                            </a:rPr>
+                            <m:t>𝑝</m:t>
+                          </m:r>
+                        </m:e>
+                        <m:sub>
+                          <m:r>
+                            <a:rPr lang="en-US" b="0" i="1" smtClean="0">
+                              <a:latin typeface="Cambria Math"/>
+                            </a:rPr>
+                            <m:t>𝑟</m:t>
+                          </m:r>
+                        </m:sub>
+                      </m:sSub>
+                    </m:oMath>
+                  </m:oMathPara>
+                </a14:m>
+                <a:endParaRPr lang="en-US" dirty="0"/>
+              </a:p>
+            </p:txBody>
+          </p:sp>
+        </mc:Choice>
+        <mc:Fallback>
+          <p:sp>
+            <p:nvSpPr>
+              <p:cNvPr id="14" name="TextBox 13"/>
+              <p:cNvSpPr txBox="1">
+                <a:spLocks noRot="1" noChangeAspect="1" noMove="1" noResize="1" noEditPoints="1" noAdjustHandles="1" noChangeArrowheads="1" noChangeShapeType="1" noTextEdit="1"/>
+              </p:cNvSpPr>
+              <p:nvPr/>
+            </p:nvSpPr>
+            <p:spPr>
+              <a:xfrm>
+                <a:off x="6019800" y="457200"/>
+                <a:ext cx="461408" cy="369332"/>
+              </a:xfrm>
+              <a:prstGeom prst="rect">
+                <a:avLst/>
+              </a:prstGeom>
+              <a:blipFill rotWithShape="1">
+                <a:blip r:embed="rId2"/>
+                <a:stretch>
+                  <a:fillRect b="-4918"/>
+                </a:stretch>
+              </a:blipFill>
+            </p:spPr>
+            <p:txBody>
+              <a:bodyPr/>
+              <a:lstStyle/>
+              <a:p>
+                <a:r>
+                  <a:rPr lang="en-US">
+                    <a:noFill/>
+                  </a:rPr>
+                  <a:t> </a:t>
+                </a:r>
+              </a:p>
+            </p:txBody>
+          </p:sp>
+        </mc:Fallback>
+      </mc:AlternateContent>
+      <mc:AlternateContent xmlns:mc="http://schemas.openxmlformats.org/markup-compatibility/2006">
+        <mc:Choice xmlns:a14="http://schemas.microsoft.com/office/drawing/2010/main" Requires="a14">
+          <p:sp>
+            <p:nvSpPr>
+              <p:cNvPr id="15" name="TextBox 14"/>
+              <p:cNvSpPr txBox="1"/>
+              <p:nvPr/>
+            </p:nvSpPr>
+            <p:spPr>
+              <a:xfrm>
+                <a:off x="2104328" y="2727960"/>
+                <a:ext cx="433132" cy="369332"/>
+              </a:xfrm>
+              <a:prstGeom prst="rect">
+                <a:avLst/>
+              </a:prstGeom>
+              <a:noFill/>
+            </p:spPr>
+            <p:txBody>
+              <a:bodyPr wrap="none" rtlCol="0">
+                <a:spAutoFit/>
+              </a:bodyPr>
+              <a:lstStyle/>
+              <a:p>
+                <a14:m>
+                  <m:oMathPara xmlns:m="http://schemas.openxmlformats.org/officeDocument/2006/math">
+                    <m:oMathParaPr>
+                      <m:jc m:val="centerGroup"/>
+                    </m:oMathParaPr>
+                    <m:oMath xmlns:m="http://schemas.openxmlformats.org/officeDocument/2006/math">
+                      <m:sSub>
+                        <m:sSubPr>
+                          <m:ctrlPr>
+                            <a:rPr lang="en-US" i="1" smtClean="0">
+                              <a:latin typeface="Cambria Math"/>
+                            </a:rPr>
+                          </m:ctrlPr>
+                        </m:sSubPr>
+                        <m:e>
+                          <m:r>
+                            <a:rPr lang="en-US" b="0" i="1" smtClean="0">
+                              <a:latin typeface="Cambria Math"/>
+                            </a:rPr>
+                            <m:t>𝑝</m:t>
+                          </m:r>
+                        </m:e>
+                        <m:sub>
+                          <m:r>
+                            <a:rPr lang="en-US" b="0" i="1" smtClean="0">
+                              <a:latin typeface="Cambria Math"/>
+                            </a:rPr>
+                            <m:t>𝑖</m:t>
+                          </m:r>
+                        </m:sub>
+                      </m:sSub>
+                    </m:oMath>
+                  </m:oMathPara>
+                </a14:m>
+                <a:endParaRPr lang="en-US" dirty="0"/>
+              </a:p>
+            </p:txBody>
+          </p:sp>
+        </mc:Choice>
+        <mc:Fallback>
+          <p:sp>
+            <p:nvSpPr>
+              <p:cNvPr id="15" name="TextBox 14"/>
+              <p:cNvSpPr txBox="1">
+                <a:spLocks noRot="1" noChangeAspect="1" noMove="1" noResize="1" noEditPoints="1" noAdjustHandles="1" noChangeArrowheads="1" noChangeShapeType="1" noTextEdit="1"/>
+              </p:cNvSpPr>
+              <p:nvPr/>
+            </p:nvSpPr>
+            <p:spPr>
+              <a:xfrm>
+                <a:off x="2104328" y="2727960"/>
+                <a:ext cx="433132" cy="369332"/>
+              </a:xfrm>
+              <a:prstGeom prst="rect">
+                <a:avLst/>
+              </a:prstGeom>
+              <a:blipFill rotWithShape="1">
+                <a:blip r:embed="rId3"/>
+                <a:stretch>
+                  <a:fillRect b="-5000"/>
+                </a:stretch>
+              </a:blipFill>
+            </p:spPr>
+            <p:txBody>
+              <a:bodyPr/>
+              <a:lstStyle/>
+              <a:p>
+                <a:r>
+                  <a:rPr lang="en-US">
+                    <a:noFill/>
+                  </a:rPr>
+                  <a:t> </a:t>
+                </a:r>
+              </a:p>
+            </p:txBody>
+          </p:sp>
+        </mc:Fallback>
+      </mc:AlternateContent>
+      <mc:AlternateContent xmlns:mc="http://schemas.openxmlformats.org/markup-compatibility/2006">
+        <mc:Choice xmlns:a14="http://schemas.microsoft.com/office/drawing/2010/main" Requires="a14">
+          <p:sp>
+            <p:nvSpPr>
+              <p:cNvPr id="16" name="TextBox 15"/>
+              <p:cNvSpPr txBox="1"/>
+              <p:nvPr/>
+            </p:nvSpPr>
+            <p:spPr>
+              <a:xfrm>
+                <a:off x="3291840" y="3718560"/>
+                <a:ext cx="450636" cy="391646"/>
+              </a:xfrm>
+              <a:prstGeom prst="rect">
+                <a:avLst/>
+              </a:prstGeom>
+              <a:noFill/>
+            </p:spPr>
+            <p:txBody>
+              <a:bodyPr wrap="none" rtlCol="0">
+                <a:spAutoFit/>
+              </a:bodyPr>
+              <a:lstStyle/>
+              <a:p>
+                <a14:m>
+                  <m:oMathPara xmlns:m="http://schemas.openxmlformats.org/officeDocument/2006/math">
+                    <m:oMathParaPr>
+                      <m:jc m:val="centerGroup"/>
+                    </m:oMathParaPr>
+                    <m:oMath xmlns:m="http://schemas.openxmlformats.org/officeDocument/2006/math">
+                      <m:sSub>
+                        <m:sSubPr>
+                          <m:ctrlPr>
+                            <a:rPr lang="en-US" i="1" smtClean="0">
+                              <a:latin typeface="Cambria Math"/>
+                            </a:rPr>
+                          </m:ctrlPr>
+                        </m:sSubPr>
+                        <m:e>
+                          <m:r>
+                            <a:rPr lang="en-US" b="0" i="1" smtClean="0">
+                              <a:latin typeface="Cambria Math"/>
+                            </a:rPr>
+                            <m:t>𝑝</m:t>
+                          </m:r>
+                        </m:e>
+                        <m:sub>
+                          <m:r>
+                            <a:rPr lang="en-US" b="0" i="1" smtClean="0">
+                              <a:latin typeface="Cambria Math"/>
+                            </a:rPr>
+                            <m:t>𝑗</m:t>
+                          </m:r>
+                        </m:sub>
+                      </m:sSub>
+                    </m:oMath>
+                  </m:oMathPara>
+                </a14:m>
+                <a:endParaRPr lang="en-US" dirty="0"/>
+              </a:p>
+            </p:txBody>
+          </p:sp>
+        </mc:Choice>
+        <mc:Fallback>
+          <p:sp>
+            <p:nvSpPr>
+              <p:cNvPr id="16" name="TextBox 15"/>
+              <p:cNvSpPr txBox="1">
+                <a:spLocks noRot="1" noChangeAspect="1" noMove="1" noResize="1" noEditPoints="1" noAdjustHandles="1" noChangeArrowheads="1" noChangeShapeType="1" noTextEdit="1"/>
+              </p:cNvSpPr>
+              <p:nvPr/>
+            </p:nvSpPr>
+            <p:spPr>
+              <a:xfrm>
+                <a:off x="3291840" y="3718560"/>
+                <a:ext cx="450636" cy="391646"/>
+              </a:xfrm>
+              <a:prstGeom prst="rect">
+                <a:avLst/>
+              </a:prstGeom>
+              <a:blipFill rotWithShape="1">
+                <a:blip r:embed="rId4"/>
+                <a:stretch>
+                  <a:fillRect b="-7813"/>
+                </a:stretch>
+              </a:blipFill>
+            </p:spPr>
+            <p:txBody>
+              <a:bodyPr/>
+              <a:lstStyle/>
+              <a:p>
+                <a:r>
+                  <a:rPr lang="en-US">
+                    <a:noFill/>
+                  </a:rPr>
+                  <a:t> </a:t>
+                </a:r>
+              </a:p>
+            </p:txBody>
+          </p:sp>
+        </mc:Fallback>
+      </mc:AlternateContent>
+      <mc:AlternateContent xmlns:mc="http://schemas.openxmlformats.org/markup-compatibility/2006">
+        <mc:Choice xmlns:a14="http://schemas.microsoft.com/office/drawing/2010/main" Requires="a14">
+          <p:sp>
+            <p:nvSpPr>
+              <p:cNvPr id="17" name="TextBox 16"/>
+              <p:cNvSpPr txBox="1"/>
+              <p:nvPr/>
+            </p:nvSpPr>
+            <p:spPr>
+              <a:xfrm>
+                <a:off x="3951347" y="1897618"/>
+                <a:ext cx="511294" cy="369332"/>
+              </a:xfrm>
+              <a:prstGeom prst="rect">
+                <a:avLst/>
+              </a:prstGeom>
+              <a:noFill/>
+            </p:spPr>
+            <p:txBody>
+              <a:bodyPr wrap="none" rtlCol="0">
+                <a:spAutoFit/>
+              </a:bodyPr>
+              <a:lstStyle/>
+              <a:p>
+                <a14:m>
+                  <m:oMathPara xmlns:m="http://schemas.openxmlformats.org/officeDocument/2006/math">
+                    <m:oMathParaPr>
+                      <m:jc m:val="centerGroup"/>
+                    </m:oMathParaPr>
+                    <m:oMath xmlns:m="http://schemas.openxmlformats.org/officeDocument/2006/math">
+                      <m:sSub>
+                        <m:sSubPr>
+                          <m:ctrlPr>
+                            <a:rPr lang="en-US" i="1" smtClean="0">
+                              <a:latin typeface="Cambria Math"/>
+                            </a:rPr>
+                          </m:ctrlPr>
+                        </m:sSubPr>
+                        <m:e>
+                          <m:r>
+                            <a:rPr lang="en-US" b="0" i="1" smtClean="0">
+                              <a:latin typeface="Cambria Math"/>
+                            </a:rPr>
+                            <m:t>𝑒</m:t>
+                          </m:r>
+                        </m:e>
+                        <m:sub>
+                          <m:r>
+                            <a:rPr lang="en-US" b="0" i="1" smtClean="0">
+                              <a:latin typeface="Cambria Math"/>
+                            </a:rPr>
+                            <m:t>𝑖</m:t>
+                          </m:r>
+                          <m:r>
+                            <a:rPr lang="en-US" b="0" i="1" smtClean="0">
+                              <a:latin typeface="Cambria Math"/>
+                            </a:rPr>
+                            <m:t>1</m:t>
+                          </m:r>
+                        </m:sub>
+                      </m:sSub>
+                    </m:oMath>
+                  </m:oMathPara>
+                </a14:m>
+                <a:endParaRPr lang="en-US" dirty="0"/>
+              </a:p>
+            </p:txBody>
+          </p:sp>
+        </mc:Choice>
+        <mc:Fallback>
+          <p:sp>
+            <p:nvSpPr>
+              <p:cNvPr id="17" name="TextBox 16"/>
+              <p:cNvSpPr txBox="1">
+                <a:spLocks noRot="1" noChangeAspect="1" noMove="1" noResize="1" noEditPoints="1" noAdjustHandles="1" noChangeArrowheads="1" noChangeShapeType="1" noTextEdit="1"/>
+              </p:cNvSpPr>
+              <p:nvPr/>
+            </p:nvSpPr>
+            <p:spPr>
+              <a:xfrm>
+                <a:off x="3951347" y="1897618"/>
+                <a:ext cx="511294" cy="369332"/>
+              </a:xfrm>
+              <a:prstGeom prst="rect">
+                <a:avLst/>
+              </a:prstGeom>
+              <a:blipFill rotWithShape="1">
+                <a:blip r:embed="rId5"/>
+                <a:stretch>
+                  <a:fillRect/>
+                </a:stretch>
+              </a:blipFill>
+            </p:spPr>
+            <p:txBody>
+              <a:bodyPr/>
+              <a:lstStyle/>
+              <a:p>
+                <a:r>
+                  <a:rPr lang="en-US">
+                    <a:noFill/>
+                  </a:rPr>
+                  <a:t> </a:t>
+                </a:r>
+              </a:p>
+            </p:txBody>
+          </p:sp>
+        </mc:Fallback>
+      </mc:AlternateContent>
+      <mc:AlternateContent xmlns:mc="http://schemas.openxmlformats.org/markup-compatibility/2006">
+        <mc:Choice xmlns:a14="http://schemas.microsoft.com/office/drawing/2010/main" Requires="a14">
+          <p:sp>
+            <p:nvSpPr>
+              <p:cNvPr id="18" name="TextBox 17"/>
+              <p:cNvSpPr txBox="1"/>
+              <p:nvPr/>
+            </p:nvSpPr>
+            <p:spPr>
+              <a:xfrm>
+                <a:off x="4493121" y="2530624"/>
+                <a:ext cx="510011" cy="391646"/>
+              </a:xfrm>
+              <a:prstGeom prst="rect">
+                <a:avLst/>
+              </a:prstGeom>
+              <a:noFill/>
+            </p:spPr>
+            <p:txBody>
+              <a:bodyPr wrap="none" rtlCol="0">
+                <a:spAutoFit/>
+              </a:bodyPr>
+              <a:lstStyle/>
+              <a:p>
+                <a14:m>
+                  <m:oMathPara xmlns:m="http://schemas.openxmlformats.org/officeDocument/2006/math">
+                    <m:oMathParaPr>
+                      <m:jc m:val="centerGroup"/>
+                    </m:oMathParaPr>
+                    <m:oMath xmlns:m="http://schemas.openxmlformats.org/officeDocument/2006/math">
+                      <m:sSub>
+                        <m:sSubPr>
+                          <m:ctrlPr>
+                            <a:rPr lang="en-US" i="1" smtClean="0">
+                              <a:latin typeface="Cambria Math"/>
+                            </a:rPr>
+                          </m:ctrlPr>
+                        </m:sSubPr>
+                        <m:e>
+                          <m:r>
+                            <a:rPr lang="en-US" b="0" i="1" smtClean="0">
+                              <a:latin typeface="Cambria Math"/>
+                            </a:rPr>
+                            <m:t>𝑒</m:t>
+                          </m:r>
+                        </m:e>
+                        <m:sub>
+                          <m:r>
+                            <a:rPr lang="en-US" b="0" i="1" smtClean="0">
+                              <a:latin typeface="Cambria Math"/>
+                            </a:rPr>
+                            <m:t>𝑗</m:t>
+                          </m:r>
+                          <m:r>
+                            <a:rPr lang="en-US" b="0" i="1" smtClean="0">
+                              <a:latin typeface="Cambria Math"/>
+                            </a:rPr>
+                            <m:t>1</m:t>
+                          </m:r>
+                        </m:sub>
+                      </m:sSub>
+                    </m:oMath>
+                  </m:oMathPara>
+                </a14:m>
+                <a:endParaRPr lang="en-US" dirty="0"/>
+              </a:p>
+            </p:txBody>
+          </p:sp>
+        </mc:Choice>
+        <mc:Fallback>
+          <p:sp>
+            <p:nvSpPr>
+              <p:cNvPr id="18" name="TextBox 17"/>
+              <p:cNvSpPr txBox="1">
+                <a:spLocks noRot="1" noChangeAspect="1" noMove="1" noResize="1" noEditPoints="1" noAdjustHandles="1" noChangeArrowheads="1" noChangeShapeType="1" noTextEdit="1"/>
+              </p:cNvSpPr>
+              <p:nvPr/>
+            </p:nvSpPr>
+            <p:spPr>
+              <a:xfrm>
+                <a:off x="4493121" y="2530624"/>
+                <a:ext cx="510011" cy="391646"/>
+              </a:xfrm>
+              <a:prstGeom prst="rect">
+                <a:avLst/>
+              </a:prstGeom>
+              <a:blipFill rotWithShape="1">
+                <a:blip r:embed="rId6"/>
+                <a:stretch>
+                  <a:fillRect b="-7813"/>
+                </a:stretch>
+              </a:blipFill>
+            </p:spPr>
+            <p:txBody>
+              <a:bodyPr/>
+              <a:lstStyle/>
+              <a:p>
+                <a:r>
+                  <a:rPr lang="en-US">
+                    <a:noFill/>
+                  </a:rPr>
+                  <a:t> </a:t>
+                </a:r>
+              </a:p>
+            </p:txBody>
+          </p:sp>
+        </mc:Fallback>
+      </mc:AlternateContent>
+      <p:cxnSp>
+        <p:nvCxnSpPr>
+          <p:cNvPr id="20" name="Straight Connector 19"/>
+          <p:cNvCxnSpPr>
+            <a:stCxn id="2" idx="1"/>
+          </p:cNvCxnSpPr>
+          <p:nvPr/>
+        </p:nvCxnSpPr>
+        <p:spPr>
+          <a:xfrm>
+            <a:off x="2499360" y="2865120"/>
+            <a:ext cx="1127760" cy="914400"/>
+          </a:xfrm>
+          <a:prstGeom prst="line">
+            <a:avLst/>
+          </a:prstGeom>
+          <a:ln w="25400">
+            <a:solidFill>
+              <a:schemeClr val="tx1"/>
+            </a:solidFill>
+          </a:ln>
+        </p:spPr>
+        <p:style>
+          <a:lnRef idx="1">
+            <a:schemeClr val="accent1"/>
+          </a:lnRef>
+          <a:fillRef idx="0">
+            <a:schemeClr val="accent1"/>
+          </a:fillRef>
+          <a:effectRef idx="0">
+            <a:schemeClr val="accent1"/>
+          </a:effectRef>
+          <a:fontRef idx="minor">
+            <a:schemeClr val="tx1"/>
+          </a:fontRef>
+        </p:style>
+      </p:cxnSp>
+      <mc:AlternateContent xmlns:mc="http://schemas.openxmlformats.org/markup-compatibility/2006">
+        <mc:Choice xmlns:a14="http://schemas.microsoft.com/office/drawing/2010/main" Requires="a14">
+          <p:sp>
+            <p:nvSpPr>
+              <p:cNvPr id="21" name="TextBox 20"/>
+              <p:cNvSpPr txBox="1"/>
+              <p:nvPr/>
+            </p:nvSpPr>
+            <p:spPr>
+              <a:xfrm>
+                <a:off x="3695700" y="2379737"/>
+                <a:ext cx="402803" cy="369332"/>
+              </a:xfrm>
+              <a:prstGeom prst="rect">
+                <a:avLst/>
+              </a:prstGeom>
+              <a:noFill/>
+            </p:spPr>
+            <p:txBody>
+              <a:bodyPr wrap="none" rtlCol="0">
+                <a:spAutoFit/>
+              </a:bodyPr>
+              <a:lstStyle/>
+              <a:p>
+                <a14:m>
+                  <m:oMathPara xmlns:m="http://schemas.openxmlformats.org/officeDocument/2006/math">
+                    <m:oMathParaPr>
+                      <m:jc m:val="centerGroup"/>
+                    </m:oMathParaPr>
+                    <m:oMath xmlns:m="http://schemas.openxmlformats.org/officeDocument/2006/math">
+                      <m:sSub>
+                        <m:sSubPr>
+                          <m:ctrlPr>
+                            <a:rPr lang="en-US" i="1" smtClean="0">
+                              <a:latin typeface="Cambria Math"/>
+                            </a:rPr>
+                          </m:ctrlPr>
+                        </m:sSubPr>
+                        <m:e>
+                          <m:r>
+                            <a:rPr lang="en-US" b="0" i="1" smtClean="0">
+                              <a:latin typeface="Cambria Math"/>
+                            </a:rPr>
+                            <m:t>𝑓</m:t>
+                          </m:r>
+                        </m:e>
+                        <m:sub>
+                          <m:r>
+                            <a:rPr lang="en-US" b="0" i="1" smtClean="0">
+                              <a:latin typeface="Cambria Math"/>
+                            </a:rPr>
+                            <m:t>𝑖</m:t>
+                          </m:r>
+                        </m:sub>
+                      </m:sSub>
+                    </m:oMath>
+                  </m:oMathPara>
+                </a14:m>
+                <a:endParaRPr lang="en-US" dirty="0"/>
+              </a:p>
+            </p:txBody>
+          </p:sp>
+        </mc:Choice>
+        <mc:Fallback>
+          <p:sp>
+            <p:nvSpPr>
+              <p:cNvPr id="21" name="TextBox 20"/>
+              <p:cNvSpPr txBox="1">
+                <a:spLocks noRot="1" noChangeAspect="1" noMove="1" noResize="1" noEditPoints="1" noAdjustHandles="1" noChangeArrowheads="1" noChangeShapeType="1" noTextEdit="1"/>
+              </p:cNvSpPr>
+              <p:nvPr/>
+            </p:nvSpPr>
+            <p:spPr>
+              <a:xfrm>
+                <a:off x="3695700" y="2379737"/>
+                <a:ext cx="402803" cy="369332"/>
+              </a:xfrm>
+              <a:prstGeom prst="rect">
+                <a:avLst/>
+              </a:prstGeom>
+              <a:blipFill rotWithShape="1">
+                <a:blip r:embed="rId7"/>
+                <a:stretch>
+                  <a:fillRect b="-11475"/>
+                </a:stretch>
+              </a:blipFill>
+            </p:spPr>
+            <p:txBody>
+              <a:bodyPr/>
+              <a:lstStyle/>
+              <a:p>
+                <a:r>
+                  <a:rPr lang="en-US">
+                    <a:noFill/>
+                  </a:rPr>
+                  <a:t> </a:t>
+                </a:r>
+              </a:p>
+            </p:txBody>
+          </p:sp>
+        </mc:Fallback>
+      </mc:AlternateContent>
+      <p:cxnSp>
+        <p:nvCxnSpPr>
+          <p:cNvPr id="24" name="Straight Arrow Connector 23"/>
+          <p:cNvCxnSpPr/>
+          <p:nvPr/>
+        </p:nvCxnSpPr>
+        <p:spPr>
+          <a:xfrm flipV="1">
+            <a:off x="3742476" y="1809750"/>
+            <a:ext cx="677124" cy="407670"/>
+          </a:xfrm>
+          <a:prstGeom prst="straightConnector1">
+            <a:avLst/>
+          </a:prstGeom>
+          <a:ln w="25400">
+            <a:tailEnd type="arrow"/>
+          </a:ln>
+        </p:spPr>
+        <p:style>
+          <a:lnRef idx="1">
+            <a:schemeClr val="accent1"/>
+          </a:lnRef>
+          <a:fillRef idx="0">
+            <a:schemeClr val="accent1"/>
+          </a:fillRef>
+          <a:effectRef idx="0">
+            <a:schemeClr val="accent1"/>
+          </a:effectRef>
+          <a:fontRef idx="minor">
+            <a:schemeClr val="tx1"/>
+          </a:fontRef>
+        </p:style>
+      </p:cxnSp>
+      <p:cxnSp>
+        <p:nvCxnSpPr>
+          <p:cNvPr id="25" name="Straight Arrow Connector 24"/>
+          <p:cNvCxnSpPr/>
+          <p:nvPr/>
+        </p:nvCxnSpPr>
+        <p:spPr>
+          <a:xfrm flipV="1">
+            <a:off x="3657600" y="1676400"/>
+            <a:ext cx="677124" cy="407670"/>
+          </a:xfrm>
+          <a:prstGeom prst="straightConnector1">
+            <a:avLst/>
+          </a:prstGeom>
+          <a:ln w="25400">
+            <a:headEnd type="arrow"/>
+            <a:tailEnd type="none"/>
+          </a:ln>
+        </p:spPr>
+        <p:style>
+          <a:lnRef idx="1">
+            <a:schemeClr val="accent1"/>
+          </a:lnRef>
+          <a:fillRef idx="0">
+            <a:schemeClr val="accent1"/>
+          </a:fillRef>
+          <a:effectRef idx="0">
+            <a:schemeClr val="accent1"/>
+          </a:effectRef>
+          <a:fontRef idx="minor">
+            <a:schemeClr val="tx1"/>
+          </a:fontRef>
+        </p:style>
+      </p:cxnSp>
+      <mc:AlternateContent xmlns:mc="http://schemas.openxmlformats.org/markup-compatibility/2006">
+        <mc:Choice xmlns:a14="http://schemas.microsoft.com/office/drawing/2010/main" Requires="a14">
+          <p:sp>
+            <p:nvSpPr>
+              <p:cNvPr id="26" name="TextBox 25"/>
+              <p:cNvSpPr txBox="1"/>
+              <p:nvPr/>
+            </p:nvSpPr>
+            <p:spPr>
+              <a:xfrm>
+                <a:off x="3657600" y="1528286"/>
+                <a:ext cx="511294" cy="369332"/>
+              </a:xfrm>
+              <a:prstGeom prst="rect">
+                <a:avLst/>
+              </a:prstGeom>
+              <a:noFill/>
+            </p:spPr>
+            <p:txBody>
+              <a:bodyPr wrap="none" rtlCol="0">
+                <a:spAutoFit/>
+              </a:bodyPr>
+              <a:lstStyle/>
+              <a:p>
+                <a14:m>
+                  <m:oMathPara xmlns:m="http://schemas.openxmlformats.org/officeDocument/2006/math">
+                    <m:oMathParaPr>
+                      <m:jc m:val="centerGroup"/>
+                    </m:oMathParaPr>
+                    <m:oMath xmlns:m="http://schemas.openxmlformats.org/officeDocument/2006/math">
+                      <m:sSub>
+                        <m:sSubPr>
+                          <m:ctrlPr>
+                            <a:rPr lang="en-US" i="1" smtClean="0">
+                              <a:latin typeface="Cambria Math"/>
+                            </a:rPr>
+                          </m:ctrlPr>
+                        </m:sSubPr>
+                        <m:e>
+                          <m:r>
+                            <a:rPr lang="en-US" b="0" i="1" smtClean="0">
+                              <a:latin typeface="Cambria Math"/>
+                            </a:rPr>
+                            <m:t>𝑒</m:t>
+                          </m:r>
+                        </m:e>
+                        <m:sub>
+                          <m:r>
+                            <a:rPr lang="en-US" b="0" i="1" smtClean="0">
+                              <a:latin typeface="Cambria Math"/>
+                            </a:rPr>
+                            <m:t>𝑖</m:t>
+                          </m:r>
+                          <m:r>
+                            <a:rPr lang="en-US" b="0" i="1" smtClean="0">
+                              <a:latin typeface="Cambria Math"/>
+                            </a:rPr>
+                            <m:t>2</m:t>
+                          </m:r>
+                        </m:sub>
+                      </m:sSub>
+                    </m:oMath>
+                  </m:oMathPara>
+                </a14:m>
+                <a:endParaRPr lang="en-US" dirty="0"/>
+              </a:p>
+            </p:txBody>
+          </p:sp>
+        </mc:Choice>
+        <mc:Fallback>
+          <p:sp>
+            <p:nvSpPr>
+              <p:cNvPr id="26" name="TextBox 25"/>
+              <p:cNvSpPr txBox="1">
+                <a:spLocks noRot="1" noChangeAspect="1" noMove="1" noResize="1" noEditPoints="1" noAdjustHandles="1" noChangeArrowheads="1" noChangeShapeType="1" noTextEdit="1"/>
+              </p:cNvSpPr>
+              <p:nvPr/>
+            </p:nvSpPr>
+            <p:spPr>
+              <a:xfrm>
+                <a:off x="3657600" y="1528286"/>
+                <a:ext cx="511294" cy="369332"/>
+              </a:xfrm>
+              <a:prstGeom prst="rect">
+                <a:avLst/>
+              </a:prstGeom>
+              <a:blipFill rotWithShape="1">
+                <a:blip r:embed="rId8"/>
+                <a:stretch>
+                  <a:fillRect b="-1667"/>
+                </a:stretch>
+              </a:blipFill>
+            </p:spPr>
+            <p:txBody>
+              <a:bodyPr/>
+              <a:lstStyle/>
+              <a:p>
+                <a:r>
+                  <a:rPr lang="en-US">
+                    <a:noFill/>
+                  </a:rPr>
+                  <a:t> </a:t>
+                </a:r>
+              </a:p>
+            </p:txBody>
+          </p:sp>
+        </mc:Fallback>
+      </mc:AlternateContent>
+      <p:cxnSp>
+        <p:nvCxnSpPr>
+          <p:cNvPr id="27" name="Straight Arrow Connector 26"/>
+          <p:cNvCxnSpPr/>
+          <p:nvPr/>
+        </p:nvCxnSpPr>
+        <p:spPr>
+          <a:xfrm flipV="1">
+            <a:off x="4419600" y="2316480"/>
+            <a:ext cx="457200" cy="579120"/>
+          </a:xfrm>
+          <a:prstGeom prst="straightConnector1">
+            <a:avLst/>
+          </a:prstGeom>
+          <a:ln w="25400">
+            <a:tailEnd type="arrow"/>
+          </a:ln>
+        </p:spPr>
+        <p:style>
+          <a:lnRef idx="1">
+            <a:schemeClr val="accent1"/>
+          </a:lnRef>
+          <a:fillRef idx="0">
+            <a:schemeClr val="accent1"/>
+          </a:fillRef>
+          <a:effectRef idx="0">
+            <a:schemeClr val="accent1"/>
+          </a:effectRef>
+          <a:fontRef idx="minor">
+            <a:schemeClr val="tx1"/>
+          </a:fontRef>
+        </p:style>
+      </p:cxnSp>
+      <p:cxnSp>
+        <p:nvCxnSpPr>
+          <p:cNvPr id="29" name="Straight Arrow Connector 28"/>
+          <p:cNvCxnSpPr/>
+          <p:nvPr/>
+        </p:nvCxnSpPr>
+        <p:spPr>
+          <a:xfrm flipV="1">
+            <a:off x="4290060" y="2225040"/>
+            <a:ext cx="457200" cy="579120"/>
+          </a:xfrm>
+          <a:prstGeom prst="straightConnector1">
+            <a:avLst/>
+          </a:prstGeom>
+          <a:ln w="25400">
+            <a:headEnd type="arrow"/>
+            <a:tailEnd type="none"/>
+          </a:ln>
+        </p:spPr>
+        <p:style>
+          <a:lnRef idx="1">
+            <a:schemeClr val="accent1"/>
+          </a:lnRef>
+          <a:fillRef idx="0">
+            <a:schemeClr val="accent1"/>
+          </a:fillRef>
+          <a:effectRef idx="0">
+            <a:schemeClr val="accent1"/>
+          </a:effectRef>
+          <a:fontRef idx="minor">
+            <a:schemeClr val="tx1"/>
+          </a:fontRef>
+        </p:style>
+      </p:cxnSp>
+      <mc:AlternateContent xmlns:mc="http://schemas.openxmlformats.org/markup-compatibility/2006">
+        <mc:Choice xmlns:a14="http://schemas.microsoft.com/office/drawing/2010/main" Requires="a14">
+          <p:sp>
+            <p:nvSpPr>
+              <p:cNvPr id="30" name="TextBox 29"/>
+              <p:cNvSpPr txBox="1"/>
+              <p:nvPr/>
+            </p:nvSpPr>
+            <p:spPr>
+              <a:xfrm>
+                <a:off x="4104501" y="2286000"/>
+                <a:ext cx="510011" cy="391646"/>
+              </a:xfrm>
+              <a:prstGeom prst="rect">
+                <a:avLst/>
+              </a:prstGeom>
+              <a:noFill/>
+            </p:spPr>
+            <p:txBody>
+              <a:bodyPr wrap="none" rtlCol="0">
+                <a:spAutoFit/>
+              </a:bodyPr>
+              <a:lstStyle/>
+              <a:p>
+                <a14:m>
+                  <m:oMathPara xmlns:m="http://schemas.openxmlformats.org/officeDocument/2006/math">
+                    <m:oMathParaPr>
+                      <m:jc m:val="centerGroup"/>
+                    </m:oMathParaPr>
+                    <m:oMath xmlns:m="http://schemas.openxmlformats.org/officeDocument/2006/math">
+                      <m:sSub>
+                        <m:sSubPr>
+                          <m:ctrlPr>
+                            <a:rPr lang="en-US" i="1" smtClean="0">
+                              <a:latin typeface="Cambria Math"/>
+                            </a:rPr>
+                          </m:ctrlPr>
+                        </m:sSubPr>
+                        <m:e>
+                          <m:r>
+                            <a:rPr lang="en-US" b="0" i="1" smtClean="0">
+                              <a:latin typeface="Cambria Math"/>
+                            </a:rPr>
+                            <m:t>𝑒</m:t>
+                          </m:r>
+                        </m:e>
+                        <m:sub>
+                          <m:r>
+                            <a:rPr lang="en-US" b="0" i="1" smtClean="0">
+                              <a:latin typeface="Cambria Math"/>
+                            </a:rPr>
+                            <m:t>𝑗</m:t>
+                          </m:r>
+                          <m:r>
+                            <a:rPr lang="en-US" b="0" i="1" smtClean="0">
+                              <a:latin typeface="Cambria Math"/>
+                            </a:rPr>
+                            <m:t>2</m:t>
+                          </m:r>
+                        </m:sub>
+                      </m:sSub>
+                    </m:oMath>
+                  </m:oMathPara>
+                </a14:m>
+                <a:endParaRPr lang="en-US" dirty="0"/>
+              </a:p>
+            </p:txBody>
+          </p:sp>
+        </mc:Choice>
+        <mc:Fallback>
+          <p:sp>
+            <p:nvSpPr>
+              <p:cNvPr id="30" name="TextBox 29"/>
+              <p:cNvSpPr txBox="1">
+                <a:spLocks noRot="1" noChangeAspect="1" noMove="1" noResize="1" noEditPoints="1" noAdjustHandles="1" noChangeArrowheads="1" noChangeShapeType="1" noTextEdit="1"/>
+              </p:cNvSpPr>
+              <p:nvPr/>
+            </p:nvSpPr>
+            <p:spPr>
+              <a:xfrm>
+                <a:off x="4104501" y="2286000"/>
+                <a:ext cx="510011" cy="391646"/>
+              </a:xfrm>
+              <a:prstGeom prst="rect">
+                <a:avLst/>
+              </a:prstGeom>
+              <a:blipFill rotWithShape="1">
+                <a:blip r:embed="rId9"/>
+                <a:stretch>
+                  <a:fillRect b="-7813"/>
+                </a:stretch>
+              </a:blipFill>
+            </p:spPr>
+            <p:txBody>
+              <a:bodyPr/>
+              <a:lstStyle/>
+              <a:p>
+                <a:r>
+                  <a:rPr lang="en-US">
+                    <a:noFill/>
+                  </a:rPr>
+                  <a:t> </a:t>
+                </a:r>
+              </a:p>
+            </p:txBody>
+          </p:sp>
+        </mc:Fallback>
+      </mc:AlternateContent>
+      <mc:AlternateContent xmlns:mc="http://schemas.openxmlformats.org/markup-compatibility/2006">
+        <mc:Choice xmlns:a14="http://schemas.microsoft.com/office/drawing/2010/main" Requires="a14">
+          <p:sp>
+            <p:nvSpPr>
+              <p:cNvPr id="31" name="TextBox 30"/>
+              <p:cNvSpPr txBox="1"/>
+              <p:nvPr/>
+            </p:nvSpPr>
+            <p:spPr>
+              <a:xfrm>
+                <a:off x="2643934" y="3242548"/>
+                <a:ext cx="532453" cy="369332"/>
+              </a:xfrm>
+              <a:prstGeom prst="rect">
+                <a:avLst/>
+              </a:prstGeom>
+              <a:noFill/>
+            </p:spPr>
+            <p:txBody>
+              <a:bodyPr wrap="none" rtlCol="0">
+                <a:spAutoFit/>
+              </a:bodyPr>
+              <a:lstStyle/>
+              <a:p>
+                <a14:m>
+                  <m:oMathPara xmlns:m="http://schemas.openxmlformats.org/officeDocument/2006/math">
+                    <m:oMathParaPr>
+                      <m:jc m:val="centerGroup"/>
+                    </m:oMathParaPr>
+                    <m:oMath xmlns:m="http://schemas.openxmlformats.org/officeDocument/2006/math">
+                      <m:sSub>
+                        <m:sSubPr>
+                          <m:ctrlPr>
+                            <a:rPr lang="en-US" i="1" smtClean="0">
+                              <a:latin typeface="Cambria Math"/>
+                            </a:rPr>
+                          </m:ctrlPr>
+                        </m:sSubPr>
+                        <m:e>
+                          <m:r>
+                            <a:rPr lang="en-US" b="0" i="1" smtClean="0">
+                              <a:latin typeface="Cambria Math"/>
+                            </a:rPr>
+                            <m:t>h</m:t>
+                          </m:r>
+                        </m:e>
+                        <m:sub>
+                          <m:r>
+                            <a:rPr lang="en-US" b="0" i="1" smtClean="0">
+                              <a:latin typeface="Cambria Math"/>
+                            </a:rPr>
+                            <m:t>𝑖</m:t>
+                          </m:r>
+                          <m:r>
+                            <a:rPr lang="en-US" b="0" i="1" smtClean="0">
+                              <a:latin typeface="Cambria Math"/>
+                            </a:rPr>
+                            <m:t>1</m:t>
+                          </m:r>
+                        </m:sub>
+                      </m:sSub>
+                    </m:oMath>
+                  </m:oMathPara>
+                </a14:m>
+                <a:endParaRPr lang="en-US" dirty="0"/>
+              </a:p>
+            </p:txBody>
+          </p:sp>
+        </mc:Choice>
+        <mc:Fallback>
+          <p:sp>
+            <p:nvSpPr>
+              <p:cNvPr id="31" name="TextBox 30"/>
+              <p:cNvSpPr txBox="1">
+                <a:spLocks noRot="1" noChangeAspect="1" noMove="1" noResize="1" noEditPoints="1" noAdjustHandles="1" noChangeArrowheads="1" noChangeShapeType="1" noTextEdit="1"/>
+              </p:cNvSpPr>
+              <p:nvPr/>
+            </p:nvSpPr>
+            <p:spPr>
+              <a:xfrm>
+                <a:off x="2643934" y="3242548"/>
+                <a:ext cx="532453" cy="369332"/>
+              </a:xfrm>
+              <a:prstGeom prst="rect">
+                <a:avLst/>
+              </a:prstGeom>
+              <a:blipFill rotWithShape="1">
+                <a:blip r:embed="rId10"/>
+                <a:stretch>
+                  <a:fillRect/>
+                </a:stretch>
+              </a:blipFill>
+            </p:spPr>
+            <p:txBody>
+              <a:bodyPr/>
+              <a:lstStyle/>
+              <a:p>
+                <a:r>
+                  <a:rPr lang="en-US">
+                    <a:noFill/>
+                  </a:rPr>
+                  <a:t> </a:t>
+                </a:r>
+              </a:p>
+            </p:txBody>
+          </p:sp>
+        </mc:Fallback>
+      </mc:AlternateContent>
+      <p:cxnSp>
+        <p:nvCxnSpPr>
+          <p:cNvPr id="32" name="Straight Arrow Connector 31"/>
+          <p:cNvCxnSpPr/>
+          <p:nvPr/>
+        </p:nvCxnSpPr>
+        <p:spPr>
+          <a:xfrm>
+            <a:off x="2804160" y="3200400"/>
+            <a:ext cx="487680" cy="411480"/>
+          </a:xfrm>
+          <a:prstGeom prst="straightConnector1">
+            <a:avLst/>
+          </a:prstGeom>
+          <a:ln w="25400">
+            <a:tailEnd type="arrow"/>
+          </a:ln>
+        </p:spPr>
+        <p:style>
+          <a:lnRef idx="1">
+            <a:schemeClr val="accent1"/>
+          </a:lnRef>
+          <a:fillRef idx="0">
+            <a:schemeClr val="accent1"/>
+          </a:fillRef>
+          <a:effectRef idx="0">
+            <a:schemeClr val="accent1"/>
+          </a:effectRef>
+          <a:fontRef idx="minor">
+            <a:schemeClr val="tx1"/>
+          </a:fontRef>
+        </p:style>
+      </p:cxnSp>
+      <mc:AlternateContent xmlns:mc="http://schemas.openxmlformats.org/markup-compatibility/2006">
+        <mc:Choice xmlns:a14="http://schemas.microsoft.com/office/drawing/2010/main" Requires="a14">
+          <p:sp>
+            <p:nvSpPr>
+              <p:cNvPr id="36" name="TextBox 35"/>
+              <p:cNvSpPr txBox="1"/>
+              <p:nvPr/>
+            </p:nvSpPr>
+            <p:spPr>
+              <a:xfrm>
+                <a:off x="3025140" y="2952750"/>
+                <a:ext cx="532453" cy="369332"/>
+              </a:xfrm>
+              <a:prstGeom prst="rect">
+                <a:avLst/>
+              </a:prstGeom>
+              <a:noFill/>
+            </p:spPr>
+            <p:txBody>
+              <a:bodyPr wrap="none" rtlCol="0">
+                <a:spAutoFit/>
+              </a:bodyPr>
+              <a:lstStyle/>
+              <a:p>
+                <a14:m>
+                  <m:oMathPara xmlns:m="http://schemas.openxmlformats.org/officeDocument/2006/math">
+                    <m:oMathParaPr>
+                      <m:jc m:val="centerGroup"/>
+                    </m:oMathParaPr>
+                    <m:oMath xmlns:m="http://schemas.openxmlformats.org/officeDocument/2006/math">
+                      <m:sSub>
+                        <m:sSubPr>
+                          <m:ctrlPr>
+                            <a:rPr lang="en-US" i="1" smtClean="0">
+                              <a:latin typeface="Cambria Math"/>
+                            </a:rPr>
+                          </m:ctrlPr>
+                        </m:sSubPr>
+                        <m:e>
+                          <m:r>
+                            <a:rPr lang="en-US" b="0" i="1" smtClean="0">
+                              <a:latin typeface="Cambria Math"/>
+                            </a:rPr>
+                            <m:t>h</m:t>
+                          </m:r>
+                        </m:e>
+                        <m:sub>
+                          <m:r>
+                            <a:rPr lang="en-US" b="0" i="1" smtClean="0">
+                              <a:latin typeface="Cambria Math"/>
+                            </a:rPr>
+                            <m:t>𝑖</m:t>
+                          </m:r>
+                          <m:r>
+                            <a:rPr lang="en-US" b="0" i="1" smtClean="0">
+                              <a:latin typeface="Cambria Math"/>
+                            </a:rPr>
+                            <m:t>2</m:t>
+                          </m:r>
+                        </m:sub>
+                      </m:sSub>
+                    </m:oMath>
+                  </m:oMathPara>
+                </a14:m>
+                <a:endParaRPr lang="en-US" dirty="0"/>
+              </a:p>
+            </p:txBody>
+          </p:sp>
+        </mc:Choice>
+        <mc:Fallback>
+          <p:sp>
+            <p:nvSpPr>
+              <p:cNvPr id="36" name="TextBox 35"/>
+              <p:cNvSpPr txBox="1">
+                <a:spLocks noRot="1" noChangeAspect="1" noMove="1" noResize="1" noEditPoints="1" noAdjustHandles="1" noChangeArrowheads="1" noChangeShapeType="1" noTextEdit="1"/>
+              </p:cNvSpPr>
+              <p:nvPr/>
+            </p:nvSpPr>
+            <p:spPr>
+              <a:xfrm>
+                <a:off x="3025140" y="2952750"/>
+                <a:ext cx="532453" cy="369332"/>
+              </a:xfrm>
+              <a:prstGeom prst="rect">
+                <a:avLst/>
+              </a:prstGeom>
+              <a:blipFill rotWithShape="1">
+                <a:blip r:embed="rId11"/>
+                <a:stretch>
+                  <a:fillRect/>
+                </a:stretch>
+              </a:blipFill>
+            </p:spPr>
+            <p:txBody>
+              <a:bodyPr/>
+              <a:lstStyle/>
+              <a:p>
+                <a:r>
+                  <a:rPr lang="en-US">
+                    <a:noFill/>
+                  </a:rPr>
+                  <a:t> </a:t>
+                </a:r>
+              </a:p>
+            </p:txBody>
+          </p:sp>
+        </mc:Fallback>
+      </mc:AlternateContent>
+      <p:cxnSp>
+        <p:nvCxnSpPr>
+          <p:cNvPr id="37" name="Straight Arrow Connector 36"/>
+          <p:cNvCxnSpPr/>
+          <p:nvPr/>
+        </p:nvCxnSpPr>
+        <p:spPr>
+          <a:xfrm>
+            <a:off x="2918460" y="3078480"/>
+            <a:ext cx="487680" cy="411480"/>
+          </a:xfrm>
+          <a:prstGeom prst="straightConnector1">
+            <a:avLst/>
+          </a:prstGeom>
+          <a:ln w="25400">
+            <a:headEnd type="arrow"/>
+            <a:tailEnd type="none"/>
+          </a:ln>
+        </p:spPr>
+        <p:style>
+          <a:lnRef idx="1">
+            <a:schemeClr val="accent1"/>
+          </a:lnRef>
+          <a:fillRef idx="0">
+            <a:schemeClr val="accent1"/>
+          </a:fillRef>
+          <a:effectRef idx="0">
+            <a:schemeClr val="accent1"/>
+          </a:effectRef>
+          <a:fontRef idx="minor">
+            <a:schemeClr val="tx1"/>
+          </a:fontRef>
+        </p:style>
+      </p:cxnSp>
+    </p:spTree>
+    <p:extLst>
+      <p:ext uri="{BB962C8B-B14F-4D97-AF65-F5344CB8AC3E}">
+        <p14:creationId xmlns:p14="http://schemas.microsoft.com/office/powerpoint/2010/main" val="3396076536"/>
+      </p:ext>
+    </p:extLst>
+  </p:cSld>
+  <p:clrMapOvr>
+    <a:masterClrMapping/>
+  </p:clrMapOvr>
+</p:sld>
+</file>
+
+<file path=ppt/slides/slide3.xml><?xml version="1.0" encoding="utf-8"?>
+<p:sld xmlns:a="http://schemas.openxmlformats.org/drawingml/2006/main" xmlns:r="http://schemas.openxmlformats.org/officeDocument/2006/relationships" xmlns:p="http://schemas.openxmlformats.org/presentationml/2006/main">
+  <p:cSld>
+    <p:spTree>
+      <p:nvGrpSpPr>
+        <p:cNvPr id="1" name=""/>
+        <p:cNvGrpSpPr/>
+        <p:nvPr/>
+      </p:nvGrpSpPr>
+      <p:grpSpPr>
+        <a:xfrm>
+          <a:off x="0" y="0"/>
+          <a:ext cx="0" cy="0"/>
+          <a:chOff x="0" y="0"/>
+          <a:chExt cx="0" cy="0"/>
+        </a:xfrm>
+      </p:grpSpPr>
+      <p:cxnSp>
+        <p:nvCxnSpPr>
+          <p:cNvPr id="3" name="Straight Arrow Connector 2"/>
+          <p:cNvCxnSpPr/>
+          <p:nvPr/>
+        </p:nvCxnSpPr>
+        <p:spPr>
+          <a:xfrm>
+            <a:off x="2362200" y="3810000"/>
+            <a:ext cx="2895600" cy="0"/>
+          </a:xfrm>
+          <a:prstGeom prst="straightConnector1">
+            <a:avLst/>
+          </a:prstGeom>
+          <a:ln>
+            <a:tailEnd type="arrow"/>
+          </a:ln>
+        </p:spPr>
+        <p:style>
+          <a:lnRef idx="1">
+            <a:schemeClr val="accent1"/>
+          </a:lnRef>
+          <a:fillRef idx="0">
+            <a:schemeClr val="accent1"/>
+          </a:fillRef>
+          <a:effectRef idx="0">
+            <a:schemeClr val="accent1"/>
+          </a:effectRef>
+          <a:fontRef idx="minor">
+            <a:schemeClr val="tx1"/>
+          </a:fontRef>
+        </p:style>
+      </p:cxnSp>
+      <p:cxnSp>
+        <p:nvCxnSpPr>
+          <p:cNvPr id="5" name="Straight Arrow Connector 4"/>
+          <p:cNvCxnSpPr/>
+          <p:nvPr/>
+        </p:nvCxnSpPr>
+        <p:spPr>
+          <a:xfrm flipV="1">
+            <a:off x="2667000" y="762000"/>
+            <a:ext cx="0" cy="3429000"/>
+          </a:xfrm>
+          <a:prstGeom prst="straightConnector1">
+            <a:avLst/>
+          </a:prstGeom>
+          <a:ln>
+            <a:tailEnd type="arrow"/>
+          </a:ln>
+        </p:spPr>
+        <p:style>
+          <a:lnRef idx="1">
+            <a:schemeClr val="accent1"/>
+          </a:lnRef>
+          <a:fillRef idx="0">
+            <a:schemeClr val="accent1"/>
+          </a:fillRef>
+          <a:effectRef idx="0">
+            <a:schemeClr val="accent1"/>
+          </a:effectRef>
+          <a:fontRef idx="minor">
+            <a:schemeClr val="tx1"/>
+          </a:fontRef>
+        </p:style>
+      </p:cxnSp>
+      <p:sp>
+        <p:nvSpPr>
+          <p:cNvPr id="6" name="Oval 5"/>
+          <p:cNvSpPr/>
+          <p:nvPr/>
+        </p:nvSpPr>
+        <p:spPr>
+          <a:xfrm>
+            <a:off x="2642710" y="3793333"/>
+            <a:ext cx="45719" cy="45719"/>
+          </a:xfrm>
+          <a:prstGeom prst="ellipse">
+            <a:avLst/>
+          </a:prstGeom>
+          <a:solidFill>
+            <a:schemeClr val="tx1"/>
+          </a:solidFill>
+          <a:ln>
+            <a:solidFill>
+              <a:schemeClr val="tx1"/>
+            </a:solidFill>
+          </a:ln>
+        </p:spPr>
+        <p:style>
+          <a:lnRef idx="2">
+            <a:schemeClr val="accent1">
+              <a:shade val="50000"/>
+            </a:schemeClr>
+          </a:lnRef>
+          <a:fillRef idx="1">
+            <a:schemeClr val="accent1"/>
+          </a:fillRef>
+          <a:effectRef idx="0">
+            <a:schemeClr val="accent1"/>
+          </a:effectRef>
+          <a:fontRef idx="minor">
+            <a:schemeClr val="lt1"/>
+          </a:fontRef>
+        </p:style>
+        <p:txBody>
+          <a:bodyPr rtlCol="0" anchor="ctr"/>
+          <a:lstStyle/>
+          <a:p>
+            <a:pPr algn="ctr"/>
+            <a:endParaRPr lang="en-US"/>
+          </a:p>
+        </p:txBody>
+      </p:sp>
+      <p:sp>
+        <p:nvSpPr>
+          <p:cNvPr id="7" name="Oval 6"/>
+          <p:cNvSpPr/>
+          <p:nvPr/>
+        </p:nvSpPr>
+        <p:spPr>
+          <a:xfrm>
+            <a:off x="3634740" y="4762501"/>
+            <a:ext cx="45719" cy="45719"/>
+          </a:xfrm>
+          <a:prstGeom prst="ellipse">
+            <a:avLst/>
+          </a:prstGeom>
+          <a:solidFill>
+            <a:schemeClr val="tx1"/>
+          </a:solidFill>
+          <a:ln>
+            <a:solidFill>
+              <a:schemeClr val="tx1"/>
+            </a:solidFill>
+          </a:ln>
+        </p:spPr>
+        <p:style>
+          <a:lnRef idx="2">
+            <a:schemeClr val="accent1">
+              <a:shade val="50000"/>
+            </a:schemeClr>
+          </a:lnRef>
+          <a:fillRef idx="1">
+            <a:schemeClr val="accent1"/>
+          </a:fillRef>
+          <a:effectRef idx="0">
+            <a:schemeClr val="accent1"/>
+          </a:effectRef>
+          <a:fontRef idx="minor">
+            <a:schemeClr val="lt1"/>
+          </a:fontRef>
+        </p:style>
+        <p:txBody>
+          <a:bodyPr rtlCol="0" anchor="ctr"/>
+          <a:lstStyle/>
+          <a:p>
+            <a:pPr algn="ctr"/>
+            <a:endParaRPr lang="en-US"/>
+          </a:p>
+        </p:txBody>
+      </p:sp>
+      <p:sp>
+        <p:nvSpPr>
+          <p:cNvPr id="8" name="Oval 7"/>
+          <p:cNvSpPr/>
+          <p:nvPr/>
+        </p:nvSpPr>
+        <p:spPr>
+          <a:xfrm>
+            <a:off x="4625339" y="845819"/>
+            <a:ext cx="45719" cy="45719"/>
+          </a:xfrm>
+          <a:prstGeom prst="ellipse">
+            <a:avLst/>
+          </a:prstGeom>
+          <a:solidFill>
+            <a:schemeClr val="tx1"/>
+          </a:solidFill>
+          <a:ln>
+            <a:solidFill>
+              <a:schemeClr val="tx1"/>
+            </a:solidFill>
+          </a:ln>
+        </p:spPr>
+        <p:style>
+          <a:lnRef idx="2">
+            <a:schemeClr val="accent1">
+              <a:shade val="50000"/>
+            </a:schemeClr>
+          </a:lnRef>
+          <a:fillRef idx="1">
+            <a:schemeClr val="accent1"/>
+          </a:fillRef>
+          <a:effectRef idx="0">
+            <a:schemeClr val="accent1"/>
+          </a:effectRef>
+          <a:fontRef idx="minor">
+            <a:schemeClr val="lt1"/>
+          </a:fontRef>
+        </p:style>
+        <p:txBody>
+          <a:bodyPr rtlCol="0" anchor="ctr"/>
+          <a:lstStyle/>
+          <a:p>
+            <a:pPr algn="ctr"/>
+            <a:endParaRPr lang="en-US"/>
+          </a:p>
+        </p:txBody>
+      </p:sp>
+      <p:sp>
+        <p:nvSpPr>
+          <p:cNvPr id="9" name="Oval 8"/>
+          <p:cNvSpPr/>
+          <p:nvPr/>
+        </p:nvSpPr>
+        <p:spPr>
+          <a:xfrm>
+            <a:off x="3642360" y="1828800"/>
+            <a:ext cx="45719" cy="45719"/>
+          </a:xfrm>
+          <a:prstGeom prst="ellipse">
+            <a:avLst/>
+          </a:prstGeom>
+          <a:solidFill>
+            <a:schemeClr val="tx1"/>
+          </a:solidFill>
+          <a:ln>
+            <a:solidFill>
+              <a:schemeClr val="tx1"/>
+            </a:solidFill>
+          </a:ln>
+        </p:spPr>
+        <p:style>
+          <a:lnRef idx="2">
+            <a:schemeClr val="accent1">
+              <a:shade val="50000"/>
+            </a:schemeClr>
+          </a:lnRef>
+          <a:fillRef idx="1">
+            <a:schemeClr val="accent1"/>
+          </a:fillRef>
+          <a:effectRef idx="0">
+            <a:schemeClr val="accent1"/>
+          </a:effectRef>
+          <a:fontRef idx="minor">
+            <a:schemeClr val="lt1"/>
+          </a:fontRef>
+        </p:style>
+        <p:txBody>
+          <a:bodyPr rtlCol="0" anchor="ctr"/>
+          <a:lstStyle/>
+          <a:p>
+            <a:pPr algn="ctr"/>
+            <a:endParaRPr lang="en-US"/>
+          </a:p>
+        </p:txBody>
+      </p:sp>
+      <p:sp>
+        <p:nvSpPr>
+          <p:cNvPr id="10" name="Oval 9"/>
+          <p:cNvSpPr/>
+          <p:nvPr/>
+        </p:nvSpPr>
+        <p:spPr>
+          <a:xfrm>
+            <a:off x="4625340" y="2781300"/>
+            <a:ext cx="45719" cy="45719"/>
+          </a:xfrm>
+          <a:prstGeom prst="ellipse">
+            <a:avLst/>
+          </a:prstGeom>
+          <a:solidFill>
+            <a:schemeClr val="tx1"/>
+          </a:solidFill>
+          <a:ln>
+            <a:solidFill>
+              <a:schemeClr val="tx1"/>
+            </a:solidFill>
+          </a:ln>
+        </p:spPr>
+        <p:style>
+          <a:lnRef idx="2">
+            <a:schemeClr val="accent1">
+              <a:shade val="50000"/>
+            </a:schemeClr>
+          </a:lnRef>
+          <a:fillRef idx="1">
+            <a:schemeClr val="accent1"/>
+          </a:fillRef>
+          <a:effectRef idx="0">
+            <a:schemeClr val="accent1"/>
+          </a:effectRef>
+          <a:fontRef idx="minor">
+            <a:schemeClr val="lt1"/>
+          </a:fontRef>
+        </p:style>
+        <p:txBody>
+          <a:bodyPr rtlCol="0" anchor="ctr"/>
+          <a:lstStyle/>
+          <a:p>
+            <a:pPr algn="ctr"/>
+            <a:endParaRPr lang="en-US"/>
+          </a:p>
+        </p:txBody>
+      </p:sp>
+      <p:sp>
+        <p:nvSpPr>
+          <p:cNvPr id="11" name="Oval 10"/>
+          <p:cNvSpPr/>
+          <p:nvPr/>
+        </p:nvSpPr>
+        <p:spPr>
+          <a:xfrm>
+            <a:off x="2644140" y="1798321"/>
+            <a:ext cx="45719" cy="45719"/>
+          </a:xfrm>
+          <a:prstGeom prst="ellipse">
+            <a:avLst/>
+          </a:prstGeom>
+          <a:solidFill>
+            <a:schemeClr val="tx1"/>
+          </a:solidFill>
+          <a:ln>
+            <a:solidFill>
+              <a:schemeClr val="tx1"/>
+            </a:solidFill>
+          </a:ln>
+        </p:spPr>
+        <p:style>
+          <a:lnRef idx="2">
+            <a:schemeClr val="accent1">
+              <a:shade val="50000"/>
+            </a:schemeClr>
+          </a:lnRef>
+          <a:fillRef idx="1">
+            <a:schemeClr val="accent1"/>
+          </a:fillRef>
+          <a:effectRef idx="0">
+            <a:schemeClr val="accent1"/>
+          </a:effectRef>
+          <a:fontRef idx="minor">
+            <a:schemeClr val="lt1"/>
+          </a:fontRef>
+        </p:style>
+        <p:txBody>
+          <a:bodyPr rtlCol="0" anchor="ctr"/>
+          <a:lstStyle/>
+          <a:p>
+            <a:pPr algn="ctr"/>
+            <a:endParaRPr lang="en-US"/>
+          </a:p>
+        </p:txBody>
+      </p:sp>
+      <mc:AlternateContent xmlns:mc="http://schemas.openxmlformats.org/markup-compatibility/2006">
+        <mc:Choice xmlns:a14="http://schemas.microsoft.com/office/drawing/2010/main" Requires="a14">
+          <p:sp>
+            <p:nvSpPr>
+              <p:cNvPr id="20" name="TextBox 19"/>
+              <p:cNvSpPr txBox="1"/>
+              <p:nvPr/>
+            </p:nvSpPr>
+            <p:spPr>
+              <a:xfrm>
+                <a:off x="1834125" y="3824779"/>
+                <a:ext cx="893834" cy="307777"/>
+              </a:xfrm>
+              <a:prstGeom prst="rect">
+                <a:avLst/>
+              </a:prstGeom>
+              <a:noFill/>
+            </p:spPr>
+            <p:txBody>
+              <a:bodyPr wrap="none" rtlCol="0">
+                <a:spAutoFit/>
+              </a:bodyPr>
+              <a:lstStyle/>
+              <a:p>
+                <a14:m>
+                  <m:oMathPara xmlns:m="http://schemas.openxmlformats.org/officeDocument/2006/math">
+                    <m:oMathParaPr>
+                      <m:jc m:val="centerGroup"/>
+                    </m:oMathParaPr>
+                    <m:oMath xmlns:m="http://schemas.openxmlformats.org/officeDocument/2006/math">
+                      <m:sSub>
+                        <m:sSubPr>
+                          <m:ctrlPr>
+                            <a:rPr lang="en-US" sz="1400" i="1" smtClean="0">
+                              <a:latin typeface="Cambria Math"/>
+                            </a:rPr>
+                          </m:ctrlPr>
+                        </m:sSubPr>
+                        <m:e>
+                          <m:r>
+                            <a:rPr lang="en-US" sz="1400" b="0" i="1" smtClean="0">
+                              <a:latin typeface="Cambria Math"/>
+                            </a:rPr>
+                            <m:t>𝑝</m:t>
+                          </m:r>
+                        </m:e>
+                        <m:sub>
+                          <m:r>
+                            <a:rPr lang="en-US" sz="1400" b="0" i="1" smtClean="0">
+                              <a:latin typeface="Cambria Math"/>
+                            </a:rPr>
+                            <m:t>0</m:t>
+                          </m:r>
+                        </m:sub>
+                      </m:sSub>
+                      <m:r>
+                        <a:rPr lang="en-US" sz="1400" b="0" i="1" smtClean="0">
+                          <a:latin typeface="Cambria Math"/>
+                        </a:rPr>
+                        <m:t>:</m:t>
+                      </m:r>
+                      <m:d>
+                        <m:dPr>
+                          <m:ctrlPr>
+                            <a:rPr lang="en-US" sz="1400" i="1" smtClean="0">
+                              <a:latin typeface="Cambria Math"/>
+                            </a:rPr>
+                          </m:ctrlPr>
+                        </m:dPr>
+                        <m:e>
+                          <m:r>
+                            <a:rPr lang="en-US" sz="1400" b="0" i="1" smtClean="0">
+                              <a:latin typeface="Cambria Math"/>
+                            </a:rPr>
+                            <m:t>0, 0</m:t>
+                          </m:r>
+                        </m:e>
+                      </m:d>
+                    </m:oMath>
+                  </m:oMathPara>
+                </a14:m>
+                <a:endParaRPr lang="en-US" sz="1400" dirty="0"/>
+              </a:p>
+            </p:txBody>
+          </p:sp>
+        </mc:Choice>
+        <mc:Fallback>
+          <p:sp>
+            <p:nvSpPr>
+              <p:cNvPr id="20" name="TextBox 19"/>
+              <p:cNvSpPr txBox="1">
+                <a:spLocks noRot="1" noChangeAspect="1" noMove="1" noResize="1" noEditPoints="1" noAdjustHandles="1" noChangeArrowheads="1" noChangeShapeType="1" noTextEdit="1"/>
+              </p:cNvSpPr>
+              <p:nvPr/>
+            </p:nvSpPr>
+            <p:spPr>
+              <a:xfrm>
+                <a:off x="1834125" y="3824779"/>
+                <a:ext cx="893834" cy="307777"/>
+              </a:xfrm>
+              <a:prstGeom prst="rect">
+                <a:avLst/>
+              </a:prstGeom>
+              <a:blipFill rotWithShape="1">
+                <a:blip r:embed="rId2"/>
+                <a:stretch>
+                  <a:fillRect/>
+                </a:stretch>
+              </a:blipFill>
+            </p:spPr>
+            <p:txBody>
+              <a:bodyPr/>
+              <a:lstStyle/>
+              <a:p>
+                <a:r>
+                  <a:rPr lang="en-US">
+                    <a:noFill/>
+                  </a:rPr>
+                  <a:t> </a:t>
+                </a:r>
+              </a:p>
+            </p:txBody>
+          </p:sp>
+        </mc:Fallback>
+      </mc:AlternateContent>
+      <mc:AlternateContent xmlns:mc="http://schemas.openxmlformats.org/markup-compatibility/2006">
+        <mc:Choice xmlns:a14="http://schemas.microsoft.com/office/drawing/2010/main" Requires="a14">
+          <p:sp>
+            <p:nvSpPr>
+              <p:cNvPr id="21" name="TextBox 20"/>
+              <p:cNvSpPr txBox="1"/>
+              <p:nvPr/>
+            </p:nvSpPr>
+            <p:spPr>
+              <a:xfrm>
+                <a:off x="3688079" y="4762501"/>
+                <a:ext cx="1024319" cy="307777"/>
+              </a:xfrm>
+              <a:prstGeom prst="rect">
+                <a:avLst/>
+              </a:prstGeom>
+              <a:noFill/>
+            </p:spPr>
+            <p:txBody>
+              <a:bodyPr wrap="none" rtlCol="0">
+                <a:spAutoFit/>
+              </a:bodyPr>
+              <a:lstStyle/>
+              <a:p>
+                <a14:m>
+                  <m:oMathPara xmlns:m="http://schemas.openxmlformats.org/officeDocument/2006/math">
+                    <m:oMathParaPr>
+                      <m:jc m:val="centerGroup"/>
+                    </m:oMathParaPr>
+                    <m:oMath xmlns:m="http://schemas.openxmlformats.org/officeDocument/2006/math">
+                      <m:sSub>
+                        <m:sSubPr>
+                          <m:ctrlPr>
+                            <a:rPr lang="en-US" sz="1400" i="1" smtClean="0">
+                              <a:latin typeface="Cambria Math"/>
+                            </a:rPr>
+                          </m:ctrlPr>
+                        </m:sSubPr>
+                        <m:e>
+                          <m:r>
+                            <a:rPr lang="en-US" sz="1400" b="0" i="1" smtClean="0">
+                              <a:latin typeface="Cambria Math"/>
+                            </a:rPr>
+                            <m:t>𝑝</m:t>
+                          </m:r>
+                        </m:e>
+                        <m:sub>
+                          <m:r>
+                            <a:rPr lang="en-US" sz="1400" b="0" i="1" smtClean="0">
+                              <a:latin typeface="Cambria Math"/>
+                            </a:rPr>
+                            <m:t>1</m:t>
+                          </m:r>
+                        </m:sub>
+                      </m:sSub>
+                      <m:r>
+                        <a:rPr lang="en-US" sz="1400" i="1">
+                          <a:latin typeface="Cambria Math"/>
+                        </a:rPr>
+                        <m:t>:</m:t>
+                      </m:r>
+                      <m:d>
+                        <m:dPr>
+                          <m:ctrlPr>
+                            <a:rPr lang="en-US" sz="1400" i="1">
+                              <a:latin typeface="Cambria Math"/>
+                            </a:rPr>
+                          </m:ctrlPr>
+                        </m:dPr>
+                        <m:e>
+                          <m:r>
+                            <a:rPr lang="en-US" sz="1400" b="0" i="1" smtClean="0">
+                              <a:latin typeface="Cambria Math"/>
+                            </a:rPr>
+                            <m:t>5</m:t>
+                          </m:r>
+                          <m:r>
+                            <a:rPr lang="en-US" sz="1400" i="1">
+                              <a:latin typeface="Cambria Math"/>
+                            </a:rPr>
+                            <m:t>, </m:t>
+                          </m:r>
+                          <m:r>
+                            <a:rPr lang="en-US" sz="1400" b="0" i="1" smtClean="0">
+                              <a:latin typeface="Cambria Math"/>
+                            </a:rPr>
+                            <m:t>−5</m:t>
+                          </m:r>
+                        </m:e>
+                      </m:d>
+                    </m:oMath>
+                  </m:oMathPara>
+                </a14:m>
+                <a:endParaRPr lang="en-US" sz="1400" dirty="0"/>
+              </a:p>
+            </p:txBody>
+          </p:sp>
+        </mc:Choice>
+        <mc:Fallback>
+          <p:sp>
+            <p:nvSpPr>
+              <p:cNvPr id="21" name="TextBox 20"/>
+              <p:cNvSpPr txBox="1">
+                <a:spLocks noRot="1" noChangeAspect="1" noMove="1" noResize="1" noEditPoints="1" noAdjustHandles="1" noChangeArrowheads="1" noChangeShapeType="1" noTextEdit="1"/>
+              </p:cNvSpPr>
+              <p:nvPr/>
+            </p:nvSpPr>
+            <p:spPr>
+              <a:xfrm>
+                <a:off x="3688079" y="4762501"/>
+                <a:ext cx="1024319" cy="307777"/>
+              </a:xfrm>
+              <a:prstGeom prst="rect">
+                <a:avLst/>
+              </a:prstGeom>
+              <a:blipFill rotWithShape="1">
+                <a:blip r:embed="rId3"/>
+                <a:stretch>
+                  <a:fillRect/>
+                </a:stretch>
+              </a:blipFill>
+            </p:spPr>
+            <p:txBody>
+              <a:bodyPr/>
+              <a:lstStyle/>
+              <a:p>
+                <a:r>
+                  <a:rPr lang="en-US">
+                    <a:noFill/>
+                  </a:rPr>
+                  <a:t> </a:t>
+                </a:r>
+              </a:p>
+            </p:txBody>
+          </p:sp>
+        </mc:Fallback>
+      </mc:AlternateContent>
+      <mc:AlternateContent xmlns:mc="http://schemas.openxmlformats.org/markup-compatibility/2006">
+        <mc:Choice xmlns:a14="http://schemas.microsoft.com/office/drawing/2010/main" Requires="a14">
+          <p:sp>
+            <p:nvSpPr>
+              <p:cNvPr id="22" name="TextBox 21"/>
+              <p:cNvSpPr txBox="1"/>
+              <p:nvPr/>
+            </p:nvSpPr>
+            <p:spPr>
+              <a:xfrm>
+                <a:off x="4602480" y="2737129"/>
+                <a:ext cx="993221" cy="307777"/>
+              </a:xfrm>
+              <a:prstGeom prst="rect">
+                <a:avLst/>
+              </a:prstGeom>
+              <a:noFill/>
+            </p:spPr>
+            <p:txBody>
+              <a:bodyPr wrap="none" rtlCol="0">
+                <a:spAutoFit/>
+              </a:bodyPr>
+              <a:lstStyle/>
+              <a:p>
+                <a14:m>
+                  <m:oMathPara xmlns:m="http://schemas.openxmlformats.org/officeDocument/2006/math">
+                    <m:oMathParaPr>
+                      <m:jc m:val="centerGroup"/>
+                    </m:oMathParaPr>
+                    <m:oMath xmlns:m="http://schemas.openxmlformats.org/officeDocument/2006/math">
+                      <m:sSub>
+                        <m:sSubPr>
+                          <m:ctrlPr>
+                            <a:rPr lang="en-US" sz="1400" i="1" smtClean="0">
+                              <a:latin typeface="Cambria Math"/>
+                            </a:rPr>
+                          </m:ctrlPr>
+                        </m:sSubPr>
+                        <m:e>
+                          <m:r>
+                            <a:rPr lang="en-US" sz="1400" b="0" i="1" smtClean="0">
+                              <a:latin typeface="Cambria Math"/>
+                            </a:rPr>
+                            <m:t>𝑝</m:t>
+                          </m:r>
+                        </m:e>
+                        <m:sub>
+                          <m:r>
+                            <a:rPr lang="en-US" sz="1400" b="0" i="1" smtClean="0">
+                              <a:latin typeface="Cambria Math"/>
+                            </a:rPr>
+                            <m:t>2</m:t>
+                          </m:r>
+                        </m:sub>
+                      </m:sSub>
+                      <m:r>
+                        <a:rPr lang="en-US" sz="1400" i="1">
+                          <a:latin typeface="Cambria Math"/>
+                        </a:rPr>
+                        <m:t>:</m:t>
+                      </m:r>
+                      <m:d>
+                        <m:dPr>
+                          <m:ctrlPr>
+                            <a:rPr lang="en-US" sz="1400" i="1">
+                              <a:latin typeface="Cambria Math"/>
+                            </a:rPr>
+                          </m:ctrlPr>
+                        </m:dPr>
+                        <m:e>
+                          <m:r>
+                            <a:rPr lang="en-US" sz="1400" b="0" i="1" smtClean="0">
+                              <a:latin typeface="Cambria Math"/>
+                            </a:rPr>
+                            <m:t>1</m:t>
+                          </m:r>
+                          <m:r>
+                            <a:rPr lang="en-US" sz="1400" i="1">
+                              <a:latin typeface="Cambria Math"/>
+                            </a:rPr>
+                            <m:t>0, </m:t>
+                          </m:r>
+                          <m:r>
+                            <a:rPr lang="en-US" sz="1400" b="0" i="1" smtClean="0">
+                              <a:latin typeface="Cambria Math"/>
+                            </a:rPr>
+                            <m:t>5</m:t>
+                          </m:r>
+                        </m:e>
+                      </m:d>
+                    </m:oMath>
+                  </m:oMathPara>
+                </a14:m>
+                <a:endParaRPr lang="en-US" sz="1400" dirty="0"/>
+              </a:p>
+            </p:txBody>
+          </p:sp>
+        </mc:Choice>
+        <mc:Fallback>
+          <p:sp>
+            <p:nvSpPr>
+              <p:cNvPr id="22" name="TextBox 21"/>
+              <p:cNvSpPr txBox="1">
+                <a:spLocks noRot="1" noChangeAspect="1" noMove="1" noResize="1" noEditPoints="1" noAdjustHandles="1" noChangeArrowheads="1" noChangeShapeType="1" noTextEdit="1"/>
+              </p:cNvSpPr>
+              <p:nvPr/>
+            </p:nvSpPr>
+            <p:spPr>
+              <a:xfrm>
+                <a:off x="4602480" y="2737129"/>
+                <a:ext cx="993221" cy="307777"/>
+              </a:xfrm>
+              <a:prstGeom prst="rect">
+                <a:avLst/>
+              </a:prstGeom>
+              <a:blipFill rotWithShape="1">
+                <a:blip r:embed="rId4"/>
+                <a:stretch>
+                  <a:fillRect b="-2000"/>
+                </a:stretch>
+              </a:blipFill>
+            </p:spPr>
+            <p:txBody>
+              <a:bodyPr/>
+              <a:lstStyle/>
+              <a:p>
+                <a:r>
+                  <a:rPr lang="en-US">
+                    <a:noFill/>
+                  </a:rPr>
+                  <a:t> </a:t>
+                </a:r>
+              </a:p>
+            </p:txBody>
+          </p:sp>
+        </mc:Fallback>
+      </mc:AlternateContent>
+      <mc:AlternateContent xmlns:mc="http://schemas.openxmlformats.org/markup-compatibility/2006">
+        <mc:Choice xmlns:a14="http://schemas.microsoft.com/office/drawing/2010/main" Requires="a14">
+          <p:sp>
+            <p:nvSpPr>
+              <p:cNvPr id="23" name="TextBox 22"/>
+              <p:cNvSpPr txBox="1"/>
+              <p:nvPr/>
+            </p:nvSpPr>
+            <p:spPr>
+              <a:xfrm>
+                <a:off x="3682306" y="1682531"/>
+                <a:ext cx="993221" cy="307777"/>
+              </a:xfrm>
+              <a:prstGeom prst="rect">
+                <a:avLst/>
+              </a:prstGeom>
+              <a:noFill/>
+            </p:spPr>
+            <p:txBody>
+              <a:bodyPr wrap="none" rtlCol="0">
+                <a:spAutoFit/>
+              </a:bodyPr>
+              <a:lstStyle/>
+              <a:p>
+                <a14:m>
+                  <m:oMathPara xmlns:m="http://schemas.openxmlformats.org/officeDocument/2006/math">
+                    <m:oMathParaPr>
+                      <m:jc m:val="centerGroup"/>
+                    </m:oMathParaPr>
+                    <m:oMath xmlns:m="http://schemas.openxmlformats.org/officeDocument/2006/math">
+                      <m:sSub>
+                        <m:sSubPr>
+                          <m:ctrlPr>
+                            <a:rPr lang="en-US" sz="1400" i="1" smtClean="0">
+                              <a:latin typeface="Cambria Math"/>
+                            </a:rPr>
+                          </m:ctrlPr>
+                        </m:sSubPr>
+                        <m:e>
+                          <m:r>
+                            <a:rPr lang="en-US" sz="1400" b="0" i="1" smtClean="0">
+                              <a:latin typeface="Cambria Math"/>
+                            </a:rPr>
+                            <m:t>𝑝</m:t>
+                          </m:r>
+                        </m:e>
+                        <m:sub>
+                          <m:r>
+                            <a:rPr lang="en-US" sz="1400" b="0" i="1" smtClean="0">
+                              <a:latin typeface="Cambria Math"/>
+                            </a:rPr>
+                            <m:t>3</m:t>
+                          </m:r>
+                        </m:sub>
+                      </m:sSub>
+                      <m:r>
+                        <a:rPr lang="en-US" sz="1400" i="1">
+                          <a:latin typeface="Cambria Math"/>
+                        </a:rPr>
+                        <m:t>:</m:t>
+                      </m:r>
+                      <m:d>
+                        <m:dPr>
+                          <m:ctrlPr>
+                            <a:rPr lang="en-US" sz="1400" i="1">
+                              <a:latin typeface="Cambria Math"/>
+                            </a:rPr>
+                          </m:ctrlPr>
+                        </m:dPr>
+                        <m:e>
+                          <m:r>
+                            <a:rPr lang="en-US" sz="1400" b="0" i="1" smtClean="0">
+                              <a:latin typeface="Cambria Math"/>
+                            </a:rPr>
+                            <m:t>5</m:t>
+                          </m:r>
+                          <m:r>
+                            <a:rPr lang="en-US" sz="1400" i="1">
+                              <a:latin typeface="Cambria Math"/>
+                            </a:rPr>
+                            <m:t>, </m:t>
+                          </m:r>
+                          <m:r>
+                            <a:rPr lang="en-US" sz="1400" b="0" i="1" smtClean="0">
+                              <a:latin typeface="Cambria Math"/>
+                            </a:rPr>
+                            <m:t>10</m:t>
+                          </m:r>
+                        </m:e>
+                      </m:d>
+                    </m:oMath>
+                  </m:oMathPara>
+                </a14:m>
+                <a:endParaRPr lang="en-US" sz="1400" dirty="0"/>
+              </a:p>
+            </p:txBody>
+          </p:sp>
+        </mc:Choice>
+        <mc:Fallback>
+          <p:sp>
+            <p:nvSpPr>
+              <p:cNvPr id="23" name="TextBox 22"/>
+              <p:cNvSpPr txBox="1">
+                <a:spLocks noRot="1" noChangeAspect="1" noMove="1" noResize="1" noEditPoints="1" noAdjustHandles="1" noChangeArrowheads="1" noChangeShapeType="1" noTextEdit="1"/>
+              </p:cNvSpPr>
+              <p:nvPr/>
+            </p:nvSpPr>
+            <p:spPr>
+              <a:xfrm>
+                <a:off x="3682306" y="1682531"/>
+                <a:ext cx="993221" cy="307777"/>
+              </a:xfrm>
+              <a:prstGeom prst="rect">
+                <a:avLst/>
+              </a:prstGeom>
+              <a:blipFill rotWithShape="1">
+                <a:blip r:embed="rId5"/>
+                <a:stretch>
+                  <a:fillRect b="-2000"/>
+                </a:stretch>
+              </a:blipFill>
+            </p:spPr>
+            <p:txBody>
+              <a:bodyPr/>
+              <a:lstStyle/>
+              <a:p>
+                <a:r>
+                  <a:rPr lang="en-US">
+                    <a:noFill/>
+                  </a:rPr>
+                  <a:t> </a:t>
+                </a:r>
+              </a:p>
+            </p:txBody>
+          </p:sp>
+        </mc:Fallback>
+      </mc:AlternateContent>
+      <mc:AlternateContent xmlns:mc="http://schemas.openxmlformats.org/markup-compatibility/2006">
+        <mc:Choice xmlns:a14="http://schemas.microsoft.com/office/drawing/2010/main" Requires="a14">
+          <p:sp>
+            <p:nvSpPr>
+              <p:cNvPr id="24" name="TextBox 23"/>
+              <p:cNvSpPr txBox="1"/>
+              <p:nvPr/>
+            </p:nvSpPr>
+            <p:spPr>
+              <a:xfrm>
+                <a:off x="4664748" y="608111"/>
+                <a:ext cx="961995" cy="307777"/>
+              </a:xfrm>
+              <a:prstGeom prst="rect">
+                <a:avLst/>
+              </a:prstGeom>
+              <a:noFill/>
+            </p:spPr>
+            <p:txBody>
+              <a:bodyPr wrap="none" rtlCol="0">
+                <a:spAutoFit/>
+              </a:bodyPr>
+              <a:lstStyle/>
+              <a:p>
+                <a14:m>
+                  <m:oMathPara xmlns:m="http://schemas.openxmlformats.org/officeDocument/2006/math">
+                    <m:oMathParaPr>
+                      <m:jc m:val="centerGroup"/>
+                    </m:oMathParaPr>
+                    <m:oMath xmlns:m="http://schemas.openxmlformats.org/officeDocument/2006/math">
+                      <m:sSub>
+                        <m:sSubPr>
+                          <m:ctrlPr>
+                            <a:rPr lang="en-US" sz="1400" i="1" smtClean="0">
+                              <a:latin typeface="Cambria Math"/>
+                            </a:rPr>
+                          </m:ctrlPr>
+                        </m:sSubPr>
+                        <m:e>
+                          <m:r>
+                            <a:rPr lang="en-US" sz="1400" b="0" i="1" smtClean="0">
+                              <a:latin typeface="Cambria Math"/>
+                            </a:rPr>
+                            <m:t>𝑝</m:t>
+                          </m:r>
+                        </m:e>
+                        <m:sub>
+                          <m:r>
+                            <a:rPr lang="en-US" sz="1400" b="0" i="1" smtClean="0">
+                              <a:latin typeface="Cambria Math"/>
+                            </a:rPr>
+                            <m:t>4</m:t>
+                          </m:r>
+                        </m:sub>
+                      </m:sSub>
+                      <m:r>
+                        <a:rPr lang="en-US" sz="1400" i="1">
+                          <a:latin typeface="Cambria Math"/>
+                        </a:rPr>
+                        <m:t>:</m:t>
+                      </m:r>
+                      <m:d>
+                        <m:dPr>
+                          <m:ctrlPr>
+                            <a:rPr lang="en-US" sz="1400" i="1">
+                              <a:latin typeface="Cambria Math"/>
+                            </a:rPr>
+                          </m:ctrlPr>
+                        </m:dPr>
+                        <m:e>
+                          <m:r>
+                            <a:rPr lang="en-US" sz="1400" b="0" i="1" smtClean="0">
+                              <a:latin typeface="Cambria Math"/>
+                            </a:rPr>
+                            <m:t>5</m:t>
+                          </m:r>
+                          <m:r>
+                            <a:rPr lang="en-US" sz="1400" i="1">
+                              <a:latin typeface="Cambria Math"/>
+                            </a:rPr>
+                            <m:t>,</m:t>
+                          </m:r>
+                          <m:r>
+                            <a:rPr lang="en-US" sz="1400" b="0" i="1" smtClean="0">
+                              <a:latin typeface="Cambria Math"/>
+                            </a:rPr>
+                            <m:t>15</m:t>
+                          </m:r>
+                        </m:e>
+                      </m:d>
+                    </m:oMath>
+                  </m:oMathPara>
+                </a14:m>
+                <a:endParaRPr lang="en-US" sz="1400" dirty="0"/>
+              </a:p>
+            </p:txBody>
+          </p:sp>
+        </mc:Choice>
+        <mc:Fallback>
+          <p:sp>
+            <p:nvSpPr>
+              <p:cNvPr id="24" name="TextBox 23"/>
+              <p:cNvSpPr txBox="1">
+                <a:spLocks noRot="1" noChangeAspect="1" noMove="1" noResize="1" noEditPoints="1" noAdjustHandles="1" noChangeArrowheads="1" noChangeShapeType="1" noTextEdit="1"/>
+              </p:cNvSpPr>
+              <p:nvPr/>
+            </p:nvSpPr>
+            <p:spPr>
+              <a:xfrm>
+                <a:off x="4664748" y="608111"/>
+                <a:ext cx="961995" cy="307777"/>
+              </a:xfrm>
+              <a:prstGeom prst="rect">
+                <a:avLst/>
+              </a:prstGeom>
+              <a:blipFill rotWithShape="1">
+                <a:blip r:embed="rId6"/>
+                <a:stretch>
+                  <a:fillRect b="-2000"/>
+                </a:stretch>
+              </a:blipFill>
+            </p:spPr>
+            <p:txBody>
+              <a:bodyPr/>
+              <a:lstStyle/>
+              <a:p>
+                <a:r>
+                  <a:rPr lang="en-US">
+                    <a:noFill/>
+                  </a:rPr>
+                  <a:t> </a:t>
+                </a:r>
+              </a:p>
+            </p:txBody>
+          </p:sp>
+        </mc:Fallback>
+      </mc:AlternateContent>
+      <mc:AlternateContent xmlns:mc="http://schemas.openxmlformats.org/markup-compatibility/2006">
+        <mc:Choice xmlns:a14="http://schemas.microsoft.com/office/drawing/2010/main" Requires="a14">
+          <p:sp>
+            <p:nvSpPr>
+              <p:cNvPr id="25" name="TextBox 24"/>
+              <p:cNvSpPr txBox="1"/>
+              <p:nvPr/>
+            </p:nvSpPr>
+            <p:spPr>
+              <a:xfrm>
+                <a:off x="1737360" y="1798321"/>
+                <a:ext cx="993221" cy="307777"/>
+              </a:xfrm>
+              <a:prstGeom prst="rect">
+                <a:avLst/>
+              </a:prstGeom>
+              <a:noFill/>
+            </p:spPr>
+            <p:txBody>
+              <a:bodyPr wrap="none" rtlCol="0">
+                <a:spAutoFit/>
+              </a:bodyPr>
+              <a:lstStyle/>
+              <a:p>
+                <a14:m>
+                  <m:oMathPara xmlns:m="http://schemas.openxmlformats.org/officeDocument/2006/math">
+                    <m:oMathParaPr>
+                      <m:jc m:val="centerGroup"/>
+                    </m:oMathParaPr>
+                    <m:oMath xmlns:m="http://schemas.openxmlformats.org/officeDocument/2006/math">
+                      <m:sSub>
+                        <m:sSubPr>
+                          <m:ctrlPr>
+                            <a:rPr lang="en-US" sz="1400" i="1" smtClean="0">
+                              <a:latin typeface="Cambria Math"/>
+                            </a:rPr>
+                          </m:ctrlPr>
+                        </m:sSubPr>
+                        <m:e>
+                          <m:r>
+                            <a:rPr lang="en-US" sz="1400" b="0" i="1" smtClean="0">
+                              <a:latin typeface="Cambria Math"/>
+                            </a:rPr>
+                            <m:t>𝑝</m:t>
+                          </m:r>
+                        </m:e>
+                        <m:sub>
+                          <m:r>
+                            <a:rPr lang="en-US" sz="1400" b="0" i="1" smtClean="0">
+                              <a:latin typeface="Cambria Math"/>
+                            </a:rPr>
+                            <m:t>5</m:t>
+                          </m:r>
+                        </m:sub>
+                      </m:sSub>
+                      <m:r>
+                        <a:rPr lang="en-US" sz="1400" i="1">
+                          <a:latin typeface="Cambria Math"/>
+                        </a:rPr>
+                        <m:t>:</m:t>
+                      </m:r>
+                      <m:d>
+                        <m:dPr>
+                          <m:ctrlPr>
+                            <a:rPr lang="en-US" sz="1400" i="1">
+                              <a:latin typeface="Cambria Math"/>
+                            </a:rPr>
+                          </m:ctrlPr>
+                        </m:dPr>
+                        <m:e>
+                          <m:r>
+                            <a:rPr lang="en-US" sz="1400" i="1">
+                              <a:latin typeface="Cambria Math"/>
+                            </a:rPr>
+                            <m:t>0, </m:t>
+                          </m:r>
+                          <m:r>
+                            <a:rPr lang="en-US" sz="1400" b="0" i="1" smtClean="0">
+                              <a:latin typeface="Cambria Math"/>
+                            </a:rPr>
+                            <m:t>1</m:t>
+                          </m:r>
+                          <m:r>
+                            <a:rPr lang="en-US" sz="1400" i="1">
+                              <a:latin typeface="Cambria Math"/>
+                            </a:rPr>
+                            <m:t>0</m:t>
+                          </m:r>
+                        </m:e>
+                      </m:d>
+                    </m:oMath>
+                  </m:oMathPara>
+                </a14:m>
+                <a:endParaRPr lang="en-US" sz="1400" dirty="0"/>
+              </a:p>
+            </p:txBody>
+          </p:sp>
+        </mc:Choice>
+        <mc:Fallback>
+          <p:sp>
+            <p:nvSpPr>
+              <p:cNvPr id="25" name="TextBox 24"/>
+              <p:cNvSpPr txBox="1">
+                <a:spLocks noRot="1" noChangeAspect="1" noMove="1" noResize="1" noEditPoints="1" noAdjustHandles="1" noChangeArrowheads="1" noChangeShapeType="1" noTextEdit="1"/>
+              </p:cNvSpPr>
+              <p:nvPr/>
+            </p:nvSpPr>
+            <p:spPr>
+              <a:xfrm>
+                <a:off x="1737360" y="1798321"/>
+                <a:ext cx="993221" cy="307777"/>
+              </a:xfrm>
+              <a:prstGeom prst="rect">
+                <a:avLst/>
+              </a:prstGeom>
+              <a:blipFill rotWithShape="1">
+                <a:blip r:embed="rId7"/>
+                <a:stretch>
+                  <a:fillRect b="-2000"/>
+                </a:stretch>
+              </a:blipFill>
+            </p:spPr>
+            <p:txBody>
+              <a:bodyPr/>
+              <a:lstStyle/>
+              <a:p>
+                <a:r>
+                  <a:rPr lang="en-US">
+                    <a:noFill/>
+                  </a:rPr>
+                  <a:t> </a:t>
+                </a:r>
+              </a:p>
+            </p:txBody>
+          </p:sp>
+        </mc:Fallback>
+      </mc:AlternateContent>
+      <p:cxnSp>
+        <p:nvCxnSpPr>
+          <p:cNvPr id="26" name="Straight Connector 25"/>
+          <p:cNvCxnSpPr/>
+          <p:nvPr/>
+        </p:nvCxnSpPr>
+        <p:spPr>
+          <a:xfrm>
+            <a:off x="2667000" y="1830225"/>
+            <a:ext cx="0" cy="1978348"/>
+          </a:xfrm>
+          <a:prstGeom prst="line">
+            <a:avLst/>
+          </a:prstGeom>
+          <a:ln w="25400">
+            <a:solidFill>
+              <a:schemeClr val="tx1"/>
+            </a:solidFill>
+          </a:ln>
+        </p:spPr>
+        <p:style>
+          <a:lnRef idx="1">
+            <a:schemeClr val="accent1"/>
+          </a:lnRef>
+          <a:fillRef idx="0">
+            <a:schemeClr val="accent1"/>
+          </a:fillRef>
+          <a:effectRef idx="0">
+            <a:schemeClr val="accent1"/>
+          </a:effectRef>
+          <a:fontRef idx="minor">
+            <a:schemeClr val="tx1"/>
+          </a:fontRef>
+        </p:style>
+      </p:cxnSp>
+      <p:cxnSp>
+        <p:nvCxnSpPr>
+          <p:cNvPr id="28" name="Straight Connector 27"/>
+          <p:cNvCxnSpPr>
+            <a:stCxn id="11" idx="5"/>
+            <a:endCxn id="9" idx="1"/>
+          </p:cNvCxnSpPr>
+          <p:nvPr/>
+        </p:nvCxnSpPr>
+        <p:spPr>
+          <a:xfrm flipV="1">
+            <a:off x="2683164" y="1835495"/>
+            <a:ext cx="965891" cy="1850"/>
+          </a:xfrm>
+          <a:prstGeom prst="line">
+            <a:avLst/>
+          </a:prstGeom>
+          <a:ln w="25400">
+            <a:solidFill>
+              <a:schemeClr val="tx1"/>
+            </a:solidFill>
+          </a:ln>
+        </p:spPr>
+        <p:style>
+          <a:lnRef idx="1">
+            <a:schemeClr val="accent1"/>
+          </a:lnRef>
+          <a:fillRef idx="0">
+            <a:schemeClr val="accent1"/>
+          </a:fillRef>
+          <a:effectRef idx="0">
+            <a:schemeClr val="accent1"/>
+          </a:effectRef>
+          <a:fontRef idx="minor">
+            <a:schemeClr val="tx1"/>
+          </a:fontRef>
+        </p:style>
+      </p:cxnSp>
+      <p:cxnSp>
+        <p:nvCxnSpPr>
+          <p:cNvPr id="31" name="Straight Connector 30"/>
+          <p:cNvCxnSpPr/>
+          <p:nvPr/>
+        </p:nvCxnSpPr>
+        <p:spPr>
+          <a:xfrm flipV="1">
+            <a:off x="3682306" y="883920"/>
+            <a:ext cx="958274" cy="961045"/>
+          </a:xfrm>
+          <a:prstGeom prst="line">
+            <a:avLst/>
+          </a:prstGeom>
+          <a:ln w="25400">
+            <a:solidFill>
+              <a:schemeClr val="tx1"/>
+            </a:solidFill>
+          </a:ln>
+        </p:spPr>
+        <p:style>
+          <a:lnRef idx="1">
+            <a:schemeClr val="accent1"/>
+          </a:lnRef>
+          <a:fillRef idx="0">
+            <a:schemeClr val="accent1"/>
+          </a:fillRef>
+          <a:effectRef idx="0">
+            <a:schemeClr val="accent1"/>
+          </a:effectRef>
+          <a:fontRef idx="minor">
+            <a:schemeClr val="tx1"/>
+          </a:fontRef>
+        </p:style>
+      </p:cxnSp>
+      <p:cxnSp>
+        <p:nvCxnSpPr>
+          <p:cNvPr id="33" name="Straight Connector 32"/>
+          <p:cNvCxnSpPr>
+            <a:stCxn id="7" idx="4"/>
+          </p:cNvCxnSpPr>
+          <p:nvPr/>
+        </p:nvCxnSpPr>
+        <p:spPr>
+          <a:xfrm flipV="1">
+            <a:off x="3657600" y="2804160"/>
+            <a:ext cx="982980" cy="2004060"/>
+          </a:xfrm>
+          <a:prstGeom prst="line">
+            <a:avLst/>
+          </a:prstGeom>
+          <a:ln w="25400">
+            <a:solidFill>
+              <a:schemeClr val="tx1"/>
+            </a:solidFill>
+          </a:ln>
+        </p:spPr>
+        <p:style>
+          <a:lnRef idx="1">
+            <a:schemeClr val="accent1"/>
+          </a:lnRef>
+          <a:fillRef idx="0">
+            <a:schemeClr val="accent1"/>
+          </a:fillRef>
+          <a:effectRef idx="0">
+            <a:schemeClr val="accent1"/>
+          </a:effectRef>
+          <a:fontRef idx="minor">
+            <a:schemeClr val="tx1"/>
+          </a:fontRef>
+        </p:style>
+      </p:cxnSp>
+      <p:cxnSp>
+        <p:nvCxnSpPr>
+          <p:cNvPr id="35" name="Straight Connector 34"/>
+          <p:cNvCxnSpPr/>
+          <p:nvPr/>
+        </p:nvCxnSpPr>
+        <p:spPr>
+          <a:xfrm flipH="1" flipV="1">
+            <a:off x="2667000" y="3832399"/>
+            <a:ext cx="982980" cy="945341"/>
+          </a:xfrm>
+          <a:prstGeom prst="line">
+            <a:avLst/>
+          </a:prstGeom>
+          <a:ln w="25400">
+            <a:solidFill>
+              <a:schemeClr val="tx1"/>
+            </a:solidFill>
+          </a:ln>
+        </p:spPr>
+        <p:style>
+          <a:lnRef idx="1">
+            <a:schemeClr val="accent1"/>
+          </a:lnRef>
+          <a:fillRef idx="0">
+            <a:schemeClr val="accent1"/>
+          </a:fillRef>
+          <a:effectRef idx="0">
+            <a:schemeClr val="accent1"/>
+          </a:effectRef>
+          <a:fontRef idx="minor">
+            <a:schemeClr val="tx1"/>
+          </a:fontRef>
+        </p:style>
+      </p:cxnSp>
+      <p:cxnSp>
+        <p:nvCxnSpPr>
+          <p:cNvPr id="37" name="Straight Connector 36"/>
+          <p:cNvCxnSpPr>
+            <a:stCxn id="10" idx="3"/>
+          </p:cNvCxnSpPr>
+          <p:nvPr/>
+        </p:nvCxnSpPr>
+        <p:spPr>
+          <a:xfrm flipH="1" flipV="1">
+            <a:off x="3657600" y="1859281"/>
+            <a:ext cx="974435" cy="961043"/>
+          </a:xfrm>
+          <a:prstGeom prst="line">
+            <a:avLst/>
+          </a:prstGeom>
+          <a:ln w="25400">
+            <a:solidFill>
+              <a:schemeClr val="tx1"/>
+            </a:solidFill>
+          </a:ln>
+        </p:spPr>
+        <p:style>
+          <a:lnRef idx="1">
+            <a:schemeClr val="accent1"/>
+          </a:lnRef>
+          <a:fillRef idx="0">
+            <a:schemeClr val="accent1"/>
+          </a:fillRef>
+          <a:effectRef idx="0">
+            <a:schemeClr val="accent1"/>
+          </a:effectRef>
+          <a:fontRef idx="minor">
+            <a:schemeClr val="tx1"/>
+          </a:fontRef>
+        </p:style>
+      </p:cxnSp>
+      <p:cxnSp>
+        <p:nvCxnSpPr>
+          <p:cNvPr id="39" name="Straight Connector 38"/>
+          <p:cNvCxnSpPr>
+            <a:stCxn id="6" idx="7"/>
+          </p:cNvCxnSpPr>
+          <p:nvPr/>
+        </p:nvCxnSpPr>
+        <p:spPr>
+          <a:xfrm flipV="1">
+            <a:off x="2681734" y="1874520"/>
+            <a:ext cx="968246" cy="1925508"/>
+          </a:xfrm>
+          <a:prstGeom prst="line">
+            <a:avLst/>
+          </a:prstGeom>
+          <a:ln w="25400">
+            <a:solidFill>
+              <a:schemeClr val="tx1"/>
+            </a:solidFill>
+          </a:ln>
+        </p:spPr>
+        <p:style>
+          <a:lnRef idx="1">
+            <a:schemeClr val="accent1"/>
+          </a:lnRef>
+          <a:fillRef idx="0">
+            <a:schemeClr val="accent1"/>
+          </a:fillRef>
+          <a:effectRef idx="0">
+            <a:schemeClr val="accent1"/>
+          </a:effectRef>
+          <a:fontRef idx="minor">
+            <a:schemeClr val="tx1"/>
+          </a:fontRef>
+        </p:style>
+      </p:cxnSp>
+      <p:cxnSp>
+        <p:nvCxnSpPr>
+          <p:cNvPr id="42" name="Straight Connector 41"/>
+          <p:cNvCxnSpPr>
+            <a:stCxn id="6" idx="5"/>
+          </p:cNvCxnSpPr>
+          <p:nvPr/>
+        </p:nvCxnSpPr>
+        <p:spPr>
+          <a:xfrm flipV="1">
+            <a:off x="2681734" y="2804160"/>
+            <a:ext cx="1951226" cy="1028197"/>
+          </a:xfrm>
+          <a:prstGeom prst="line">
+            <a:avLst/>
+          </a:prstGeom>
+          <a:ln w="25400">
+            <a:solidFill>
+              <a:schemeClr val="tx1"/>
+            </a:solidFill>
+          </a:ln>
+        </p:spPr>
+        <p:style>
+          <a:lnRef idx="1">
+            <a:schemeClr val="accent1"/>
+          </a:lnRef>
+          <a:fillRef idx="0">
+            <a:schemeClr val="accent1"/>
+          </a:fillRef>
+          <a:effectRef idx="0">
+            <a:schemeClr val="accent1"/>
+          </a:effectRef>
+          <a:fontRef idx="minor">
+            <a:schemeClr val="tx1"/>
+          </a:fontRef>
+        </p:style>
+      </p:cxnSp>
+      <p:cxnSp>
+        <p:nvCxnSpPr>
+          <p:cNvPr id="45" name="Straight Connector 44"/>
+          <p:cNvCxnSpPr>
+            <a:stCxn id="10" idx="0"/>
+          </p:cNvCxnSpPr>
+          <p:nvPr/>
+        </p:nvCxnSpPr>
+        <p:spPr>
+          <a:xfrm flipV="1">
+            <a:off x="4648200" y="868681"/>
+            <a:ext cx="7620" cy="1912619"/>
+          </a:xfrm>
+          <a:prstGeom prst="line">
+            <a:avLst/>
+          </a:prstGeom>
+          <a:ln w="25400">
+            <a:solidFill>
+              <a:schemeClr val="tx1"/>
+            </a:solidFill>
+          </a:ln>
+        </p:spPr>
+        <p:style>
+          <a:lnRef idx="1">
+            <a:schemeClr val="accent1"/>
+          </a:lnRef>
+          <a:fillRef idx="0">
+            <a:schemeClr val="accent1"/>
+          </a:fillRef>
+          <a:effectRef idx="0">
+            <a:schemeClr val="accent1"/>
+          </a:effectRef>
+          <a:fontRef idx="minor">
+            <a:schemeClr val="tx1"/>
+          </a:fontRef>
+        </p:style>
+      </p:cxnSp>
+      <p:cxnSp>
+        <p:nvCxnSpPr>
+          <p:cNvPr id="48" name="Straight Connector 47"/>
+          <p:cNvCxnSpPr>
+            <a:stCxn id="11" idx="7"/>
+            <a:endCxn id="8" idx="3"/>
+          </p:cNvCxnSpPr>
+          <p:nvPr/>
+        </p:nvCxnSpPr>
+        <p:spPr>
+          <a:xfrm flipV="1">
+            <a:off x="2683164" y="884843"/>
+            <a:ext cx="1948870" cy="920173"/>
+          </a:xfrm>
+          <a:prstGeom prst="line">
+            <a:avLst/>
+          </a:prstGeom>
+          <a:ln w="25400">
+            <a:solidFill>
+              <a:schemeClr val="tx1"/>
+            </a:solidFill>
+          </a:ln>
+        </p:spPr>
+        <p:style>
+          <a:lnRef idx="1">
+            <a:schemeClr val="accent1"/>
+          </a:lnRef>
+          <a:fillRef idx="0">
+            <a:schemeClr val="accent1"/>
+          </a:fillRef>
+          <a:effectRef idx="0">
+            <a:schemeClr val="accent1"/>
+          </a:effectRef>
+          <a:fontRef idx="minor">
+            <a:schemeClr val="tx1"/>
+          </a:fontRef>
+        </p:style>
+      </p:cxnSp>
+    </p:spTree>
+    <p:extLst>
+      <p:ext uri="{BB962C8B-B14F-4D97-AF65-F5344CB8AC3E}">
+        <p14:creationId xmlns:p14="http://schemas.microsoft.com/office/powerpoint/2010/main" val="627707354"/>
       </p:ext>
     </p:extLst>
   </p:cSld>

--- a/Presentation1.pptx
+++ b/Presentation1.pptx
@@ -7,7 +7,8 @@
   <p:sldIdLst>
     <p:sldId id="257" r:id="rId2"/>
     <p:sldId id="259" r:id="rId3"/>
-    <p:sldId id="258" r:id="rId4"/>
+    <p:sldId id="260" r:id="rId4"/>
+    <p:sldId id="258" r:id="rId5"/>
   </p:sldIdLst>
   <p:sldSz cx="9144000" cy="6858000" type="screen4x3"/>
   <p:notesSz cx="6858000" cy="9144000"/>
@@ -290,7 +291,7 @@
           <a:p>
             <a:fld id="{4306B778-A3B8-4E49-AF82-27F4C6B0ED5E}" type="datetimeFigureOut">
               <a:rPr lang="en-US" smtClean="0"/>
-              <a:t>4/1/2014</a:t>
+              <a:t>4/2/2014</a:t>
             </a:fld>
             <a:endParaRPr lang="en-US"/>
           </a:p>
@@ -460,7 +461,7 @@
           <a:p>
             <a:fld id="{4306B778-A3B8-4E49-AF82-27F4C6B0ED5E}" type="datetimeFigureOut">
               <a:rPr lang="en-US" smtClean="0"/>
-              <a:t>4/1/2014</a:t>
+              <a:t>4/2/2014</a:t>
             </a:fld>
             <a:endParaRPr lang="en-US"/>
           </a:p>
@@ -640,7 +641,7 @@
           <a:p>
             <a:fld id="{4306B778-A3B8-4E49-AF82-27F4C6B0ED5E}" type="datetimeFigureOut">
               <a:rPr lang="en-US" smtClean="0"/>
-              <a:t>4/1/2014</a:t>
+              <a:t>4/2/2014</a:t>
             </a:fld>
             <a:endParaRPr lang="en-US"/>
           </a:p>
@@ -810,7 +811,7 @@
           <a:p>
             <a:fld id="{4306B778-A3B8-4E49-AF82-27F4C6B0ED5E}" type="datetimeFigureOut">
               <a:rPr lang="en-US" smtClean="0"/>
-              <a:t>4/1/2014</a:t>
+              <a:t>4/2/2014</a:t>
             </a:fld>
             <a:endParaRPr lang="en-US"/>
           </a:p>
@@ -1056,7 +1057,7 @@
           <a:p>
             <a:fld id="{4306B778-A3B8-4E49-AF82-27F4C6B0ED5E}" type="datetimeFigureOut">
               <a:rPr lang="en-US" smtClean="0"/>
-              <a:t>4/1/2014</a:t>
+              <a:t>4/2/2014</a:t>
             </a:fld>
             <a:endParaRPr lang="en-US"/>
           </a:p>
@@ -1344,7 +1345,7 @@
           <a:p>
             <a:fld id="{4306B778-A3B8-4E49-AF82-27F4C6B0ED5E}" type="datetimeFigureOut">
               <a:rPr lang="en-US" smtClean="0"/>
-              <a:t>4/1/2014</a:t>
+              <a:t>4/2/2014</a:t>
             </a:fld>
             <a:endParaRPr lang="en-US"/>
           </a:p>
@@ -1766,7 +1767,7 @@
           <a:p>
             <a:fld id="{4306B778-A3B8-4E49-AF82-27F4C6B0ED5E}" type="datetimeFigureOut">
               <a:rPr lang="en-US" smtClean="0"/>
-              <a:t>4/1/2014</a:t>
+              <a:t>4/2/2014</a:t>
             </a:fld>
             <a:endParaRPr lang="en-US"/>
           </a:p>
@@ -1884,7 +1885,7 @@
           <a:p>
             <a:fld id="{4306B778-A3B8-4E49-AF82-27F4C6B0ED5E}" type="datetimeFigureOut">
               <a:rPr lang="en-US" smtClean="0"/>
-              <a:t>4/1/2014</a:t>
+              <a:t>4/2/2014</a:t>
             </a:fld>
             <a:endParaRPr lang="en-US"/>
           </a:p>
@@ -1979,7 +1980,7 @@
           <a:p>
             <a:fld id="{4306B778-A3B8-4E49-AF82-27F4C6B0ED5E}" type="datetimeFigureOut">
               <a:rPr lang="en-US" smtClean="0"/>
-              <a:t>4/1/2014</a:t>
+              <a:t>4/2/2014</a:t>
             </a:fld>
             <a:endParaRPr lang="en-US"/>
           </a:p>
@@ -2256,7 +2257,7 @@
           <a:p>
             <a:fld id="{4306B778-A3B8-4E49-AF82-27F4C6B0ED5E}" type="datetimeFigureOut">
               <a:rPr lang="en-US" smtClean="0"/>
-              <a:t>4/1/2014</a:t>
+              <a:t>4/2/2014</a:t>
             </a:fld>
             <a:endParaRPr lang="en-US"/>
           </a:p>
@@ -2509,7 +2510,7 @@
           <a:p>
             <a:fld id="{4306B778-A3B8-4E49-AF82-27F4C6B0ED5E}" type="datetimeFigureOut">
               <a:rPr lang="en-US" smtClean="0"/>
-              <a:t>4/1/2014</a:t>
+              <a:t>4/2/2014</a:t>
             </a:fld>
             <a:endParaRPr lang="en-US"/>
           </a:p>
@@ -2722,7 +2723,7 @@
           <a:p>
             <a:fld id="{4306B778-A3B8-4E49-AF82-27F4C6B0ED5E}" type="datetimeFigureOut">
               <a:rPr lang="en-US" smtClean="0"/>
-              <a:t>4/1/2014</a:t>
+              <a:t>4/2/2014</a:t>
             </a:fld>
             <a:endParaRPr lang="en-US"/>
           </a:p>
@@ -5764,8 +5765,8 @@
           </a:p>
         </p:txBody>
       </p:sp>
-      <mc:AlternateContent xmlns:mc="http://schemas.openxmlformats.org/markup-compatibility/2006">
-        <mc:Choice xmlns:a14="http://schemas.microsoft.com/office/drawing/2010/main" Requires="a14">
+      <mc:AlternateContent xmlns:mc="http://schemas.openxmlformats.org/markup-compatibility/2006" xmlns:a14="http://schemas.microsoft.com/office/drawing/2010/main">
+        <mc:Choice Requires="a14">
           <p:sp>
             <p:nvSpPr>
               <p:cNvPr id="14" name="TextBox 13"/>
@@ -5788,6 +5789,7 @@
               </a:bodyPr>
               <a:lstStyle/>
               <a:p>
+                <a:pPr/>
                 <a14:m>
                   <m:oMathPara xmlns:m="http://schemas.openxmlformats.org/officeDocument/2006/math">
                     <m:oMathParaPr>
@@ -5827,7 +5829,7 @@
             </p:txBody>
           </p:sp>
         </mc:Choice>
-        <mc:Fallback>
+        <mc:Fallback xmlns="">
           <p:sp>
             <p:nvSpPr>
               <p:cNvPr id="14" name="TextBox 13"/>
@@ -5866,8 +5868,8 @@
           </p:sp>
         </mc:Fallback>
       </mc:AlternateContent>
-      <mc:AlternateContent xmlns:mc="http://schemas.openxmlformats.org/markup-compatibility/2006">
-        <mc:Choice xmlns:a14="http://schemas.microsoft.com/office/drawing/2010/main" Requires="a14">
+      <mc:AlternateContent xmlns:mc="http://schemas.openxmlformats.org/markup-compatibility/2006" xmlns:a14="http://schemas.microsoft.com/office/drawing/2010/main">
+        <mc:Choice Requires="a14">
           <p:sp>
             <p:nvSpPr>
               <p:cNvPr id="15" name="TextBox 14"/>
@@ -5890,6 +5892,7 @@
               </a:bodyPr>
               <a:lstStyle/>
               <a:p>
+                <a:pPr/>
                 <a14:m>
                   <m:oMathPara xmlns:m="http://schemas.openxmlformats.org/officeDocument/2006/math">
                     <m:oMathParaPr>
@@ -5929,7 +5932,7 @@
             </p:txBody>
           </p:sp>
         </mc:Choice>
-        <mc:Fallback>
+        <mc:Fallback xmlns="">
           <p:sp>
             <p:nvSpPr>
               <p:cNvPr id="15" name="TextBox 14"/>
@@ -5968,8 +5971,8 @@
           </p:sp>
         </mc:Fallback>
       </mc:AlternateContent>
-      <mc:AlternateContent xmlns:mc="http://schemas.openxmlformats.org/markup-compatibility/2006">
-        <mc:Choice xmlns:a14="http://schemas.microsoft.com/office/drawing/2010/main" Requires="a14">
+      <mc:AlternateContent xmlns:mc="http://schemas.openxmlformats.org/markup-compatibility/2006" xmlns:a14="http://schemas.microsoft.com/office/drawing/2010/main">
+        <mc:Choice Requires="a14">
           <p:sp>
             <p:nvSpPr>
               <p:cNvPr id="16" name="TextBox 15"/>
@@ -5992,6 +5995,7 @@
               </a:bodyPr>
               <a:lstStyle/>
               <a:p>
+                <a:pPr/>
                 <a14:m>
                   <m:oMathPara xmlns:m="http://schemas.openxmlformats.org/officeDocument/2006/math">
                     <m:oMathParaPr>
@@ -6031,7 +6035,7 @@
             </p:txBody>
           </p:sp>
         </mc:Choice>
-        <mc:Fallback>
+        <mc:Fallback xmlns="">
           <p:sp>
             <p:nvSpPr>
               <p:cNvPr id="16" name="TextBox 15"/>
@@ -6070,8 +6074,8 @@
           </p:sp>
         </mc:Fallback>
       </mc:AlternateContent>
-      <mc:AlternateContent xmlns:mc="http://schemas.openxmlformats.org/markup-compatibility/2006">
-        <mc:Choice xmlns:a14="http://schemas.microsoft.com/office/drawing/2010/main" Requires="a14">
+      <mc:AlternateContent xmlns:mc="http://schemas.openxmlformats.org/markup-compatibility/2006" xmlns:a14="http://schemas.microsoft.com/office/drawing/2010/main">
+        <mc:Choice Requires="a14">
           <p:sp>
             <p:nvSpPr>
               <p:cNvPr id="17" name="TextBox 16"/>
@@ -6094,6 +6098,7 @@
               </a:bodyPr>
               <a:lstStyle/>
               <a:p>
+                <a:pPr/>
                 <a14:m>
                   <m:oMathPara xmlns:m="http://schemas.openxmlformats.org/officeDocument/2006/math">
                     <m:oMathParaPr>
@@ -6139,7 +6144,7 @@
             </p:txBody>
           </p:sp>
         </mc:Choice>
-        <mc:Fallback>
+        <mc:Fallback xmlns="">
           <p:sp>
             <p:nvSpPr>
               <p:cNvPr id="17" name="TextBox 16"/>
@@ -6178,8 +6183,8 @@
           </p:sp>
         </mc:Fallback>
       </mc:AlternateContent>
-      <mc:AlternateContent xmlns:mc="http://schemas.openxmlformats.org/markup-compatibility/2006">
-        <mc:Choice xmlns:a14="http://schemas.microsoft.com/office/drawing/2010/main" Requires="a14">
+      <mc:AlternateContent xmlns:mc="http://schemas.openxmlformats.org/markup-compatibility/2006" xmlns:a14="http://schemas.microsoft.com/office/drawing/2010/main">
+        <mc:Choice Requires="a14">
           <p:sp>
             <p:nvSpPr>
               <p:cNvPr id="18" name="TextBox 17"/>
@@ -6202,6 +6207,7 @@
               </a:bodyPr>
               <a:lstStyle/>
               <a:p>
+                <a:pPr/>
                 <a14:m>
                   <m:oMathPara xmlns:m="http://schemas.openxmlformats.org/officeDocument/2006/math">
                     <m:oMathParaPr>
@@ -6247,7 +6253,7 @@
             </p:txBody>
           </p:sp>
         </mc:Choice>
-        <mc:Fallback>
+        <mc:Fallback xmlns="">
           <p:sp>
             <p:nvSpPr>
               <p:cNvPr id="18" name="TextBox 17"/>
@@ -6323,8 +6329,8 @@
           </a:fontRef>
         </p:style>
       </p:cxnSp>
-      <mc:AlternateContent xmlns:mc="http://schemas.openxmlformats.org/markup-compatibility/2006">
-        <mc:Choice xmlns:a14="http://schemas.microsoft.com/office/drawing/2010/main" Requires="a14">
+      <mc:AlternateContent xmlns:mc="http://schemas.openxmlformats.org/markup-compatibility/2006" xmlns:a14="http://schemas.microsoft.com/office/drawing/2010/main">
+        <mc:Choice Requires="a14">
           <p:sp>
             <p:nvSpPr>
               <p:cNvPr id="21" name="TextBox 20"/>
@@ -6347,6 +6353,7 @@
               </a:bodyPr>
               <a:lstStyle/>
               <a:p>
+                <a:pPr/>
                 <a14:m>
                   <m:oMathPara xmlns:m="http://schemas.openxmlformats.org/officeDocument/2006/math">
                     <m:oMathParaPr>
@@ -6386,7 +6393,7 @@
             </p:txBody>
           </p:sp>
         </mc:Choice>
-        <mc:Fallback>
+        <mc:Fallback xmlns="">
           <p:sp>
             <p:nvSpPr>
               <p:cNvPr id="21" name="TextBox 20"/>
@@ -6492,8 +6499,8 @@
           </a:fontRef>
         </p:style>
       </p:cxnSp>
-      <mc:AlternateContent xmlns:mc="http://schemas.openxmlformats.org/markup-compatibility/2006">
-        <mc:Choice xmlns:a14="http://schemas.microsoft.com/office/drawing/2010/main" Requires="a14">
+      <mc:AlternateContent xmlns:mc="http://schemas.openxmlformats.org/markup-compatibility/2006" xmlns:a14="http://schemas.microsoft.com/office/drawing/2010/main">
+        <mc:Choice Requires="a14">
           <p:sp>
             <p:nvSpPr>
               <p:cNvPr id="26" name="TextBox 25"/>
@@ -6516,6 +6523,7 @@
               </a:bodyPr>
               <a:lstStyle/>
               <a:p>
+                <a:pPr/>
                 <a14:m>
                   <m:oMathPara xmlns:m="http://schemas.openxmlformats.org/officeDocument/2006/math">
                     <m:oMathParaPr>
@@ -6561,7 +6569,7 @@
             </p:txBody>
           </p:sp>
         </mc:Choice>
-        <mc:Fallback>
+        <mc:Fallback xmlns="">
           <p:sp>
             <p:nvSpPr>
               <p:cNvPr id="26" name="TextBox 25"/>
@@ -6667,8 +6675,8 @@
           </a:fontRef>
         </p:style>
       </p:cxnSp>
-      <mc:AlternateContent xmlns:mc="http://schemas.openxmlformats.org/markup-compatibility/2006">
-        <mc:Choice xmlns:a14="http://schemas.microsoft.com/office/drawing/2010/main" Requires="a14">
+      <mc:AlternateContent xmlns:mc="http://schemas.openxmlformats.org/markup-compatibility/2006" xmlns:a14="http://schemas.microsoft.com/office/drawing/2010/main">
+        <mc:Choice Requires="a14">
           <p:sp>
             <p:nvSpPr>
               <p:cNvPr id="30" name="TextBox 29"/>
@@ -6691,6 +6699,7 @@
               </a:bodyPr>
               <a:lstStyle/>
               <a:p>
+                <a:pPr/>
                 <a14:m>
                   <m:oMathPara xmlns:m="http://schemas.openxmlformats.org/officeDocument/2006/math">
                     <m:oMathParaPr>
@@ -6736,7 +6745,7 @@
             </p:txBody>
           </p:sp>
         </mc:Choice>
-        <mc:Fallback>
+        <mc:Fallback xmlns="">
           <p:sp>
             <p:nvSpPr>
               <p:cNvPr id="30" name="TextBox 29"/>
@@ -6775,8 +6784,8 @@
           </p:sp>
         </mc:Fallback>
       </mc:AlternateContent>
-      <mc:AlternateContent xmlns:mc="http://schemas.openxmlformats.org/markup-compatibility/2006">
-        <mc:Choice xmlns:a14="http://schemas.microsoft.com/office/drawing/2010/main" Requires="a14">
+      <mc:AlternateContent xmlns:mc="http://schemas.openxmlformats.org/markup-compatibility/2006" xmlns:a14="http://schemas.microsoft.com/office/drawing/2010/main">
+        <mc:Choice Requires="a14">
           <p:sp>
             <p:nvSpPr>
               <p:cNvPr id="31" name="TextBox 30"/>
@@ -6799,6 +6808,7 @@
               </a:bodyPr>
               <a:lstStyle/>
               <a:p>
+                <a:pPr/>
                 <a14:m>
                   <m:oMathPara xmlns:m="http://schemas.openxmlformats.org/officeDocument/2006/math">
                     <m:oMathParaPr>
@@ -6844,7 +6854,7 @@
             </p:txBody>
           </p:sp>
         </mc:Choice>
-        <mc:Fallback>
+        <mc:Fallback xmlns="">
           <p:sp>
             <p:nvSpPr>
               <p:cNvPr id="31" name="TextBox 30"/>
@@ -6916,8 +6926,8 @@
           </a:fontRef>
         </p:style>
       </p:cxnSp>
-      <mc:AlternateContent xmlns:mc="http://schemas.openxmlformats.org/markup-compatibility/2006">
-        <mc:Choice xmlns:a14="http://schemas.microsoft.com/office/drawing/2010/main" Requires="a14">
+      <mc:AlternateContent xmlns:mc="http://schemas.openxmlformats.org/markup-compatibility/2006" xmlns:a14="http://schemas.microsoft.com/office/drawing/2010/main">
+        <mc:Choice Requires="a14">
           <p:sp>
             <p:nvSpPr>
               <p:cNvPr id="36" name="TextBox 35"/>
@@ -6940,6 +6950,7 @@
               </a:bodyPr>
               <a:lstStyle/>
               <a:p>
+                <a:pPr/>
                 <a14:m>
                   <m:oMathPara xmlns:m="http://schemas.openxmlformats.org/officeDocument/2006/math">
                     <m:oMathParaPr>
@@ -6985,7 +6996,7 @@
             </p:txBody>
           </p:sp>
         </mc:Choice>
-        <mc:Fallback>
+        <mc:Fallback xmlns="">
           <p:sp>
             <p:nvSpPr>
               <p:cNvPr id="36" name="TextBox 35"/>
@@ -7088,6 +7099,1563 @@
           <a:chExt cx="0" cy="0"/>
         </a:xfrm>
       </p:grpSpPr>
+      <p:sp>
+        <p:nvSpPr>
+          <p:cNvPr id="32" name="Freeform 31"/>
+          <p:cNvSpPr/>
+          <p:nvPr/>
+        </p:nvSpPr>
+        <p:spPr>
+          <a:xfrm>
+            <a:off x="1681163" y="990600"/>
+            <a:ext cx="2405062" cy="3186113"/>
+          </a:xfrm>
+          <a:custGeom>
+            <a:avLst/>
+            <a:gdLst>
+              <a:gd name="connsiteX0" fmla="*/ 2405062 w 2405062"/>
+              <a:gd name="connsiteY0" fmla="*/ 47625 h 3186113"/>
+              <a:gd name="connsiteX1" fmla="*/ 1138237 w 2405062"/>
+              <a:gd name="connsiteY1" fmla="*/ 0 h 3186113"/>
+              <a:gd name="connsiteX2" fmla="*/ 0 w 2405062"/>
+              <a:gd name="connsiteY2" fmla="*/ 1376363 h 3186113"/>
+              <a:gd name="connsiteX3" fmla="*/ 376237 w 2405062"/>
+              <a:gd name="connsiteY3" fmla="*/ 2809875 h 3186113"/>
+              <a:gd name="connsiteX4" fmla="*/ 1843087 w 2405062"/>
+              <a:gd name="connsiteY4" fmla="*/ 3186113 h 3186113"/>
+              <a:gd name="connsiteX5" fmla="*/ 1624012 w 2405062"/>
+              <a:gd name="connsiteY5" fmla="*/ 1266825 h 3186113"/>
+              <a:gd name="connsiteX6" fmla="*/ 2405062 w 2405062"/>
+              <a:gd name="connsiteY6" fmla="*/ 47625 h 3186113"/>
+            </a:gdLst>
+            <a:ahLst/>
+            <a:cxnLst>
+              <a:cxn ang="0">
+                <a:pos x="connsiteX0" y="connsiteY0"/>
+              </a:cxn>
+              <a:cxn ang="0">
+                <a:pos x="connsiteX1" y="connsiteY1"/>
+              </a:cxn>
+              <a:cxn ang="0">
+                <a:pos x="connsiteX2" y="connsiteY2"/>
+              </a:cxn>
+              <a:cxn ang="0">
+                <a:pos x="connsiteX3" y="connsiteY3"/>
+              </a:cxn>
+              <a:cxn ang="0">
+                <a:pos x="connsiteX4" y="connsiteY4"/>
+              </a:cxn>
+              <a:cxn ang="0">
+                <a:pos x="connsiteX5" y="connsiteY5"/>
+              </a:cxn>
+              <a:cxn ang="0">
+                <a:pos x="connsiteX6" y="connsiteY6"/>
+              </a:cxn>
+            </a:cxnLst>
+            <a:rect l="l" t="t" r="r" b="b"/>
+            <a:pathLst>
+              <a:path w="2405062" h="3186113">
+                <a:moveTo>
+                  <a:pt x="2405062" y="47625"/>
+                </a:moveTo>
+                <a:lnTo>
+                  <a:pt x="1138237" y="0"/>
+                </a:lnTo>
+                <a:lnTo>
+                  <a:pt x="0" y="1376363"/>
+                </a:lnTo>
+                <a:lnTo>
+                  <a:pt x="376237" y="2809875"/>
+                </a:lnTo>
+                <a:lnTo>
+                  <a:pt x="1843087" y="3186113"/>
+                </a:lnTo>
+                <a:lnTo>
+                  <a:pt x="1624012" y="1266825"/>
+                </a:lnTo>
+                <a:lnTo>
+                  <a:pt x="2405062" y="47625"/>
+                </a:lnTo>
+                <a:close/>
+              </a:path>
+            </a:pathLst>
+          </a:custGeom>
+          <a:solidFill>
+            <a:schemeClr val="bg1">
+              <a:lumMod val="75000"/>
+            </a:schemeClr>
+          </a:solidFill>
+          <a:ln>
+            <a:noFill/>
+          </a:ln>
+        </p:spPr>
+        <p:style>
+          <a:lnRef idx="2">
+            <a:schemeClr val="accent1">
+              <a:shade val="50000"/>
+            </a:schemeClr>
+          </a:lnRef>
+          <a:fillRef idx="1">
+            <a:schemeClr val="accent1"/>
+          </a:fillRef>
+          <a:effectRef idx="0">
+            <a:schemeClr val="accent1"/>
+          </a:effectRef>
+          <a:fontRef idx="minor">
+            <a:schemeClr val="lt1"/>
+          </a:fontRef>
+        </p:style>
+        <p:txBody>
+          <a:bodyPr rtlCol="0" anchor="ctr"/>
+          <a:lstStyle/>
+          <a:p>
+            <a:pPr algn="ctr"/>
+            <a:endParaRPr lang="en-US" dirty="0"/>
+          </a:p>
+        </p:txBody>
+      </p:sp>
+      <p:cxnSp>
+        <p:nvCxnSpPr>
+          <p:cNvPr id="4" name="Straight Connector 3"/>
+          <p:cNvCxnSpPr/>
+          <p:nvPr/>
+        </p:nvCxnSpPr>
+        <p:spPr>
+          <a:xfrm flipV="1">
+            <a:off x="1676400" y="2263140"/>
+            <a:ext cx="1638300" cy="99060"/>
+          </a:xfrm>
+          <a:prstGeom prst="line">
+            <a:avLst/>
+          </a:prstGeom>
+          <a:ln>
+            <a:solidFill>
+              <a:schemeClr val="tx1"/>
+            </a:solidFill>
+          </a:ln>
+        </p:spPr>
+        <p:style>
+          <a:lnRef idx="1">
+            <a:schemeClr val="accent1"/>
+          </a:lnRef>
+          <a:fillRef idx="0">
+            <a:schemeClr val="accent1"/>
+          </a:fillRef>
+          <a:effectRef idx="0">
+            <a:schemeClr val="accent1"/>
+          </a:effectRef>
+          <a:fontRef idx="minor">
+            <a:schemeClr val="tx1"/>
+          </a:fontRef>
+        </p:style>
+      </p:cxnSp>
+      <p:cxnSp>
+        <p:nvCxnSpPr>
+          <p:cNvPr id="7" name="Straight Connector 6"/>
+          <p:cNvCxnSpPr/>
+          <p:nvPr/>
+        </p:nvCxnSpPr>
+        <p:spPr>
+          <a:xfrm>
+            <a:off x="2819400" y="990600"/>
+            <a:ext cx="495300" cy="1272540"/>
+          </a:xfrm>
+          <a:prstGeom prst="line">
+            <a:avLst/>
+          </a:prstGeom>
+          <a:ln>
+            <a:solidFill>
+              <a:schemeClr val="tx1"/>
+            </a:solidFill>
+          </a:ln>
+        </p:spPr>
+        <p:style>
+          <a:lnRef idx="1">
+            <a:schemeClr val="accent1"/>
+          </a:lnRef>
+          <a:fillRef idx="0">
+            <a:schemeClr val="accent1"/>
+          </a:fillRef>
+          <a:effectRef idx="0">
+            <a:schemeClr val="accent1"/>
+          </a:effectRef>
+          <a:fontRef idx="minor">
+            <a:schemeClr val="tx1"/>
+          </a:fontRef>
+        </p:style>
+      </p:cxnSp>
+      <p:cxnSp>
+        <p:nvCxnSpPr>
+          <p:cNvPr id="10" name="Straight Connector 9"/>
+          <p:cNvCxnSpPr/>
+          <p:nvPr/>
+        </p:nvCxnSpPr>
+        <p:spPr>
+          <a:xfrm flipH="1" flipV="1">
+            <a:off x="2819400" y="990600"/>
+            <a:ext cx="1264920" cy="45720"/>
+          </a:xfrm>
+          <a:prstGeom prst="line">
+            <a:avLst/>
+          </a:prstGeom>
+          <a:ln>
+            <a:solidFill>
+              <a:schemeClr val="tx1"/>
+            </a:solidFill>
+          </a:ln>
+        </p:spPr>
+        <p:style>
+          <a:lnRef idx="1">
+            <a:schemeClr val="accent1"/>
+          </a:lnRef>
+          <a:fillRef idx="0">
+            <a:schemeClr val="accent1"/>
+          </a:fillRef>
+          <a:effectRef idx="0">
+            <a:schemeClr val="accent1"/>
+          </a:effectRef>
+          <a:fontRef idx="minor">
+            <a:schemeClr val="tx1"/>
+          </a:fontRef>
+        </p:style>
+      </p:cxnSp>
+      <p:cxnSp>
+        <p:nvCxnSpPr>
+          <p:cNvPr id="12" name="Straight Connector 11"/>
+          <p:cNvCxnSpPr/>
+          <p:nvPr/>
+        </p:nvCxnSpPr>
+        <p:spPr>
+          <a:xfrm flipH="1">
+            <a:off x="1676400" y="990600"/>
+            <a:ext cx="1143000" cy="1371600"/>
+          </a:xfrm>
+          <a:prstGeom prst="line">
+            <a:avLst/>
+          </a:prstGeom>
+          <a:ln>
+            <a:solidFill>
+              <a:schemeClr val="tx1"/>
+            </a:solidFill>
+          </a:ln>
+        </p:spPr>
+        <p:style>
+          <a:lnRef idx="1">
+            <a:schemeClr val="accent1"/>
+          </a:lnRef>
+          <a:fillRef idx="0">
+            <a:schemeClr val="accent1"/>
+          </a:fillRef>
+          <a:effectRef idx="0">
+            <a:schemeClr val="accent1"/>
+          </a:effectRef>
+          <a:fontRef idx="minor">
+            <a:schemeClr val="tx1"/>
+          </a:fontRef>
+        </p:style>
+      </p:cxnSp>
+      <p:cxnSp>
+        <p:nvCxnSpPr>
+          <p:cNvPr id="14" name="Straight Connector 13"/>
+          <p:cNvCxnSpPr/>
+          <p:nvPr/>
+        </p:nvCxnSpPr>
+        <p:spPr>
+          <a:xfrm flipH="1">
+            <a:off x="2057400" y="2263140"/>
+            <a:ext cx="1257300" cy="1546860"/>
+          </a:xfrm>
+          <a:prstGeom prst="line">
+            <a:avLst/>
+          </a:prstGeom>
+          <a:ln>
+            <a:solidFill>
+              <a:schemeClr val="tx1"/>
+            </a:solidFill>
+          </a:ln>
+        </p:spPr>
+        <p:style>
+          <a:lnRef idx="1">
+            <a:schemeClr val="accent1"/>
+          </a:lnRef>
+          <a:fillRef idx="0">
+            <a:schemeClr val="accent1"/>
+          </a:fillRef>
+          <a:effectRef idx="0">
+            <a:schemeClr val="accent1"/>
+          </a:effectRef>
+          <a:fontRef idx="minor">
+            <a:schemeClr val="tx1"/>
+          </a:fontRef>
+        </p:style>
+      </p:cxnSp>
+      <p:cxnSp>
+        <p:nvCxnSpPr>
+          <p:cNvPr id="16" name="Straight Connector 15"/>
+          <p:cNvCxnSpPr/>
+          <p:nvPr/>
+        </p:nvCxnSpPr>
+        <p:spPr>
+          <a:xfrm>
+            <a:off x="1676400" y="2362200"/>
+            <a:ext cx="381000" cy="1447800"/>
+          </a:xfrm>
+          <a:prstGeom prst="line">
+            <a:avLst/>
+          </a:prstGeom>
+          <a:ln>
+            <a:solidFill>
+              <a:schemeClr val="tx1"/>
+            </a:solidFill>
+          </a:ln>
+        </p:spPr>
+        <p:style>
+          <a:lnRef idx="1">
+            <a:schemeClr val="accent1"/>
+          </a:lnRef>
+          <a:fillRef idx="0">
+            <a:schemeClr val="accent1"/>
+          </a:fillRef>
+          <a:effectRef idx="0">
+            <a:schemeClr val="accent1"/>
+          </a:effectRef>
+          <a:fontRef idx="minor">
+            <a:schemeClr val="tx1"/>
+          </a:fontRef>
+        </p:style>
+      </p:cxnSp>
+      <p:cxnSp>
+        <p:nvCxnSpPr>
+          <p:cNvPr id="18" name="Straight Connector 17"/>
+          <p:cNvCxnSpPr/>
+          <p:nvPr/>
+        </p:nvCxnSpPr>
+        <p:spPr>
+          <a:xfrm flipH="1" flipV="1">
+            <a:off x="2057400" y="3810000"/>
+            <a:ext cx="1463040" cy="358140"/>
+          </a:xfrm>
+          <a:prstGeom prst="line">
+            <a:avLst/>
+          </a:prstGeom>
+          <a:ln>
+            <a:solidFill>
+              <a:schemeClr val="tx1"/>
+            </a:solidFill>
+          </a:ln>
+        </p:spPr>
+        <p:style>
+          <a:lnRef idx="1">
+            <a:schemeClr val="accent1"/>
+          </a:lnRef>
+          <a:fillRef idx="0">
+            <a:schemeClr val="accent1"/>
+          </a:fillRef>
+          <a:effectRef idx="0">
+            <a:schemeClr val="accent1"/>
+          </a:effectRef>
+          <a:fontRef idx="minor">
+            <a:schemeClr val="tx1"/>
+          </a:fontRef>
+        </p:style>
+      </p:cxnSp>
+      <p:cxnSp>
+        <p:nvCxnSpPr>
+          <p:cNvPr id="20" name="Straight Connector 19"/>
+          <p:cNvCxnSpPr/>
+          <p:nvPr/>
+        </p:nvCxnSpPr>
+        <p:spPr>
+          <a:xfrm flipH="1" flipV="1">
+            <a:off x="3314700" y="2263140"/>
+            <a:ext cx="1866900" cy="556260"/>
+          </a:xfrm>
+          <a:prstGeom prst="line">
+            <a:avLst/>
+          </a:prstGeom>
+          <a:ln>
+            <a:solidFill>
+              <a:schemeClr val="tx1"/>
+            </a:solidFill>
+          </a:ln>
+        </p:spPr>
+        <p:style>
+          <a:lnRef idx="1">
+            <a:schemeClr val="accent1"/>
+          </a:lnRef>
+          <a:fillRef idx="0">
+            <a:schemeClr val="accent1"/>
+          </a:fillRef>
+          <a:effectRef idx="0">
+            <a:schemeClr val="accent1"/>
+          </a:effectRef>
+          <a:fontRef idx="minor">
+            <a:schemeClr val="tx1"/>
+          </a:fontRef>
+        </p:style>
+      </p:cxnSp>
+      <p:cxnSp>
+        <p:nvCxnSpPr>
+          <p:cNvPr id="22" name="Straight Connector 21"/>
+          <p:cNvCxnSpPr/>
+          <p:nvPr/>
+        </p:nvCxnSpPr>
+        <p:spPr>
+          <a:xfrm flipH="1">
+            <a:off x="3520440" y="2819400"/>
+            <a:ext cx="1661160" cy="1348740"/>
+          </a:xfrm>
+          <a:prstGeom prst="line">
+            <a:avLst/>
+          </a:prstGeom>
+          <a:ln>
+            <a:solidFill>
+              <a:schemeClr val="tx1"/>
+            </a:solidFill>
+          </a:ln>
+        </p:spPr>
+        <p:style>
+          <a:lnRef idx="1">
+            <a:schemeClr val="accent1"/>
+          </a:lnRef>
+          <a:fillRef idx="0">
+            <a:schemeClr val="accent1"/>
+          </a:fillRef>
+          <a:effectRef idx="0">
+            <a:schemeClr val="accent1"/>
+          </a:effectRef>
+          <a:fontRef idx="minor">
+            <a:schemeClr val="tx1"/>
+          </a:fontRef>
+        </p:style>
+      </p:cxnSp>
+      <p:cxnSp>
+        <p:nvCxnSpPr>
+          <p:cNvPr id="24" name="Straight Connector 23"/>
+          <p:cNvCxnSpPr/>
+          <p:nvPr/>
+        </p:nvCxnSpPr>
+        <p:spPr>
+          <a:xfrm>
+            <a:off x="4084320" y="1036320"/>
+            <a:ext cx="1097280" cy="1783080"/>
+          </a:xfrm>
+          <a:prstGeom prst="line">
+            <a:avLst/>
+          </a:prstGeom>
+          <a:ln>
+            <a:solidFill>
+              <a:schemeClr val="tx1"/>
+            </a:solidFill>
+          </a:ln>
+        </p:spPr>
+        <p:style>
+          <a:lnRef idx="1">
+            <a:schemeClr val="accent1"/>
+          </a:lnRef>
+          <a:fillRef idx="0">
+            <a:schemeClr val="accent1"/>
+          </a:fillRef>
+          <a:effectRef idx="0">
+            <a:schemeClr val="accent1"/>
+          </a:effectRef>
+          <a:fontRef idx="minor">
+            <a:schemeClr val="tx1"/>
+          </a:fontRef>
+        </p:style>
+      </p:cxnSp>
+      <mc:AlternateContent xmlns:mc="http://schemas.openxmlformats.org/markup-compatibility/2006">
+        <mc:Choice xmlns:a14="http://schemas.microsoft.com/office/drawing/2010/main" Requires="a14">
+          <p:sp>
+            <p:nvSpPr>
+              <p:cNvPr id="33" name="TextBox 32"/>
+              <p:cNvSpPr txBox="1"/>
+              <p:nvPr/>
+            </p:nvSpPr>
+            <p:spPr>
+              <a:xfrm>
+                <a:off x="3489960" y="3023056"/>
+                <a:ext cx="422808" cy="338554"/>
+              </a:xfrm>
+              <a:prstGeom prst="rect">
+                <a:avLst/>
+              </a:prstGeom>
+              <a:noFill/>
+            </p:spPr>
+            <p:txBody>
+              <a:bodyPr wrap="none" rtlCol="0">
+                <a:spAutoFit/>
+              </a:bodyPr>
+              <a:lstStyle/>
+              <a:p>
+                <a14:m>
+                  <m:oMathPara xmlns:m="http://schemas.openxmlformats.org/officeDocument/2006/math">
+                    <m:oMathParaPr>
+                      <m:jc m:val="centerGroup"/>
+                    </m:oMathParaPr>
+                    <m:oMath xmlns:m="http://schemas.openxmlformats.org/officeDocument/2006/math">
+                      <m:sSub>
+                        <m:sSubPr>
+                          <m:ctrlPr>
+                            <a:rPr lang="en-US" sz="1600" i="1" smtClean="0">
+                              <a:latin typeface="Cambria Math"/>
+                            </a:rPr>
+                          </m:ctrlPr>
+                        </m:sSubPr>
+                        <m:e>
+                          <m:r>
+                            <a:rPr lang="en-US" sz="1600" b="0" i="1" smtClean="0">
+                              <a:latin typeface="Cambria Math"/>
+                            </a:rPr>
+                            <m:t>𝑒</m:t>
+                          </m:r>
+                        </m:e>
+                        <m:sub>
+                          <m:r>
+                            <a:rPr lang="en-US" sz="1600" b="0" i="1" smtClean="0">
+                              <a:latin typeface="Cambria Math"/>
+                            </a:rPr>
+                            <m:t>0</m:t>
+                          </m:r>
+                        </m:sub>
+                      </m:sSub>
+                    </m:oMath>
+                  </m:oMathPara>
+                </a14:m>
+                <a:endParaRPr lang="en-US" sz="1600" dirty="0"/>
+              </a:p>
+            </p:txBody>
+          </p:sp>
+        </mc:Choice>
+        <mc:Fallback>
+          <p:sp>
+            <p:nvSpPr>
+              <p:cNvPr id="33" name="TextBox 32"/>
+              <p:cNvSpPr txBox="1">
+                <a:spLocks noRot="1" noChangeAspect="1" noMove="1" noResize="1" noEditPoints="1" noAdjustHandles="1" noChangeArrowheads="1" noChangeShapeType="1" noTextEdit="1"/>
+              </p:cNvSpPr>
+              <p:nvPr/>
+            </p:nvSpPr>
+            <p:spPr>
+              <a:xfrm>
+                <a:off x="3489960" y="3023056"/>
+                <a:ext cx="422808" cy="338554"/>
+              </a:xfrm>
+              <a:prstGeom prst="rect">
+                <a:avLst/>
+              </a:prstGeom>
+              <a:blipFill rotWithShape="1">
+                <a:blip r:embed="rId2"/>
+                <a:stretch>
+                  <a:fillRect/>
+                </a:stretch>
+              </a:blipFill>
+            </p:spPr>
+            <p:txBody>
+              <a:bodyPr/>
+              <a:lstStyle/>
+              <a:p>
+                <a:r>
+                  <a:rPr lang="en-US">
+                    <a:noFill/>
+                  </a:rPr>
+                  <a:t> </a:t>
+                </a:r>
+              </a:p>
+            </p:txBody>
+          </p:sp>
+        </mc:Fallback>
+      </mc:AlternateContent>
+      <p:cxnSp>
+        <p:nvCxnSpPr>
+          <p:cNvPr id="35" name="Straight Arrow Connector 34"/>
+          <p:cNvCxnSpPr/>
+          <p:nvPr/>
+        </p:nvCxnSpPr>
+        <p:spPr>
+          <a:xfrm>
+            <a:off x="3451860" y="2766060"/>
+            <a:ext cx="91440" cy="815340"/>
+          </a:xfrm>
+          <a:prstGeom prst="straightConnector1">
+            <a:avLst/>
+          </a:prstGeom>
+          <a:ln w="25400">
+            <a:solidFill>
+              <a:schemeClr val="tx1"/>
+            </a:solidFill>
+            <a:tailEnd type="arrow"/>
+          </a:ln>
+        </p:spPr>
+        <p:style>
+          <a:lnRef idx="1">
+            <a:schemeClr val="accent1"/>
+          </a:lnRef>
+          <a:fillRef idx="0">
+            <a:schemeClr val="accent1"/>
+          </a:fillRef>
+          <a:effectRef idx="0">
+            <a:schemeClr val="accent1"/>
+          </a:effectRef>
+          <a:fontRef idx="minor">
+            <a:schemeClr val="tx1"/>
+          </a:fontRef>
+        </p:style>
+      </p:cxnSp>
+      <p:cxnSp>
+        <p:nvCxnSpPr>
+          <p:cNvPr id="38" name="Straight Arrow Connector 37"/>
+          <p:cNvCxnSpPr/>
+          <p:nvPr/>
+        </p:nvCxnSpPr>
+        <p:spPr>
+          <a:xfrm flipH="1">
+            <a:off x="2514600" y="2712720"/>
+            <a:ext cx="510540" cy="640080"/>
+          </a:xfrm>
+          <a:prstGeom prst="straightConnector1">
+            <a:avLst/>
+          </a:prstGeom>
+          <a:ln w="25400">
+            <a:solidFill>
+              <a:schemeClr val="tx1"/>
+            </a:solidFill>
+            <a:tailEnd type="arrow"/>
+          </a:ln>
+        </p:spPr>
+        <p:style>
+          <a:lnRef idx="1">
+            <a:schemeClr val="accent1"/>
+          </a:lnRef>
+          <a:fillRef idx="0">
+            <a:schemeClr val="accent1"/>
+          </a:fillRef>
+          <a:effectRef idx="0">
+            <a:schemeClr val="accent1"/>
+          </a:effectRef>
+          <a:fontRef idx="minor">
+            <a:schemeClr val="tx1"/>
+          </a:fontRef>
+        </p:style>
+      </p:cxnSp>
+      <mc:AlternateContent xmlns:mc="http://schemas.openxmlformats.org/markup-compatibility/2006">
+        <mc:Choice xmlns:a14="http://schemas.microsoft.com/office/drawing/2010/main" Requires="a14">
+          <p:sp>
+            <p:nvSpPr>
+              <p:cNvPr id="40" name="TextBox 39"/>
+              <p:cNvSpPr txBox="1"/>
+              <p:nvPr/>
+            </p:nvSpPr>
+            <p:spPr>
+              <a:xfrm>
+                <a:off x="3619500" y="1583323"/>
+                <a:ext cx="418063" cy="338554"/>
+              </a:xfrm>
+              <a:prstGeom prst="rect">
+                <a:avLst/>
+              </a:prstGeom>
+              <a:noFill/>
+            </p:spPr>
+            <p:txBody>
+              <a:bodyPr wrap="none" rtlCol="0">
+                <a:spAutoFit/>
+              </a:bodyPr>
+              <a:lstStyle/>
+              <a:p>
+                <a14:m>
+                  <m:oMathPara xmlns:m="http://schemas.openxmlformats.org/officeDocument/2006/math">
+                    <m:oMathParaPr>
+                      <m:jc m:val="centerGroup"/>
+                    </m:oMathParaPr>
+                    <m:oMath xmlns:m="http://schemas.openxmlformats.org/officeDocument/2006/math">
+                      <m:sSub>
+                        <m:sSubPr>
+                          <m:ctrlPr>
+                            <a:rPr lang="en-US" sz="1600" i="1" smtClean="0">
+                              <a:latin typeface="Cambria Math"/>
+                            </a:rPr>
+                          </m:ctrlPr>
+                        </m:sSubPr>
+                        <m:e>
+                          <m:r>
+                            <a:rPr lang="en-US" sz="1600" b="0" i="1" smtClean="0">
+                              <a:latin typeface="Cambria Math"/>
+                            </a:rPr>
+                            <m:t>𝑒</m:t>
+                          </m:r>
+                        </m:e>
+                        <m:sub>
+                          <m:r>
+                            <a:rPr lang="en-US" sz="1600" b="0" i="1" smtClean="0">
+                              <a:latin typeface="Cambria Math"/>
+                            </a:rPr>
+                            <m:t>1</m:t>
+                          </m:r>
+                        </m:sub>
+                      </m:sSub>
+                    </m:oMath>
+                  </m:oMathPara>
+                </a14:m>
+                <a:endParaRPr lang="en-US" sz="1600" dirty="0"/>
+              </a:p>
+            </p:txBody>
+          </p:sp>
+        </mc:Choice>
+        <mc:Fallback>
+          <p:sp>
+            <p:nvSpPr>
+              <p:cNvPr id="40" name="TextBox 39"/>
+              <p:cNvSpPr txBox="1">
+                <a:spLocks noRot="1" noChangeAspect="1" noMove="1" noResize="1" noEditPoints="1" noAdjustHandles="1" noChangeArrowheads="1" noChangeShapeType="1" noTextEdit="1"/>
+              </p:cNvSpPr>
+              <p:nvPr/>
+            </p:nvSpPr>
+            <p:spPr>
+              <a:xfrm>
+                <a:off x="3619500" y="1583323"/>
+                <a:ext cx="418063" cy="338554"/>
+              </a:xfrm>
+              <a:prstGeom prst="rect">
+                <a:avLst/>
+              </a:prstGeom>
+              <a:blipFill rotWithShape="1">
+                <a:blip r:embed="rId3"/>
+                <a:stretch>
+                  <a:fillRect/>
+                </a:stretch>
+              </a:blipFill>
+            </p:spPr>
+            <p:txBody>
+              <a:bodyPr/>
+              <a:lstStyle/>
+              <a:p>
+                <a:r>
+                  <a:rPr lang="en-US">
+                    <a:noFill/>
+                  </a:rPr>
+                  <a:t> </a:t>
+                </a:r>
+              </a:p>
+            </p:txBody>
+          </p:sp>
+        </mc:Fallback>
+      </mc:AlternateContent>
+      <p:cxnSp>
+        <p:nvCxnSpPr>
+          <p:cNvPr id="41" name="Straight Arrow Connector 40"/>
+          <p:cNvCxnSpPr/>
+          <p:nvPr/>
+        </p:nvCxnSpPr>
+        <p:spPr>
+          <a:xfrm flipH="1">
+            <a:off x="2049780" y="2362200"/>
+            <a:ext cx="891540" cy="68580"/>
+          </a:xfrm>
+          <a:prstGeom prst="straightConnector1">
+            <a:avLst/>
+          </a:prstGeom>
+          <a:ln w="25400">
+            <a:solidFill>
+              <a:schemeClr val="tx1"/>
+            </a:solidFill>
+            <a:tailEnd type="arrow"/>
+          </a:ln>
+        </p:spPr>
+        <p:style>
+          <a:lnRef idx="1">
+            <a:schemeClr val="accent1"/>
+          </a:lnRef>
+          <a:fillRef idx="0">
+            <a:schemeClr val="accent1"/>
+          </a:fillRef>
+          <a:effectRef idx="0">
+            <a:schemeClr val="accent1"/>
+          </a:effectRef>
+          <a:fontRef idx="minor">
+            <a:schemeClr val="tx1"/>
+          </a:fontRef>
+        </p:style>
+      </p:cxnSp>
+      <p:cxnSp>
+        <p:nvCxnSpPr>
+          <p:cNvPr id="43" name="Straight Arrow Connector 42"/>
+          <p:cNvCxnSpPr/>
+          <p:nvPr/>
+        </p:nvCxnSpPr>
+        <p:spPr>
+          <a:xfrm flipH="1" flipV="1">
+            <a:off x="2819400" y="1295400"/>
+            <a:ext cx="342900" cy="838200"/>
+          </a:xfrm>
+          <a:prstGeom prst="straightConnector1">
+            <a:avLst/>
+          </a:prstGeom>
+          <a:ln w="25400">
+            <a:solidFill>
+              <a:schemeClr val="tx1"/>
+            </a:solidFill>
+            <a:tailEnd type="arrow"/>
+          </a:ln>
+        </p:spPr>
+        <p:style>
+          <a:lnRef idx="1">
+            <a:schemeClr val="accent1"/>
+          </a:lnRef>
+          <a:fillRef idx="0">
+            <a:schemeClr val="accent1"/>
+          </a:fillRef>
+          <a:effectRef idx="0">
+            <a:schemeClr val="accent1"/>
+          </a:effectRef>
+          <a:fontRef idx="minor">
+            <a:schemeClr val="tx1"/>
+          </a:fontRef>
+        </p:style>
+      </p:cxnSp>
+      <p:cxnSp>
+        <p:nvCxnSpPr>
+          <p:cNvPr id="45" name="Straight Arrow Connector 44"/>
+          <p:cNvCxnSpPr/>
+          <p:nvPr/>
+        </p:nvCxnSpPr>
+        <p:spPr>
+          <a:xfrm flipV="1">
+            <a:off x="3375660" y="1280160"/>
+            <a:ext cx="487680" cy="765810"/>
+          </a:xfrm>
+          <a:prstGeom prst="straightConnector1">
+            <a:avLst/>
+          </a:prstGeom>
+          <a:ln w="25400">
+            <a:solidFill>
+              <a:schemeClr val="tx1"/>
+            </a:solidFill>
+            <a:tailEnd type="arrow"/>
+          </a:ln>
+        </p:spPr>
+        <p:style>
+          <a:lnRef idx="1">
+            <a:schemeClr val="accent1"/>
+          </a:lnRef>
+          <a:fillRef idx="0">
+            <a:schemeClr val="accent1"/>
+          </a:fillRef>
+          <a:effectRef idx="0">
+            <a:schemeClr val="accent1"/>
+          </a:effectRef>
+          <a:fontRef idx="minor">
+            <a:schemeClr val="tx1"/>
+          </a:fontRef>
+        </p:style>
+      </p:cxnSp>
+      <p:sp>
+        <p:nvSpPr>
+          <p:cNvPr id="48" name="Freeform 47"/>
+          <p:cNvSpPr/>
+          <p:nvPr/>
+        </p:nvSpPr>
+        <p:spPr>
+          <a:xfrm>
+            <a:off x="2766060" y="3200400"/>
+            <a:ext cx="708660" cy="229478"/>
+          </a:xfrm>
+          <a:custGeom>
+            <a:avLst/>
+            <a:gdLst>
+              <a:gd name="connsiteX0" fmla="*/ 708660 w 708660"/>
+              <a:gd name="connsiteY0" fmla="*/ 198120 h 229478"/>
+              <a:gd name="connsiteX1" fmla="*/ 342900 w 708660"/>
+              <a:gd name="connsiteY1" fmla="*/ 213360 h 229478"/>
+              <a:gd name="connsiteX2" fmla="*/ 0 w 708660"/>
+              <a:gd name="connsiteY2" fmla="*/ 0 h 229478"/>
+            </a:gdLst>
+            <a:ahLst/>
+            <a:cxnLst>
+              <a:cxn ang="0">
+                <a:pos x="connsiteX0" y="connsiteY0"/>
+              </a:cxn>
+              <a:cxn ang="0">
+                <a:pos x="connsiteX1" y="connsiteY1"/>
+              </a:cxn>
+              <a:cxn ang="0">
+                <a:pos x="connsiteX2" y="connsiteY2"/>
+              </a:cxn>
+            </a:cxnLst>
+            <a:rect l="l" t="t" r="r" b="b"/>
+            <a:pathLst>
+              <a:path w="708660" h="229478">
+                <a:moveTo>
+                  <a:pt x="708660" y="198120"/>
+                </a:moveTo>
+                <a:cubicBezTo>
+                  <a:pt x="584835" y="222250"/>
+                  <a:pt x="461010" y="246380"/>
+                  <a:pt x="342900" y="213360"/>
+                </a:cubicBezTo>
+                <a:cubicBezTo>
+                  <a:pt x="224790" y="180340"/>
+                  <a:pt x="112395" y="90170"/>
+                  <a:pt x="0" y="0"/>
+                </a:cubicBezTo>
+              </a:path>
+            </a:pathLst>
+          </a:custGeom>
+          <a:noFill/>
+          <a:ln w="15875">
+            <a:prstDash val="sysDot"/>
+            <a:tailEnd type="arrow"/>
+          </a:ln>
+        </p:spPr>
+        <p:style>
+          <a:lnRef idx="2">
+            <a:schemeClr val="accent1">
+              <a:shade val="50000"/>
+            </a:schemeClr>
+          </a:lnRef>
+          <a:fillRef idx="1">
+            <a:schemeClr val="accent1"/>
+          </a:fillRef>
+          <a:effectRef idx="0">
+            <a:schemeClr val="accent1"/>
+          </a:effectRef>
+          <a:fontRef idx="minor">
+            <a:schemeClr val="lt1"/>
+          </a:fontRef>
+        </p:style>
+        <p:txBody>
+          <a:bodyPr rtlCol="0" anchor="ctr"/>
+          <a:lstStyle/>
+          <a:p>
+            <a:pPr algn="ctr"/>
+            <a:endParaRPr lang="en-US"/>
+          </a:p>
+        </p:txBody>
+      </p:sp>
+      <p:sp>
+        <p:nvSpPr>
+          <p:cNvPr id="49" name="TextBox 48"/>
+          <p:cNvSpPr txBox="1"/>
+          <p:nvPr/>
+        </p:nvSpPr>
+        <p:spPr>
+          <a:xfrm>
+            <a:off x="2861819" y="3361610"/>
+            <a:ext cx="452881" cy="276999"/>
+          </a:xfrm>
+          <a:prstGeom prst="rect">
+            <a:avLst/>
+          </a:prstGeom>
+          <a:noFill/>
+        </p:spPr>
+        <p:txBody>
+          <a:bodyPr wrap="none" rtlCol="0">
+            <a:spAutoFit/>
+          </a:bodyPr>
+          <a:lstStyle/>
+          <a:p>
+            <a:r>
+              <a:rPr lang="en-US" sz="1200" i="1" dirty="0" smtClean="0"/>
+              <a:t>next</a:t>
+            </a:r>
+            <a:endParaRPr lang="en-US" sz="1200" i="1" dirty="0"/>
+          </a:p>
+        </p:txBody>
+      </p:sp>
+      <p:sp>
+        <p:nvSpPr>
+          <p:cNvPr id="50" name="Freeform 49"/>
+          <p:cNvSpPr/>
+          <p:nvPr/>
+        </p:nvSpPr>
+        <p:spPr>
+          <a:xfrm>
+            <a:off x="2339340" y="2484120"/>
+            <a:ext cx="251460" cy="579120"/>
+          </a:xfrm>
+          <a:custGeom>
+            <a:avLst/>
+            <a:gdLst>
+              <a:gd name="connsiteX0" fmla="*/ 251460 w 251460"/>
+              <a:gd name="connsiteY0" fmla="*/ 579120 h 579120"/>
+              <a:gd name="connsiteX1" fmla="*/ 45720 w 251460"/>
+              <a:gd name="connsiteY1" fmla="*/ 312420 h 579120"/>
+              <a:gd name="connsiteX2" fmla="*/ 0 w 251460"/>
+              <a:gd name="connsiteY2" fmla="*/ 0 h 579120"/>
+            </a:gdLst>
+            <a:ahLst/>
+            <a:cxnLst>
+              <a:cxn ang="0">
+                <a:pos x="connsiteX0" y="connsiteY0"/>
+              </a:cxn>
+              <a:cxn ang="0">
+                <a:pos x="connsiteX1" y="connsiteY1"/>
+              </a:cxn>
+              <a:cxn ang="0">
+                <a:pos x="connsiteX2" y="connsiteY2"/>
+              </a:cxn>
+            </a:cxnLst>
+            <a:rect l="l" t="t" r="r" b="b"/>
+            <a:pathLst>
+              <a:path w="251460" h="579120">
+                <a:moveTo>
+                  <a:pt x="251460" y="579120"/>
+                </a:moveTo>
+                <a:cubicBezTo>
+                  <a:pt x="169545" y="494030"/>
+                  <a:pt x="87630" y="408940"/>
+                  <a:pt x="45720" y="312420"/>
+                </a:cubicBezTo>
+                <a:cubicBezTo>
+                  <a:pt x="3810" y="215900"/>
+                  <a:pt x="1905" y="107950"/>
+                  <a:pt x="0" y="0"/>
+                </a:cubicBezTo>
+              </a:path>
+            </a:pathLst>
+          </a:custGeom>
+          <a:noFill/>
+          <a:ln w="15875">
+            <a:prstDash val="sysDot"/>
+            <a:tailEnd type="arrow"/>
+          </a:ln>
+        </p:spPr>
+        <p:style>
+          <a:lnRef idx="2">
+            <a:schemeClr val="accent1">
+              <a:shade val="50000"/>
+            </a:schemeClr>
+          </a:lnRef>
+          <a:fillRef idx="1">
+            <a:schemeClr val="accent1"/>
+          </a:fillRef>
+          <a:effectRef idx="0">
+            <a:schemeClr val="accent1"/>
+          </a:effectRef>
+          <a:fontRef idx="minor">
+            <a:schemeClr val="lt1"/>
+          </a:fontRef>
+        </p:style>
+        <p:txBody>
+          <a:bodyPr rtlCol="0" anchor="ctr"/>
+          <a:lstStyle/>
+          <a:p>
+            <a:pPr algn="ctr"/>
+            <a:endParaRPr lang="en-US"/>
+          </a:p>
+        </p:txBody>
+      </p:sp>
+      <p:sp>
+        <p:nvSpPr>
+          <p:cNvPr id="51" name="Freeform 50"/>
+          <p:cNvSpPr/>
+          <p:nvPr/>
+        </p:nvSpPr>
+        <p:spPr>
+          <a:xfrm>
+            <a:off x="2360968" y="1508760"/>
+            <a:ext cx="359372" cy="716280"/>
+          </a:xfrm>
+          <a:custGeom>
+            <a:avLst/>
+            <a:gdLst>
+              <a:gd name="connsiteX0" fmla="*/ 16472 w 359372"/>
+              <a:gd name="connsiteY0" fmla="*/ 716280 h 716280"/>
+              <a:gd name="connsiteX1" fmla="*/ 39332 w 359372"/>
+              <a:gd name="connsiteY1" fmla="*/ 289560 h 716280"/>
+              <a:gd name="connsiteX2" fmla="*/ 359372 w 359372"/>
+              <a:gd name="connsiteY2" fmla="*/ 0 h 716280"/>
+            </a:gdLst>
+            <a:ahLst/>
+            <a:cxnLst>
+              <a:cxn ang="0">
+                <a:pos x="connsiteX0" y="connsiteY0"/>
+              </a:cxn>
+              <a:cxn ang="0">
+                <a:pos x="connsiteX1" y="connsiteY1"/>
+              </a:cxn>
+              <a:cxn ang="0">
+                <a:pos x="connsiteX2" y="connsiteY2"/>
+              </a:cxn>
+            </a:cxnLst>
+            <a:rect l="l" t="t" r="r" b="b"/>
+            <a:pathLst>
+              <a:path w="359372" h="716280">
+                <a:moveTo>
+                  <a:pt x="16472" y="716280"/>
+                </a:moveTo>
+                <a:cubicBezTo>
+                  <a:pt x="-673" y="562610"/>
+                  <a:pt x="-17818" y="408940"/>
+                  <a:pt x="39332" y="289560"/>
+                </a:cubicBezTo>
+                <a:cubicBezTo>
+                  <a:pt x="96482" y="170180"/>
+                  <a:pt x="227927" y="85090"/>
+                  <a:pt x="359372" y="0"/>
+                </a:cubicBezTo>
+              </a:path>
+            </a:pathLst>
+          </a:custGeom>
+          <a:noFill/>
+          <a:ln w="15875">
+            <a:prstDash val="sysDot"/>
+            <a:tailEnd type="arrow"/>
+          </a:ln>
+        </p:spPr>
+        <p:style>
+          <a:lnRef idx="2">
+            <a:schemeClr val="accent1">
+              <a:shade val="50000"/>
+            </a:schemeClr>
+          </a:lnRef>
+          <a:fillRef idx="1">
+            <a:schemeClr val="accent1"/>
+          </a:fillRef>
+          <a:effectRef idx="0">
+            <a:schemeClr val="accent1"/>
+          </a:effectRef>
+          <a:fontRef idx="minor">
+            <a:schemeClr val="lt1"/>
+          </a:fontRef>
+        </p:style>
+        <p:txBody>
+          <a:bodyPr rtlCol="0" anchor="ctr"/>
+          <a:lstStyle/>
+          <a:p>
+            <a:pPr algn="ctr"/>
+            <a:endParaRPr lang="en-US"/>
+          </a:p>
+        </p:txBody>
+      </p:sp>
+      <p:sp>
+        <p:nvSpPr>
+          <p:cNvPr id="52" name="Freeform 51"/>
+          <p:cNvSpPr/>
+          <p:nvPr/>
+        </p:nvSpPr>
+        <p:spPr>
+          <a:xfrm>
+            <a:off x="3048000" y="1278973"/>
+            <a:ext cx="655320" cy="130727"/>
+          </a:xfrm>
+          <a:custGeom>
+            <a:avLst/>
+            <a:gdLst>
+              <a:gd name="connsiteX0" fmla="*/ 0 w 655320"/>
+              <a:gd name="connsiteY0" fmla="*/ 77387 h 130727"/>
+              <a:gd name="connsiteX1" fmla="*/ 373380 w 655320"/>
+              <a:gd name="connsiteY1" fmla="*/ 1187 h 130727"/>
+              <a:gd name="connsiteX2" fmla="*/ 655320 w 655320"/>
+              <a:gd name="connsiteY2" fmla="*/ 130727 h 130727"/>
+            </a:gdLst>
+            <a:ahLst/>
+            <a:cxnLst>
+              <a:cxn ang="0">
+                <a:pos x="connsiteX0" y="connsiteY0"/>
+              </a:cxn>
+              <a:cxn ang="0">
+                <a:pos x="connsiteX1" y="connsiteY1"/>
+              </a:cxn>
+              <a:cxn ang="0">
+                <a:pos x="connsiteX2" y="connsiteY2"/>
+              </a:cxn>
+            </a:cxnLst>
+            <a:rect l="l" t="t" r="r" b="b"/>
+            <a:pathLst>
+              <a:path w="655320" h="130727">
+                <a:moveTo>
+                  <a:pt x="0" y="77387"/>
+                </a:moveTo>
+                <a:cubicBezTo>
+                  <a:pt x="132080" y="34842"/>
+                  <a:pt x="264160" y="-7703"/>
+                  <a:pt x="373380" y="1187"/>
+                </a:cubicBezTo>
+                <a:cubicBezTo>
+                  <a:pt x="482600" y="10077"/>
+                  <a:pt x="568960" y="70402"/>
+                  <a:pt x="655320" y="130727"/>
+                </a:cubicBezTo>
+              </a:path>
+            </a:pathLst>
+          </a:custGeom>
+          <a:noFill/>
+          <a:ln w="15875">
+            <a:prstDash val="sysDot"/>
+            <a:tailEnd type="arrow"/>
+          </a:ln>
+        </p:spPr>
+        <p:style>
+          <a:lnRef idx="2">
+            <a:schemeClr val="accent1">
+              <a:shade val="50000"/>
+            </a:schemeClr>
+          </a:lnRef>
+          <a:fillRef idx="1">
+            <a:schemeClr val="accent1"/>
+          </a:fillRef>
+          <a:effectRef idx="0">
+            <a:schemeClr val="accent1"/>
+          </a:effectRef>
+          <a:fontRef idx="minor">
+            <a:schemeClr val="lt1"/>
+          </a:fontRef>
+        </p:style>
+        <p:txBody>
+          <a:bodyPr rtlCol="0" anchor="ctr"/>
+          <a:lstStyle/>
+          <a:p>
+            <a:pPr algn="ctr"/>
+            <a:endParaRPr lang="en-US"/>
+          </a:p>
+        </p:txBody>
+      </p:sp>
+      <p:sp>
+        <p:nvSpPr>
+          <p:cNvPr id="53" name="TextBox 52"/>
+          <p:cNvSpPr txBox="1"/>
+          <p:nvPr/>
+        </p:nvSpPr>
+        <p:spPr>
+          <a:xfrm>
+            <a:off x="2035049" y="2755761"/>
+            <a:ext cx="452881" cy="276999"/>
+          </a:xfrm>
+          <a:prstGeom prst="rect">
+            <a:avLst/>
+          </a:prstGeom>
+          <a:noFill/>
+        </p:spPr>
+        <p:txBody>
+          <a:bodyPr wrap="none" rtlCol="0">
+            <a:spAutoFit/>
+          </a:bodyPr>
+          <a:lstStyle/>
+          <a:p>
+            <a:r>
+              <a:rPr lang="en-US" sz="1200" i="1" dirty="0" smtClean="0"/>
+              <a:t>next</a:t>
+            </a:r>
+            <a:endParaRPr lang="en-US" sz="1200" i="1" dirty="0"/>
+          </a:p>
+        </p:txBody>
+      </p:sp>
+      <p:sp>
+        <p:nvSpPr>
+          <p:cNvPr id="54" name="TextBox 53"/>
+          <p:cNvSpPr txBox="1"/>
+          <p:nvPr/>
+        </p:nvSpPr>
+        <p:spPr>
+          <a:xfrm>
+            <a:off x="1948962" y="1589901"/>
+            <a:ext cx="452881" cy="276999"/>
+          </a:xfrm>
+          <a:prstGeom prst="rect">
+            <a:avLst/>
+          </a:prstGeom>
+          <a:noFill/>
+        </p:spPr>
+        <p:txBody>
+          <a:bodyPr wrap="none" rtlCol="0">
+            <a:spAutoFit/>
+          </a:bodyPr>
+          <a:lstStyle/>
+          <a:p>
+            <a:r>
+              <a:rPr lang="en-US" sz="1200" i="1" dirty="0" smtClean="0"/>
+              <a:t>next</a:t>
+            </a:r>
+            <a:endParaRPr lang="en-US" sz="1200" i="1" dirty="0"/>
+          </a:p>
+        </p:txBody>
+      </p:sp>
+      <p:sp>
+        <p:nvSpPr>
+          <p:cNvPr id="55" name="TextBox 54"/>
+          <p:cNvSpPr txBox="1"/>
+          <p:nvPr/>
+        </p:nvSpPr>
+        <p:spPr>
+          <a:xfrm>
+            <a:off x="3149219" y="990600"/>
+            <a:ext cx="452881" cy="276999"/>
+          </a:xfrm>
+          <a:prstGeom prst="rect">
+            <a:avLst/>
+          </a:prstGeom>
+          <a:noFill/>
+        </p:spPr>
+        <p:txBody>
+          <a:bodyPr wrap="none" rtlCol="0">
+            <a:spAutoFit/>
+          </a:bodyPr>
+          <a:lstStyle/>
+          <a:p>
+            <a:r>
+              <a:rPr lang="en-US" sz="1200" i="1" dirty="0" smtClean="0"/>
+              <a:t>next</a:t>
+            </a:r>
+            <a:endParaRPr lang="en-US" sz="1200" i="1" dirty="0"/>
+          </a:p>
+        </p:txBody>
+      </p:sp>
+      <mc:AlternateContent xmlns:mc="http://schemas.openxmlformats.org/markup-compatibility/2006">
+        <mc:Choice xmlns:a14="http://schemas.microsoft.com/office/drawing/2010/main" Requires="a14">
+          <p:sp>
+            <p:nvSpPr>
+              <p:cNvPr id="56" name="TextBox 55"/>
+              <p:cNvSpPr txBox="1"/>
+              <p:nvPr/>
+            </p:nvSpPr>
+            <p:spPr>
+              <a:xfrm>
+                <a:off x="3286176" y="2223432"/>
+                <a:ext cx="349391" cy="338554"/>
+              </a:xfrm>
+              <a:prstGeom prst="rect">
+                <a:avLst/>
+              </a:prstGeom>
+              <a:noFill/>
+            </p:spPr>
+            <p:txBody>
+              <a:bodyPr wrap="none" rtlCol="0">
+                <a:spAutoFit/>
+              </a:bodyPr>
+              <a:lstStyle/>
+              <a:p>
+                <a14:m>
+                  <m:oMathPara xmlns:m="http://schemas.openxmlformats.org/officeDocument/2006/math">
+                    <m:oMathParaPr>
+                      <m:jc m:val="centerGroup"/>
+                    </m:oMathParaPr>
+                    <m:oMath xmlns:m="http://schemas.openxmlformats.org/officeDocument/2006/math">
+                      <m:r>
+                        <a:rPr lang="en-US" sz="1600" i="1" smtClean="0">
+                          <a:latin typeface="Cambria Math"/>
+                        </a:rPr>
+                        <m:t>𝑣</m:t>
+                      </m:r>
+                    </m:oMath>
+                  </m:oMathPara>
+                </a14:m>
+                <a:endParaRPr lang="en-US" sz="1600" dirty="0"/>
+              </a:p>
+            </p:txBody>
+          </p:sp>
+        </mc:Choice>
+        <mc:Fallback>
+          <p:sp>
+            <p:nvSpPr>
+              <p:cNvPr id="56" name="TextBox 55"/>
+              <p:cNvSpPr txBox="1">
+                <a:spLocks noRot="1" noChangeAspect="1" noMove="1" noResize="1" noEditPoints="1" noAdjustHandles="1" noChangeArrowheads="1" noChangeShapeType="1" noTextEdit="1"/>
+              </p:cNvSpPr>
+              <p:nvPr/>
+            </p:nvSpPr>
+            <p:spPr>
+              <a:xfrm>
+                <a:off x="3286176" y="2223432"/>
+                <a:ext cx="349391" cy="338554"/>
+              </a:xfrm>
+              <a:prstGeom prst="rect">
+                <a:avLst/>
+              </a:prstGeom>
+              <a:blipFill rotWithShape="1">
+                <a:blip r:embed="rId4"/>
+                <a:stretch>
+                  <a:fillRect/>
+                </a:stretch>
+              </a:blipFill>
+            </p:spPr>
+            <p:txBody>
+              <a:bodyPr/>
+              <a:lstStyle/>
+              <a:p>
+                <a:r>
+                  <a:rPr lang="en-US">
+                    <a:noFill/>
+                  </a:rPr>
+                  <a:t> </a:t>
+                </a:r>
+              </a:p>
+            </p:txBody>
+          </p:sp>
+        </mc:Fallback>
+      </mc:AlternateContent>
+      <p:sp>
+        <p:nvSpPr>
+          <p:cNvPr id="57" name="Freeform 56"/>
+          <p:cNvSpPr/>
+          <p:nvPr/>
+        </p:nvSpPr>
+        <p:spPr>
+          <a:xfrm>
+            <a:off x="3322320" y="1028700"/>
+            <a:ext cx="762000" cy="3139440"/>
+          </a:xfrm>
+          <a:custGeom>
+            <a:avLst/>
+            <a:gdLst>
+              <a:gd name="connsiteX0" fmla="*/ 762000 w 762000"/>
+              <a:gd name="connsiteY0" fmla="*/ 0 h 3139440"/>
+              <a:gd name="connsiteX1" fmla="*/ 0 w 762000"/>
+              <a:gd name="connsiteY1" fmla="*/ 1234440 h 3139440"/>
+              <a:gd name="connsiteX2" fmla="*/ 205740 w 762000"/>
+              <a:gd name="connsiteY2" fmla="*/ 3139440 h 3139440"/>
+            </a:gdLst>
+            <a:ahLst/>
+            <a:cxnLst>
+              <a:cxn ang="0">
+                <a:pos x="connsiteX0" y="connsiteY0"/>
+              </a:cxn>
+              <a:cxn ang="0">
+                <a:pos x="connsiteX1" y="connsiteY1"/>
+              </a:cxn>
+              <a:cxn ang="0">
+                <a:pos x="connsiteX2" y="connsiteY2"/>
+              </a:cxn>
+            </a:cxnLst>
+            <a:rect l="l" t="t" r="r" b="b"/>
+            <a:pathLst>
+              <a:path w="762000" h="3139440">
+                <a:moveTo>
+                  <a:pt x="762000" y="0"/>
+                </a:moveTo>
+                <a:lnTo>
+                  <a:pt x="0" y="1234440"/>
+                </a:lnTo>
+                <a:lnTo>
+                  <a:pt x="205740" y="3139440"/>
+                </a:lnTo>
+              </a:path>
+            </a:pathLst>
+          </a:custGeom>
+          <a:noFill/>
+          <a:ln w="25400">
+            <a:solidFill>
+              <a:schemeClr val="tx1"/>
+            </a:solidFill>
+          </a:ln>
+        </p:spPr>
+        <p:style>
+          <a:lnRef idx="2">
+            <a:schemeClr val="accent1">
+              <a:shade val="50000"/>
+            </a:schemeClr>
+          </a:lnRef>
+          <a:fillRef idx="1">
+            <a:schemeClr val="accent1"/>
+          </a:fillRef>
+          <a:effectRef idx="0">
+            <a:schemeClr val="accent1"/>
+          </a:effectRef>
+          <a:fontRef idx="minor">
+            <a:schemeClr val="lt1"/>
+          </a:fontRef>
+        </p:style>
+        <p:txBody>
+          <a:bodyPr rtlCol="0" anchor="ctr"/>
+          <a:lstStyle/>
+          <a:p>
+            <a:pPr algn="ctr"/>
+            <a:endParaRPr lang="en-US"/>
+          </a:p>
+        </p:txBody>
+      </p:sp>
+      <p:sp>
+        <p:nvSpPr>
+          <p:cNvPr id="58" name="TextBox 57"/>
+          <p:cNvSpPr txBox="1"/>
+          <p:nvPr/>
+        </p:nvSpPr>
+        <p:spPr>
+          <a:xfrm>
+            <a:off x="4366260" y="736163"/>
+            <a:ext cx="723788" cy="307777"/>
+          </a:xfrm>
+          <a:prstGeom prst="rect">
+            <a:avLst/>
+          </a:prstGeom>
+          <a:noFill/>
+        </p:spPr>
+        <p:txBody>
+          <a:bodyPr wrap="none" rtlCol="0">
+            <a:spAutoFit/>
+          </a:bodyPr>
+          <a:lstStyle/>
+          <a:p>
+            <a:r>
+              <a:rPr lang="en-US" sz="1400" i="1" dirty="0" smtClean="0"/>
+              <a:t>horizon</a:t>
+            </a:r>
+            <a:endParaRPr lang="en-US" sz="1400" i="1" dirty="0"/>
+          </a:p>
+        </p:txBody>
+      </p:sp>
+      <p:cxnSp>
+        <p:nvCxnSpPr>
+          <p:cNvPr id="60" name="Straight Arrow Connector 59"/>
+          <p:cNvCxnSpPr/>
+          <p:nvPr/>
+        </p:nvCxnSpPr>
+        <p:spPr>
+          <a:xfrm flipH="1">
+            <a:off x="4037563" y="990600"/>
+            <a:ext cx="534438" cy="138499"/>
+          </a:xfrm>
+          <a:prstGeom prst="straightConnector1">
+            <a:avLst/>
+          </a:prstGeom>
+          <a:ln>
+            <a:tailEnd type="arrow"/>
+          </a:ln>
+        </p:spPr>
+        <p:style>
+          <a:lnRef idx="1">
+            <a:schemeClr val="accent1"/>
+          </a:lnRef>
+          <a:fillRef idx="0">
+            <a:schemeClr val="accent1"/>
+          </a:fillRef>
+          <a:effectRef idx="0">
+            <a:schemeClr val="accent1"/>
+          </a:effectRef>
+          <a:fontRef idx="minor">
+            <a:schemeClr val="tx1"/>
+          </a:fontRef>
+        </p:style>
+      </p:cxnSp>
+    </p:spTree>
+    <p:extLst>
+      <p:ext uri="{BB962C8B-B14F-4D97-AF65-F5344CB8AC3E}">
+        <p14:creationId xmlns:p14="http://schemas.microsoft.com/office/powerpoint/2010/main" val="3707006274"/>
+      </p:ext>
+    </p:extLst>
+  </p:cSld>
+  <p:clrMapOvr>
+    <a:masterClrMapping/>
+  </p:clrMapOvr>
+</p:sld>
+</file>
+
+<file path=ppt/slides/slide4.xml><?xml version="1.0" encoding="utf-8"?>
+<p:sld xmlns:a="http://schemas.openxmlformats.org/drawingml/2006/main" xmlns:r="http://schemas.openxmlformats.org/officeDocument/2006/relationships" xmlns:p="http://schemas.openxmlformats.org/presentationml/2006/main">
+  <p:cSld>
+    <p:spTree>
+      <p:nvGrpSpPr>
+        <p:cNvPr id="1" name=""/>
+        <p:cNvGrpSpPr/>
+        <p:nvPr/>
+      </p:nvGrpSpPr>
+      <p:grpSpPr>
+        <a:xfrm>
+          <a:off x="0" y="0"/>
+          <a:ext cx="0" cy="0"/>
+          <a:chOff x="0" y="0"/>
+          <a:chExt cx="0" cy="0"/>
+        </a:xfrm>
+      </p:grpSpPr>
       <p:cxnSp>
         <p:nvCxnSpPr>
           <p:cNvPr id="3" name="Straight Arrow Connector 2"/>
@@ -7442,8 +9010,8 @@
           </a:p>
         </p:txBody>
       </p:sp>
-      <mc:AlternateContent xmlns:mc="http://schemas.openxmlformats.org/markup-compatibility/2006">
-        <mc:Choice xmlns:a14="http://schemas.microsoft.com/office/drawing/2010/main" Requires="a14">
+      <mc:AlternateContent xmlns:mc="http://schemas.openxmlformats.org/markup-compatibility/2006" xmlns:a14="http://schemas.microsoft.com/office/drawing/2010/main">
+        <mc:Choice Requires="a14">
           <p:sp>
             <p:nvSpPr>
               <p:cNvPr id="20" name="TextBox 19"/>
@@ -7466,6 +9034,7 @@
               </a:bodyPr>
               <a:lstStyle/>
               <a:p>
+                <a:pPr/>
                 <a14:m>
                   <m:oMathPara xmlns:m="http://schemas.openxmlformats.org/officeDocument/2006/math">
                     <m:oMathParaPr>
@@ -7528,7 +9097,7 @@
             </p:txBody>
           </p:sp>
         </mc:Choice>
-        <mc:Fallback>
+        <mc:Fallback xmlns="">
           <p:sp>
             <p:nvSpPr>
               <p:cNvPr id="20" name="TextBox 19"/>
@@ -7567,8 +9136,8 @@
           </p:sp>
         </mc:Fallback>
       </mc:AlternateContent>
-      <mc:AlternateContent xmlns:mc="http://schemas.openxmlformats.org/markup-compatibility/2006">
-        <mc:Choice xmlns:a14="http://schemas.microsoft.com/office/drawing/2010/main" Requires="a14">
+      <mc:AlternateContent xmlns:mc="http://schemas.openxmlformats.org/markup-compatibility/2006" xmlns:a14="http://schemas.microsoft.com/office/drawing/2010/main">
+        <mc:Choice Requires="a14">
           <p:sp>
             <p:nvSpPr>
               <p:cNvPr id="21" name="TextBox 20"/>
@@ -7591,6 +9160,7 @@
               </a:bodyPr>
               <a:lstStyle/>
               <a:p>
+                <a:pPr/>
                 <a14:m>
                   <m:oMathPara xmlns:m="http://schemas.openxmlformats.org/officeDocument/2006/math">
                     <m:oMathParaPr>
@@ -7665,7 +9235,7 @@
             </p:txBody>
           </p:sp>
         </mc:Choice>
-        <mc:Fallback>
+        <mc:Fallback xmlns="">
           <p:sp>
             <p:nvSpPr>
               <p:cNvPr id="21" name="TextBox 20"/>
@@ -7704,8 +9274,8 @@
           </p:sp>
         </mc:Fallback>
       </mc:AlternateContent>
-      <mc:AlternateContent xmlns:mc="http://schemas.openxmlformats.org/markup-compatibility/2006">
-        <mc:Choice xmlns:a14="http://schemas.microsoft.com/office/drawing/2010/main" Requires="a14">
+      <mc:AlternateContent xmlns:mc="http://schemas.openxmlformats.org/markup-compatibility/2006" xmlns:a14="http://schemas.microsoft.com/office/drawing/2010/main">
+        <mc:Choice Requires="a14">
           <p:sp>
             <p:nvSpPr>
               <p:cNvPr id="22" name="TextBox 21"/>
@@ -7728,6 +9298,7 @@
               </a:bodyPr>
               <a:lstStyle/>
               <a:p>
+                <a:pPr/>
                 <a14:m>
                   <m:oMathPara xmlns:m="http://schemas.openxmlformats.org/officeDocument/2006/math">
                     <m:oMathParaPr>
@@ -7802,7 +9373,7 @@
             </p:txBody>
           </p:sp>
         </mc:Choice>
-        <mc:Fallback>
+        <mc:Fallback xmlns="">
           <p:sp>
             <p:nvSpPr>
               <p:cNvPr id="22" name="TextBox 21"/>
@@ -7841,8 +9412,8 @@
           </p:sp>
         </mc:Fallback>
       </mc:AlternateContent>
-      <mc:AlternateContent xmlns:mc="http://schemas.openxmlformats.org/markup-compatibility/2006">
-        <mc:Choice xmlns:a14="http://schemas.microsoft.com/office/drawing/2010/main" Requires="a14">
+      <mc:AlternateContent xmlns:mc="http://schemas.openxmlformats.org/markup-compatibility/2006" xmlns:a14="http://schemas.microsoft.com/office/drawing/2010/main">
+        <mc:Choice Requires="a14">
           <p:sp>
             <p:nvSpPr>
               <p:cNvPr id="23" name="TextBox 22"/>
@@ -7865,6 +9436,7 @@
               </a:bodyPr>
               <a:lstStyle/>
               <a:p>
+                <a:pPr/>
                 <a14:m>
                   <m:oMathPara xmlns:m="http://schemas.openxmlformats.org/officeDocument/2006/math">
                     <m:oMathParaPr>
@@ -7939,7 +9511,7 @@
             </p:txBody>
           </p:sp>
         </mc:Choice>
-        <mc:Fallback>
+        <mc:Fallback xmlns="">
           <p:sp>
             <p:nvSpPr>
               <p:cNvPr id="23" name="TextBox 22"/>
@@ -7978,8 +9550,8 @@
           </p:sp>
         </mc:Fallback>
       </mc:AlternateContent>
-      <mc:AlternateContent xmlns:mc="http://schemas.openxmlformats.org/markup-compatibility/2006">
-        <mc:Choice xmlns:a14="http://schemas.microsoft.com/office/drawing/2010/main" Requires="a14">
+      <mc:AlternateContent xmlns:mc="http://schemas.openxmlformats.org/markup-compatibility/2006" xmlns:a14="http://schemas.microsoft.com/office/drawing/2010/main">
+        <mc:Choice Requires="a14">
           <p:sp>
             <p:nvSpPr>
               <p:cNvPr id="24" name="TextBox 23"/>
@@ -8002,6 +9574,7 @@
               </a:bodyPr>
               <a:lstStyle/>
               <a:p>
+                <a:pPr/>
                 <a14:m>
                   <m:oMathPara xmlns:m="http://schemas.openxmlformats.org/officeDocument/2006/math">
                     <m:oMathParaPr>
@@ -8076,7 +9649,7 @@
             </p:txBody>
           </p:sp>
         </mc:Choice>
-        <mc:Fallback>
+        <mc:Fallback xmlns="">
           <p:sp>
             <p:nvSpPr>
               <p:cNvPr id="24" name="TextBox 23"/>
@@ -8115,8 +9688,8 @@
           </p:sp>
         </mc:Fallback>
       </mc:AlternateContent>
-      <mc:AlternateContent xmlns:mc="http://schemas.openxmlformats.org/markup-compatibility/2006">
-        <mc:Choice xmlns:a14="http://schemas.microsoft.com/office/drawing/2010/main" Requires="a14">
+      <mc:AlternateContent xmlns:mc="http://schemas.openxmlformats.org/markup-compatibility/2006" xmlns:a14="http://schemas.microsoft.com/office/drawing/2010/main">
+        <mc:Choice Requires="a14">
           <p:sp>
             <p:nvSpPr>
               <p:cNvPr id="25" name="TextBox 24"/>
@@ -8139,6 +9712,7 @@
               </a:bodyPr>
               <a:lstStyle/>
               <a:p>
+                <a:pPr/>
                 <a14:m>
                   <m:oMathPara xmlns:m="http://schemas.openxmlformats.org/officeDocument/2006/math">
                     <m:oMathParaPr>
@@ -8213,7 +9787,7 @@
             </p:txBody>
           </p:sp>
         </mc:Choice>
-        <mc:Fallback>
+        <mc:Fallback xmlns="">
           <p:sp>
             <p:nvSpPr>
               <p:cNvPr id="25" name="TextBox 24"/>
